--- a/PPT FWD TNSDC 2025.pptx
+++ b/PPT FWD TNSDC 2025.pptx
@@ -1,32 +1,32 @@
 
 <file path=ppt/presentation.xml><?xml version="1.0" encoding="utf-8"?>
-<p:presentation xmlns:a="http://schemas.openxmlformats.org/drawingml/2006/main" xmlns:r="http://schemas.openxmlformats.org/officeDocument/2006/relationships" xmlns:p="http://schemas.openxmlformats.org/presentationml/2006/main">
+<p:presentation xmlns:p="http://schemas.openxmlformats.org/presentationml/2006/main" xmlns:r="http://schemas.openxmlformats.org/officeDocument/2006/relationships" xmlns:a="http://schemas.openxmlformats.org/drawingml/2006/main">
   <p:sldMasterIdLst>
     <p:sldMasterId id="2147483648" r:id="rId1"/>
   </p:sldMasterIdLst>
   <p:notesMasterIdLst>
-    <p:notesMasterId r:id="rId13"/>
+    <p:notesMasterId r:id="rId2"/>
   </p:notesMasterIdLst>
   <p:sldIdLst>
-    <p:sldId id="256" r:id="rId2"/>
     <p:sldId id="257" r:id="rId3"/>
     <p:sldId id="258" r:id="rId4"/>
     <p:sldId id="259" r:id="rId5"/>
     <p:sldId id="260" r:id="rId6"/>
     <p:sldId id="261" r:id="rId7"/>
     <p:sldId id="262" r:id="rId8"/>
-    <p:sldId id="264" r:id="rId9"/>
-    <p:sldId id="269" r:id="rId10"/>
-    <p:sldId id="263" r:id="rId11"/>
-    <p:sldId id="265" r:id="rId12"/>
+    <p:sldId id="263" r:id="rId9"/>
+    <p:sldId id="264" r:id="rId10"/>
+    <p:sldId id="265" r:id="rId11"/>
+    <p:sldId id="266" r:id="rId12"/>
+    <p:sldId id="268" r:id="rId13"/>
   </p:sldIdLst>
-  <p:sldSz cx="12192000" cy="6858000"/>
+  <p:sldSz type="screen16x9" cy="6858000" cx="12192000"/>
   <p:notesSz cx="12192000" cy="6858000"/>
   <p:defaultTextStyle>
     <a:defPPr>
       <a:defRPr lang="en-US"/>
     </a:defPPr>
-    <a:lvl1pPr marL="0" algn="l" defTabSz="914400" rtl="0" eaLnBrk="1" latinLnBrk="0" hangingPunct="1">
+    <a:lvl1pPr algn="l" defTabSz="914400" eaLnBrk="1" hangingPunct="1" latinLnBrk="0" marL="0" rtl="0">
       <a:defRPr sz="1800" kern="1200">
         <a:solidFill>
           <a:schemeClr val="tx1"/>
@@ -36,7 +36,7 @@
         <a:cs typeface="+mn-cs"/>
       </a:defRPr>
     </a:lvl1pPr>
-    <a:lvl2pPr marL="457200" algn="l" defTabSz="914400" rtl="0" eaLnBrk="1" latinLnBrk="0" hangingPunct="1">
+    <a:lvl2pPr algn="l" defTabSz="914400" eaLnBrk="1" hangingPunct="1" latinLnBrk="0" marL="457200" rtl="0">
       <a:defRPr sz="1800" kern="1200">
         <a:solidFill>
           <a:schemeClr val="tx1"/>
@@ -46,7 +46,7 @@
         <a:cs typeface="+mn-cs"/>
       </a:defRPr>
     </a:lvl2pPr>
-    <a:lvl3pPr marL="914400" algn="l" defTabSz="914400" rtl="0" eaLnBrk="1" latinLnBrk="0" hangingPunct="1">
+    <a:lvl3pPr algn="l" defTabSz="914400" eaLnBrk="1" hangingPunct="1" latinLnBrk="0" marL="914400" rtl="0">
       <a:defRPr sz="1800" kern="1200">
         <a:solidFill>
           <a:schemeClr val="tx1"/>
@@ -56,7 +56,7 @@
         <a:cs typeface="+mn-cs"/>
       </a:defRPr>
     </a:lvl3pPr>
-    <a:lvl4pPr marL="1371600" algn="l" defTabSz="914400" rtl="0" eaLnBrk="1" latinLnBrk="0" hangingPunct="1">
+    <a:lvl4pPr algn="l" defTabSz="914400" eaLnBrk="1" hangingPunct="1" latinLnBrk="0" marL="1371600" rtl="0">
       <a:defRPr sz="1800" kern="1200">
         <a:solidFill>
           <a:schemeClr val="tx1"/>
@@ -66,7 +66,7 @@
         <a:cs typeface="+mn-cs"/>
       </a:defRPr>
     </a:lvl4pPr>
-    <a:lvl5pPr marL="1828800" algn="l" defTabSz="914400" rtl="0" eaLnBrk="1" latinLnBrk="0" hangingPunct="1">
+    <a:lvl5pPr algn="l" defTabSz="914400" eaLnBrk="1" hangingPunct="1" latinLnBrk="0" marL="1828800" rtl="0">
       <a:defRPr sz="1800" kern="1200">
         <a:solidFill>
           <a:schemeClr val="tx1"/>
@@ -76,7 +76,7 @@
         <a:cs typeface="+mn-cs"/>
       </a:defRPr>
     </a:lvl5pPr>
-    <a:lvl6pPr marL="2286000" algn="l" defTabSz="914400" rtl="0" eaLnBrk="1" latinLnBrk="0" hangingPunct="1">
+    <a:lvl6pPr algn="l" defTabSz="914400" eaLnBrk="1" hangingPunct="1" latinLnBrk="0" marL="2286000" rtl="0">
       <a:defRPr sz="1800" kern="1200">
         <a:solidFill>
           <a:schemeClr val="tx1"/>
@@ -86,7 +86,7 @@
         <a:cs typeface="+mn-cs"/>
       </a:defRPr>
     </a:lvl6pPr>
-    <a:lvl7pPr marL="2743200" algn="l" defTabSz="914400" rtl="0" eaLnBrk="1" latinLnBrk="0" hangingPunct="1">
+    <a:lvl7pPr algn="l" defTabSz="914400" eaLnBrk="1" hangingPunct="1" latinLnBrk="0" marL="2743200" rtl="0">
       <a:defRPr sz="1800" kern="1200">
         <a:solidFill>
           <a:schemeClr val="tx1"/>
@@ -96,7 +96,7 @@
         <a:cs typeface="+mn-cs"/>
       </a:defRPr>
     </a:lvl7pPr>
-    <a:lvl8pPr marL="3200400" algn="l" defTabSz="914400" rtl="0" eaLnBrk="1" latinLnBrk="0" hangingPunct="1">
+    <a:lvl8pPr algn="l" defTabSz="914400" eaLnBrk="1" hangingPunct="1" latinLnBrk="0" marL="3200400" rtl="0">
       <a:defRPr sz="1800" kern="1200">
         <a:solidFill>
           <a:schemeClr val="tx1"/>
@@ -106,7 +106,7 @@
         <a:cs typeface="+mn-cs"/>
       </a:defRPr>
     </a:lvl8pPr>
-    <a:lvl9pPr marL="3657600" algn="l" defTabSz="914400" rtl="0" eaLnBrk="1" latinLnBrk="0" hangingPunct="1">
+    <a:lvl9pPr algn="l" defTabSz="914400" eaLnBrk="1" hangingPunct="1" latinLnBrk="0" marL="3657600" rtl="0">
       <a:defRPr sz="1800" kern="1200">
         <a:solidFill>
           <a:schemeClr val="tx1"/>
@@ -117,31 +117,7 @@
       </a:defRPr>
     </a:lvl9pPr>
   </p:defaultTextStyle>
-  <p:extLst>
-    <p:ext uri="{EFAFB233-063F-42B5-8137-9DF3F51BA10A}">
-      <p15:sldGuideLst xmlns:p15="http://schemas.microsoft.com/office/powerpoint/2012/main">
-        <p15:guide id="1" orient="horz" pos="2880">
-          <p15:clr>
-            <a:srgbClr val="A4A3A4"/>
-          </p15:clr>
-        </p15:guide>
-        <p15:guide id="2" pos="2160">
-          <p15:clr>
-            <a:srgbClr val="A4A3A4"/>
-          </p15:clr>
-        </p15:guide>
-      </p15:sldGuideLst>
-    </p:ext>
-  </p:extLst>
 </p:presentation>
-</file>
-
-<file path=ppt/revisionInfo.xml><?xml version="1.0" encoding="utf-8"?>
-<p1510:revInfo xmlns:a="http://schemas.openxmlformats.org/drawingml/2006/main" xmlns:r="http://schemas.openxmlformats.org/officeDocument/2006/relationships" xmlns:p1510="http://schemas.microsoft.com/office/powerpoint/2015/10/main">
-  <p1510:revLst>
-    <p1510:client id="{D5830CC7-8040-4162-8342-BB180D82127D}" v="17" dt="2024-08-20T06:41:39.573"/>
-  </p1510:revLst>
-</p1510:revInfo>
 </file>
 
 <file path=ppt/notesMasters/notesMaster1.xml><?xml version="1.0" encoding="utf-8"?>
@@ -154,7 +130,7 @@
     </p:bg>
     <p:spTree>
       <p:nvGrpSpPr>
-        <p:cNvPr id="1" name=""/>
+        <p:cNvPr id="44" name=""/>
         <p:cNvGrpSpPr/>
         <p:nvPr/>
       </p:nvGrpSpPr>
@@ -168,7 +144,7 @@
       </p:grpSpPr>
       <p:sp>
         <p:nvSpPr>
-          <p:cNvPr id="2" name="Header Placeholder 1"/>
+          <p:cNvPr id="1048694" name="Header Placeholder 1"/>
           <p:cNvSpPr>
             <a:spLocks noGrp="1"/>
           </p:cNvSpPr>
@@ -181,12 +157,10 @@
             <a:off x="0" y="0"/>
             <a:ext cx="5283200" cy="344488"/>
           </a:xfrm>
-          <a:prstGeom prst="rect">
-            <a:avLst/>
-          </a:prstGeom>
-        </p:spPr>
-        <p:txBody>
-          <a:bodyPr vert="horz" lIns="91440" tIns="45720" rIns="91440" bIns="45720" rtlCol="0"/>
+          <a:prstGeom prst="rect"/>
+        </p:spPr>
+        <p:txBody>
+          <a:bodyPr bIns="45720" lIns="91440" rIns="91440" rtlCol="0" tIns="45720" vert="horz"/>
           <a:lstStyle>
             <a:lvl1pPr algn="l">
               <a:defRPr sz="1200"/>
@@ -199,7 +173,7 @@
       </p:sp>
       <p:sp>
         <p:nvSpPr>
-          <p:cNvPr id="3" name="Date Placeholder 2"/>
+          <p:cNvPr id="1048695" name="Date Placeholder 2"/>
           <p:cNvSpPr>
             <a:spLocks noGrp="1"/>
           </p:cNvSpPr>
@@ -212,12 +186,10 @@
             <a:off x="6905625" y="0"/>
             <a:ext cx="5283200" cy="344488"/>
           </a:xfrm>
-          <a:prstGeom prst="rect">
-            <a:avLst/>
-          </a:prstGeom>
-        </p:spPr>
-        <p:txBody>
-          <a:bodyPr vert="horz" lIns="91440" tIns="45720" rIns="91440" bIns="45720" rtlCol="0"/>
+          <a:prstGeom prst="rect"/>
+        </p:spPr>
+        <p:txBody>
+          <a:bodyPr bIns="45720" lIns="91440" rIns="91440" rtlCol="0" tIns="45720" vert="horz"/>
           <a:lstStyle>
             <a:lvl1pPr algn="r">
               <a:defRPr sz="1200"/>
@@ -234,9 +206,9 @@
       </p:sp>
       <p:sp>
         <p:nvSpPr>
-          <p:cNvPr id="4" name="Slide Image Placeholder 3"/>
+          <p:cNvPr id="1048696" name="Slide Image Placeholder 3"/>
           <p:cNvSpPr>
-            <a:spLocks noGrp="1" noRot="1" noChangeAspect="1"/>
+            <a:spLocks noChangeAspect="1" noRot="1" noGrp="1"/>
           </p:cNvSpPr>
           <p:nvPr>
             <p:ph type="sldImg" idx="2"/>
@@ -247,9 +219,7 @@
             <a:off x="4038600" y="857250"/>
             <a:ext cx="4114800" cy="2314575"/>
           </a:xfrm>
-          <a:prstGeom prst="rect">
-            <a:avLst/>
-          </a:prstGeom>
+          <a:prstGeom prst="rect"/>
           <a:noFill/>
           <a:ln w="12700">
             <a:solidFill>
@@ -258,8 +228,7 @@
           </a:ln>
         </p:spPr>
         <p:txBody>
-          <a:bodyPr vert="horz" lIns="91440" tIns="45720" rIns="91440" bIns="45720" rtlCol="0" anchor="ctr"/>
-          <a:lstStyle/>
+          <a:bodyPr anchor="ctr" bIns="45720" lIns="91440" rIns="91440" rtlCol="0" tIns="45720" vert="horz"/>
           <a:p>
             <a:endParaRPr lang="en-IN"/>
           </a:p>
@@ -267,7 +236,7 @@
       </p:sp>
       <p:sp>
         <p:nvSpPr>
-          <p:cNvPr id="5" name="Notes Placeholder 4"/>
+          <p:cNvPr id="1048697" name="Notes Placeholder 4"/>
           <p:cNvSpPr>
             <a:spLocks noGrp="1"/>
           </p:cNvSpPr>
@@ -280,13 +249,10 @@
             <a:off x="1219200" y="3300413"/>
             <a:ext cx="9753600" cy="2700337"/>
           </a:xfrm>
-          <a:prstGeom prst="rect">
-            <a:avLst/>
-          </a:prstGeom>
-        </p:spPr>
-        <p:txBody>
-          <a:bodyPr vert="horz" lIns="91440" tIns="45720" rIns="91440" bIns="45720" rtlCol="0"/>
-          <a:lstStyle/>
+          <a:prstGeom prst="rect"/>
+        </p:spPr>
+        <p:txBody>
+          <a:bodyPr bIns="45720" lIns="91440" rIns="91440" rtlCol="0" tIns="45720" vert="horz"/>
           <a:p>
             <a:pPr lvl="0"/>
             <a:r>
@@ -327,7 +293,7 @@
       </p:sp>
       <p:sp>
         <p:nvSpPr>
-          <p:cNvPr id="6" name="Footer Placeholder 5"/>
+          <p:cNvPr id="1048698" name="Footer Placeholder 5"/>
           <p:cNvSpPr>
             <a:spLocks noGrp="1"/>
           </p:cNvSpPr>
@@ -340,12 +306,10 @@
             <a:off x="0" y="6513513"/>
             <a:ext cx="5283200" cy="344487"/>
           </a:xfrm>
-          <a:prstGeom prst="rect">
-            <a:avLst/>
-          </a:prstGeom>
-        </p:spPr>
-        <p:txBody>
-          <a:bodyPr vert="horz" lIns="91440" tIns="45720" rIns="91440" bIns="45720" rtlCol="0" anchor="b"/>
+          <a:prstGeom prst="rect"/>
+        </p:spPr>
+        <p:txBody>
+          <a:bodyPr anchor="b" bIns="45720" lIns="91440" rIns="91440" rtlCol="0" tIns="45720" vert="horz"/>
           <a:lstStyle>
             <a:lvl1pPr algn="l">
               <a:defRPr sz="1200"/>
@@ -358,7 +322,7 @@
       </p:sp>
       <p:sp>
         <p:nvSpPr>
-          <p:cNvPr id="7" name="Slide Number Placeholder 6"/>
+          <p:cNvPr id="1048699" name="Slide Number Placeholder 6"/>
           <p:cNvSpPr>
             <a:spLocks noGrp="1"/>
           </p:cNvSpPr>
@@ -371,12 +335,10 @@
             <a:off x="6905625" y="6513513"/>
             <a:ext cx="5283200" cy="344487"/>
           </a:xfrm>
-          <a:prstGeom prst="rect">
-            <a:avLst/>
-          </a:prstGeom>
-        </p:spPr>
-        <p:txBody>
-          <a:bodyPr vert="horz" lIns="91440" tIns="45720" rIns="91440" bIns="45720" rtlCol="0" anchor="b"/>
+          <a:prstGeom prst="rect"/>
+        </p:spPr>
+        <p:txBody>
+          <a:bodyPr anchor="b" bIns="45720" lIns="91440" rIns="91440" rtlCol="0" tIns="45720" vert="horz"/>
           <a:lstStyle>
             <a:lvl1pPr algn="r">
               <a:defRPr sz="1200"/>
@@ -392,15 +354,10 @@
         </p:txBody>
       </p:sp>
     </p:spTree>
-    <p:extLst>
-      <p:ext uri="{BB962C8B-B14F-4D97-AF65-F5344CB8AC3E}">
-        <p14:creationId xmlns:p14="http://schemas.microsoft.com/office/powerpoint/2010/main" val="2918557904"/>
-      </p:ext>
-    </p:extLst>
   </p:cSld>
-  <p:clrMap bg1="lt1" tx1="dk1" bg2="lt2" tx2="dk2" accent1="accent1" accent2="accent2" accent3="accent3" accent4="accent4" accent5="accent5" accent6="accent6" hlink="hlink" folHlink="folHlink"/>
+  <p:clrMap accent1="accent1" accent2="accent2" accent3="accent3" accent4="accent4" accent5="accent5" accent6="accent6" bg1="lt1" bg2="lt2" tx1="dk1" tx2="dk2" hlink="hlink" folHlink="folHlink"/>
   <p:notesStyle>
-    <a:lvl1pPr marL="0" algn="l" defTabSz="914400" rtl="0" eaLnBrk="1" latinLnBrk="0" hangingPunct="1">
+    <a:lvl1pPr algn="l" defTabSz="914400" eaLnBrk="1" hangingPunct="1" latinLnBrk="0" marL="0" rtl="0">
       <a:defRPr sz="1200" kern="1200">
         <a:solidFill>
           <a:schemeClr val="tx1"/>
@@ -410,7 +367,7 @@
         <a:cs typeface="+mn-cs"/>
       </a:defRPr>
     </a:lvl1pPr>
-    <a:lvl2pPr marL="457200" algn="l" defTabSz="914400" rtl="0" eaLnBrk="1" latinLnBrk="0" hangingPunct="1">
+    <a:lvl2pPr algn="l" defTabSz="914400" eaLnBrk="1" hangingPunct="1" latinLnBrk="0" marL="457200" rtl="0">
       <a:defRPr sz="1200" kern="1200">
         <a:solidFill>
           <a:schemeClr val="tx1"/>
@@ -420,7 +377,7 @@
         <a:cs typeface="+mn-cs"/>
       </a:defRPr>
     </a:lvl2pPr>
-    <a:lvl3pPr marL="914400" algn="l" defTabSz="914400" rtl="0" eaLnBrk="1" latinLnBrk="0" hangingPunct="1">
+    <a:lvl3pPr algn="l" defTabSz="914400" eaLnBrk="1" hangingPunct="1" latinLnBrk="0" marL="914400" rtl="0">
       <a:defRPr sz="1200" kern="1200">
         <a:solidFill>
           <a:schemeClr val="tx1"/>
@@ -430,7 +387,7 @@
         <a:cs typeface="+mn-cs"/>
       </a:defRPr>
     </a:lvl3pPr>
-    <a:lvl4pPr marL="1371600" algn="l" defTabSz="914400" rtl="0" eaLnBrk="1" latinLnBrk="0" hangingPunct="1">
+    <a:lvl4pPr algn="l" defTabSz="914400" eaLnBrk="1" hangingPunct="1" latinLnBrk="0" marL="1371600" rtl="0">
       <a:defRPr sz="1200" kern="1200">
         <a:solidFill>
           <a:schemeClr val="tx1"/>
@@ -440,7 +397,7 @@
         <a:cs typeface="+mn-cs"/>
       </a:defRPr>
     </a:lvl4pPr>
-    <a:lvl5pPr marL="1828800" algn="l" defTabSz="914400" rtl="0" eaLnBrk="1" latinLnBrk="0" hangingPunct="1">
+    <a:lvl5pPr algn="l" defTabSz="914400" eaLnBrk="1" hangingPunct="1" latinLnBrk="0" marL="1828800" rtl="0">
       <a:defRPr sz="1200" kern="1200">
         <a:solidFill>
           <a:schemeClr val="tx1"/>
@@ -450,7 +407,7 @@
         <a:cs typeface="+mn-cs"/>
       </a:defRPr>
     </a:lvl5pPr>
-    <a:lvl6pPr marL="2286000" algn="l" defTabSz="914400" rtl="0" eaLnBrk="1" latinLnBrk="0" hangingPunct="1">
+    <a:lvl6pPr algn="l" defTabSz="914400" eaLnBrk="1" hangingPunct="1" latinLnBrk="0" marL="2286000" rtl="0">
       <a:defRPr sz="1200" kern="1200">
         <a:solidFill>
           <a:schemeClr val="tx1"/>
@@ -460,7 +417,7 @@
         <a:cs typeface="+mn-cs"/>
       </a:defRPr>
     </a:lvl6pPr>
-    <a:lvl7pPr marL="2743200" algn="l" defTabSz="914400" rtl="0" eaLnBrk="1" latinLnBrk="0" hangingPunct="1">
+    <a:lvl7pPr algn="l" defTabSz="914400" eaLnBrk="1" hangingPunct="1" latinLnBrk="0" marL="2743200" rtl="0">
       <a:defRPr sz="1200" kern="1200">
         <a:solidFill>
           <a:schemeClr val="tx1"/>
@@ -470,7 +427,7 @@
         <a:cs typeface="+mn-cs"/>
       </a:defRPr>
     </a:lvl7pPr>
-    <a:lvl8pPr marL="3200400" algn="l" defTabSz="914400" rtl="0" eaLnBrk="1" latinLnBrk="0" hangingPunct="1">
+    <a:lvl8pPr algn="l" defTabSz="914400" eaLnBrk="1" hangingPunct="1" latinLnBrk="0" marL="3200400" rtl="0">
       <a:defRPr sz="1200" kern="1200">
         <a:solidFill>
           <a:schemeClr val="tx1"/>
@@ -480,7 +437,7 @@
         <a:cs typeface="+mn-cs"/>
       </a:defRPr>
     </a:lvl8pPr>
-    <a:lvl9pPr marL="3657600" algn="l" defTabSz="914400" rtl="0" eaLnBrk="1" latinLnBrk="0" hangingPunct="1">
+    <a:lvl9pPr algn="l" defTabSz="914400" eaLnBrk="1" hangingPunct="1" latinLnBrk="0" marL="3657600" rtl="0">
       <a:defRPr sz="1200" kern="1200">
         <a:solidFill>
           <a:schemeClr val="tx1"/>
@@ -499,7 +456,7 @@
   <p:cSld>
     <p:spTree>
       <p:nvGrpSpPr>
-        <p:cNvPr id="1" name=""/>
+        <p:cNvPr id="22" name=""/>
         <p:cNvGrpSpPr/>
         <p:nvPr/>
       </p:nvGrpSpPr>
@@ -513,9 +470,9 @@
       </p:grpSpPr>
       <p:sp>
         <p:nvSpPr>
-          <p:cNvPr id="2" name="Slide Image Placeholder 1"/>
+          <p:cNvPr id="1048603" name="Slide Image Placeholder 1"/>
           <p:cNvSpPr>
-            <a:spLocks noGrp="1" noRot="1" noChangeAspect="1"/>
+            <a:spLocks noChangeAspect="1" noRot="1" noGrp="1"/>
           </p:cNvSpPr>
           <p:nvPr>
             <p:ph type="sldImg"/>
@@ -525,7 +482,7 @@
       </p:sp>
       <p:sp>
         <p:nvSpPr>
-          <p:cNvPr id="3" name="Notes Placeholder 2"/>
+          <p:cNvPr id="1048604" name="Notes Placeholder 2"/>
           <p:cNvSpPr>
             <a:spLocks noGrp="1"/>
           </p:cNvSpPr>
@@ -536,15 +493,14 @@
         <p:spPr/>
         <p:txBody>
           <a:bodyPr/>
-          <a:lstStyle/>
-          <a:p>
-            <a:endParaRPr lang="en-IN" dirty="0"/>
-          </a:p>
-        </p:txBody>
-      </p:sp>
-      <p:sp>
-        <p:nvSpPr>
-          <p:cNvPr id="4" name="Slide Number Placeholder 3"/>
+          <a:p>
+            <a:endParaRPr dirty="0" lang="en-IN"/>
+          </a:p>
+        </p:txBody>
+      </p:sp>
+      <p:sp>
+        <p:nvSpPr>
+          <p:cNvPr id="1048605" name="Slide Number Placeholder 3"/>
           <p:cNvSpPr>
             <a:spLocks noGrp="1"/>
           </p:cNvSpPr>
@@ -555,7 +511,6 @@
         <p:spPr/>
         <p:txBody>
           <a:bodyPr/>
-          <a:lstStyle/>
           <a:p>
             <a:fld id="{F7F439ED-1E90-4106-847A-8EF19031FE2F}" type="slidenum">
               <a:rPr lang="en-IN" smtClean="0"/>
@@ -566,11 +521,6 @@
         </p:txBody>
       </p:sp>
     </p:spTree>
-    <p:extLst>
-      <p:ext uri="{BB962C8B-B14F-4D97-AF65-F5344CB8AC3E}">
-        <p14:creationId xmlns:p14="http://schemas.microsoft.com/office/powerpoint/2010/main" val="404353501"/>
-      </p:ext>
-    </p:extLst>
   </p:cSld>
   <p:clrMapOvr>
     <a:masterClrMapping/>
@@ -579,11 +529,11 @@
 </file>
 
 <file path=ppt/slideLayouts/slideLayout1.xml><?xml version="1.0" encoding="utf-8"?>
-<p:sldLayout xmlns:a="http://schemas.openxmlformats.org/drawingml/2006/main" xmlns:r="http://schemas.openxmlformats.org/officeDocument/2006/relationships" xmlns:p="http://schemas.openxmlformats.org/presentationml/2006/main" type="obj" preserve="1">
+<p:sldLayout xmlns:a="http://schemas.openxmlformats.org/drawingml/2006/main" xmlns:r="http://schemas.openxmlformats.org/officeDocument/2006/relationships" xmlns:p="http://schemas.openxmlformats.org/presentationml/2006/main" preserve="1" type="obj">
   <p:cSld name="Title Slide">
     <p:spTree>
       <p:nvGrpSpPr>
-        <p:cNvPr id="1" name=""/>
+        <p:cNvPr id="18" name=""/>
         <p:cNvGrpSpPr/>
         <p:nvPr/>
       </p:nvGrpSpPr>
@@ -597,7 +547,7 @@
       </p:grpSpPr>
       <p:sp>
         <p:nvSpPr>
-          <p:cNvPr id="2" name="Holder 2"/>
+          <p:cNvPr id="1048591" name="Holder 2"/>
           <p:cNvSpPr>
             <a:spLocks noGrp="1"/>
           </p:cNvSpPr>
@@ -608,19 +558,17 @@
         <p:spPr>
           <a:xfrm>
             <a:off x="3195574" y="2067305"/>
-            <a:ext cx="5800851" cy="518160"/>
-          </a:xfrm>
-          <a:prstGeom prst="rect">
-            <a:avLst/>
-          </a:prstGeom>
-        </p:spPr>
-        <p:txBody>
-          <a:bodyPr wrap="square" lIns="0" tIns="0" rIns="0" bIns="0">
+            <a:ext cx="5800851" cy="482600"/>
+          </a:xfrm>
+          <a:prstGeom prst="rect"/>
+        </p:spPr>
+        <p:txBody>
+          <a:bodyPr bIns="0" lIns="0" rIns="0" tIns="0" wrap="square">
             <a:spAutoFit/>
           </a:bodyPr>
           <a:lstStyle>
             <a:lvl1pPr>
-              <a:defRPr sz="3200" b="0" i="0">
+              <a:defRPr b="0" sz="3200" i="0">
                 <a:solidFill>
                   <a:schemeClr val="tx1"/>
                 </a:solidFill>
@@ -629,14 +577,12 @@
               </a:defRPr>
             </a:lvl1pPr>
           </a:lstStyle>
-          <a:p>
-            <a:endParaRPr/>
-          </a:p>
-        </p:txBody>
-      </p:sp>
-      <p:sp>
-        <p:nvSpPr>
-          <p:cNvPr id="3" name="Holder 3"/>
+          <a:p/>
+        </p:txBody>
+      </p:sp>
+      <p:sp>
+        <p:nvSpPr>
+          <p:cNvPr id="1048592" name="Holder 3"/>
           <p:cNvSpPr>
             <a:spLocks noGrp="1"/>
           </p:cNvSpPr>
@@ -647,29 +593,20 @@
         <p:spPr>
           <a:xfrm>
             <a:off x="1828800" y="3840480"/>
-            <a:ext cx="8534400" cy="1714500"/>
-          </a:xfrm>
-          <a:prstGeom prst="rect">
-            <a:avLst/>
-          </a:prstGeom>
-        </p:spPr>
-        <p:txBody>
-          <a:bodyPr wrap="square" lIns="0" tIns="0" rIns="0" bIns="0">
+            <a:ext cx="8534400" cy="266700"/>
+          </a:xfrm>
+          <a:prstGeom prst="rect"/>
+        </p:spPr>
+        <p:txBody>
+          <a:bodyPr bIns="0" lIns="0" rIns="0" tIns="0" wrap="square">
             <a:spAutoFit/>
           </a:bodyPr>
-          <a:lstStyle>
-            <a:lvl1pPr>
-              <a:defRPr/>
-            </a:lvl1pPr>
-          </a:lstStyle>
-          <a:p>
-            <a:endParaRPr/>
-          </a:p>
-        </p:txBody>
-      </p:sp>
-      <p:sp>
-        <p:nvSpPr>
-          <p:cNvPr id="4" name="Holder 4"/>
+          <a:p/>
+        </p:txBody>
+      </p:sp>
+      <p:sp>
+        <p:nvSpPr>
+          <p:cNvPr id="1048593" name="Holder 4"/>
           <p:cNvSpPr>
             <a:spLocks noGrp="1"/>
           </p:cNvSpPr>
@@ -679,7 +616,7 @@
         </p:nvSpPr>
         <p:spPr/>
         <p:txBody>
-          <a:bodyPr lIns="0" tIns="0" rIns="0" bIns="0"/>
+          <a:bodyPr bIns="0" lIns="0" rIns="0" tIns="0"/>
           <a:lstStyle>
             <a:lvl1pPr algn="ctr">
               <a:defRPr>
@@ -691,14 +628,12 @@
               </a:defRPr>
             </a:lvl1pPr>
           </a:lstStyle>
-          <a:p>
-            <a:endParaRPr/>
-          </a:p>
-        </p:txBody>
-      </p:sp>
-      <p:sp>
-        <p:nvSpPr>
-          <p:cNvPr id="5" name="Holder 5"/>
+          <a:p/>
+        </p:txBody>
+      </p:sp>
+      <p:sp>
+        <p:nvSpPr>
+          <p:cNvPr id="1048594" name="Holder 5"/>
           <p:cNvSpPr>
             <a:spLocks noGrp="1"/>
           </p:cNvSpPr>
@@ -708,7 +643,7 @@
         </p:nvSpPr>
         <p:spPr/>
         <p:txBody>
-          <a:bodyPr lIns="0" tIns="0" rIns="0" bIns="0"/>
+          <a:bodyPr bIns="0" lIns="0" rIns="0" tIns="0"/>
           <a:lstStyle>
             <a:lvl1pPr algn="l">
               <a:defRPr>
@@ -731,7 +666,7 @@
       </p:sp>
       <p:sp>
         <p:nvSpPr>
-          <p:cNvPr id="6" name="Holder 6"/>
+          <p:cNvPr id="1048595" name="Holder 6"/>
           <p:cNvSpPr>
             <a:spLocks noGrp="1"/>
           </p:cNvSpPr>
@@ -741,10 +676,10 @@
         </p:nvSpPr>
         <p:spPr/>
         <p:txBody>
-          <a:bodyPr lIns="0" tIns="0" rIns="0" bIns="0"/>
+          <a:bodyPr bIns="0" lIns="0" rIns="0" tIns="0"/>
           <a:lstStyle>
             <a:lvl1pPr>
-              <a:defRPr sz="1100" b="0" i="0">
+              <a:defRPr b="0" sz="1100" i="0">
                 <a:solidFill>
                   <a:srgbClr val="2D936B"/>
                 </a:solidFill>
@@ -763,10 +698,10 @@
               </a:spcBef>
             </a:pPr>
             <a:fld id="{81D60167-4931-47E6-BA6A-407CBD079E47}" type="slidenum">
-              <a:rPr spc="10" dirty="0"/>
+              <a:rPr dirty="0" spc="10"/>
               <a:t>‹#›</a:t>
             </a:fld>
-            <a:endParaRPr spc="10" dirty="0"/>
+            <a:endParaRPr dirty="0" spc="10"/>
           </a:p>
         </p:txBody>
       </p:sp>
@@ -779,11 +714,11 @@
 </file>
 
 <file path=ppt/slideLayouts/slideLayout2.xml><?xml version="1.0" encoding="utf-8"?>
-<p:sldLayout xmlns:a="http://schemas.openxmlformats.org/drawingml/2006/main" xmlns:r="http://schemas.openxmlformats.org/officeDocument/2006/relationships" xmlns:p="http://schemas.openxmlformats.org/presentationml/2006/main" type="obj" preserve="1">
+<p:sldLayout xmlns:a="http://schemas.openxmlformats.org/drawingml/2006/main" xmlns:r="http://schemas.openxmlformats.org/officeDocument/2006/relationships" xmlns:p="http://schemas.openxmlformats.org/presentationml/2006/main" preserve="1" type="obj">
   <p:cSld name="Title and Content">
     <p:spTree>
       <p:nvGrpSpPr>
-        <p:cNvPr id="1" name=""/>
+        <p:cNvPr id="41" name=""/>
         <p:cNvGrpSpPr/>
         <p:nvPr/>
       </p:nvGrpSpPr>
@@ -797,7 +732,7 @@
       </p:grpSpPr>
       <p:sp>
         <p:nvSpPr>
-          <p:cNvPr id="2" name="Holder 2"/>
+          <p:cNvPr id="1048680" name="Holder 2"/>
           <p:cNvSpPr>
             <a:spLocks noGrp="1"/>
           </p:cNvSpPr>
@@ -805,12 +740,17 @@
             <p:ph type="title"/>
           </p:nvPr>
         </p:nvSpPr>
-        <p:spPr/>
-        <p:txBody>
-          <a:bodyPr lIns="0" tIns="0" rIns="0" bIns="0"/>
+        <p:spPr>
+          <a:xfrm>
+            <a:off x="755332" y="385444"/>
+            <a:ext cx="10681335" cy="723901"/>
+          </a:xfrm>
+        </p:spPr>
+        <p:txBody>
+          <a:bodyPr bIns="0" lIns="0" rIns="0" tIns="0"/>
           <a:lstStyle>
             <a:lvl1pPr>
-              <a:defRPr sz="4800" b="1" i="0">
+              <a:defRPr b="1" sz="4800" i="0">
                 <a:solidFill>
                   <a:schemeClr val="tx1"/>
                 </a:solidFill>
@@ -819,14 +759,12 @@
               </a:defRPr>
             </a:lvl1pPr>
           </a:lstStyle>
-          <a:p>
-            <a:endParaRPr/>
-          </a:p>
-        </p:txBody>
-      </p:sp>
-      <p:sp>
-        <p:nvSpPr>
-          <p:cNvPr id="3" name="Holder 3"/>
+          <a:p/>
+        </p:txBody>
+      </p:sp>
+      <p:sp>
+        <p:nvSpPr>
+          <p:cNvPr id="1048681" name="Holder 3"/>
           <p:cNvSpPr>
             <a:spLocks noGrp="1"/>
           </p:cNvSpPr>
@@ -834,22 +772,20 @@
             <p:ph type="body" idx="1"/>
           </p:nvPr>
         </p:nvSpPr>
-        <p:spPr/>
-        <p:txBody>
-          <a:bodyPr lIns="0" tIns="0" rIns="0" bIns="0"/>
-          <a:lstStyle>
-            <a:lvl1pPr>
-              <a:defRPr/>
-            </a:lvl1pPr>
-          </a:lstStyle>
-          <a:p>
-            <a:endParaRPr/>
-          </a:p>
-        </p:txBody>
-      </p:sp>
-      <p:sp>
-        <p:nvSpPr>
-          <p:cNvPr id="4" name="Holder 4"/>
+        <p:spPr>
+          <a:xfrm>
+            <a:off x="609600" y="1577340"/>
+            <a:ext cx="10972800" cy="266700"/>
+          </a:xfrm>
+        </p:spPr>
+        <p:txBody>
+          <a:bodyPr bIns="0" lIns="0" rIns="0" tIns="0"/>
+          <a:p/>
+        </p:txBody>
+      </p:sp>
+      <p:sp>
+        <p:nvSpPr>
+          <p:cNvPr id="1048682" name="Holder 4"/>
           <p:cNvSpPr>
             <a:spLocks noGrp="1"/>
           </p:cNvSpPr>
@@ -859,7 +795,7 @@
         </p:nvSpPr>
         <p:spPr/>
         <p:txBody>
-          <a:bodyPr lIns="0" tIns="0" rIns="0" bIns="0"/>
+          <a:bodyPr bIns="0" lIns="0" rIns="0" tIns="0"/>
           <a:lstStyle>
             <a:lvl1pPr algn="ctr">
               <a:defRPr>
@@ -871,14 +807,12 @@
               </a:defRPr>
             </a:lvl1pPr>
           </a:lstStyle>
-          <a:p>
-            <a:endParaRPr/>
-          </a:p>
-        </p:txBody>
-      </p:sp>
-      <p:sp>
-        <p:nvSpPr>
-          <p:cNvPr id="5" name="Holder 5"/>
+          <a:p/>
+        </p:txBody>
+      </p:sp>
+      <p:sp>
+        <p:nvSpPr>
+          <p:cNvPr id="1048683" name="Holder 5"/>
           <p:cNvSpPr>
             <a:spLocks noGrp="1"/>
           </p:cNvSpPr>
@@ -888,7 +822,7 @@
         </p:nvSpPr>
         <p:spPr/>
         <p:txBody>
-          <a:bodyPr lIns="0" tIns="0" rIns="0" bIns="0"/>
+          <a:bodyPr bIns="0" lIns="0" rIns="0" tIns="0"/>
           <a:lstStyle>
             <a:lvl1pPr algn="l">
               <a:defRPr>
@@ -911,7 +845,7 @@
       </p:sp>
       <p:sp>
         <p:nvSpPr>
-          <p:cNvPr id="6" name="Holder 6"/>
+          <p:cNvPr id="1048684" name="Holder 6"/>
           <p:cNvSpPr>
             <a:spLocks noGrp="1"/>
           </p:cNvSpPr>
@@ -921,10 +855,10 @@
         </p:nvSpPr>
         <p:spPr/>
         <p:txBody>
-          <a:bodyPr lIns="0" tIns="0" rIns="0" bIns="0"/>
+          <a:bodyPr bIns="0" lIns="0" rIns="0" tIns="0"/>
           <a:lstStyle>
             <a:lvl1pPr>
-              <a:defRPr sz="1100" b="0" i="0">
+              <a:defRPr b="0" sz="1100" i="0">
                 <a:solidFill>
                   <a:srgbClr val="2D936B"/>
                 </a:solidFill>
@@ -943,10 +877,10 @@
               </a:spcBef>
             </a:pPr>
             <a:fld id="{81D60167-4931-47E6-BA6A-407CBD079E47}" type="slidenum">
-              <a:rPr spc="10" dirty="0"/>
+              <a:rPr dirty="0" spc="10"/>
               <a:t>‹#›</a:t>
             </a:fld>
-            <a:endParaRPr spc="10" dirty="0"/>
+            <a:endParaRPr dirty="0" spc="10"/>
           </a:p>
         </p:txBody>
       </p:sp>
@@ -959,11 +893,11 @@
 </file>
 
 <file path=ppt/slideLayouts/slideLayout3.xml><?xml version="1.0" encoding="utf-8"?>
-<p:sldLayout xmlns:a="http://schemas.openxmlformats.org/drawingml/2006/main" xmlns:r="http://schemas.openxmlformats.org/officeDocument/2006/relationships" xmlns:p="http://schemas.openxmlformats.org/presentationml/2006/main" type="obj" preserve="1">
+<p:sldLayout xmlns:a="http://schemas.openxmlformats.org/drawingml/2006/main" xmlns:r="http://schemas.openxmlformats.org/officeDocument/2006/relationships" xmlns:p="http://schemas.openxmlformats.org/presentationml/2006/main" preserve="1" type="obj">
   <p:cSld name="Two Content">
     <p:spTree>
       <p:nvGrpSpPr>
-        <p:cNvPr id="1" name=""/>
+        <p:cNvPr id="42" name=""/>
         <p:cNvGrpSpPr/>
         <p:nvPr/>
       </p:nvGrpSpPr>
@@ -977,7 +911,7 @@
       </p:grpSpPr>
       <p:sp>
         <p:nvSpPr>
-          <p:cNvPr id="2" name="Holder 2"/>
+          <p:cNvPr id="1048685" name="Holder 2"/>
           <p:cNvSpPr>
             <a:spLocks noGrp="1"/>
           </p:cNvSpPr>
@@ -985,12 +919,17 @@
             <p:ph type="title"/>
           </p:nvPr>
         </p:nvSpPr>
-        <p:spPr/>
-        <p:txBody>
-          <a:bodyPr lIns="0" tIns="0" rIns="0" bIns="0"/>
+        <p:spPr>
+          <a:xfrm>
+            <a:off x="755332" y="385444"/>
+            <a:ext cx="10681335" cy="723901"/>
+          </a:xfrm>
+        </p:spPr>
+        <p:txBody>
+          <a:bodyPr bIns="0" lIns="0" rIns="0" tIns="0"/>
           <a:lstStyle>
             <a:lvl1pPr>
-              <a:defRPr sz="4800" b="1" i="0">
+              <a:defRPr b="1" sz="4800" i="0">
                 <a:solidFill>
                   <a:schemeClr val="tx1"/>
                 </a:solidFill>
@@ -999,14 +938,12 @@
               </a:defRPr>
             </a:lvl1pPr>
           </a:lstStyle>
-          <a:p>
-            <a:endParaRPr/>
-          </a:p>
-        </p:txBody>
-      </p:sp>
-      <p:sp>
-        <p:nvSpPr>
-          <p:cNvPr id="3" name="Holder 3"/>
+          <a:p/>
+        </p:txBody>
+      </p:sp>
+      <p:sp>
+        <p:nvSpPr>
+          <p:cNvPr id="1048686" name="Holder 3"/>
           <p:cNvSpPr>
             <a:spLocks noGrp="1"/>
           </p:cNvSpPr>
@@ -1017,29 +954,20 @@
         <p:spPr>
           <a:xfrm>
             <a:off x="609600" y="1577340"/>
-            <a:ext cx="5303520" cy="4526280"/>
-          </a:xfrm>
-          <a:prstGeom prst="rect">
-            <a:avLst/>
-          </a:prstGeom>
-        </p:spPr>
-        <p:txBody>
-          <a:bodyPr wrap="square" lIns="0" tIns="0" rIns="0" bIns="0">
+            <a:ext cx="5303520" cy="266700"/>
+          </a:xfrm>
+          <a:prstGeom prst="rect"/>
+        </p:spPr>
+        <p:txBody>
+          <a:bodyPr bIns="0" lIns="0" rIns="0" tIns="0" wrap="square">
             <a:spAutoFit/>
           </a:bodyPr>
-          <a:lstStyle>
-            <a:lvl1pPr>
-              <a:defRPr/>
-            </a:lvl1pPr>
-          </a:lstStyle>
-          <a:p>
-            <a:endParaRPr/>
-          </a:p>
-        </p:txBody>
-      </p:sp>
-      <p:sp>
-        <p:nvSpPr>
-          <p:cNvPr id="4" name="Holder 4"/>
+          <a:p/>
+        </p:txBody>
+      </p:sp>
+      <p:sp>
+        <p:nvSpPr>
+          <p:cNvPr id="1048687" name="Holder 4"/>
           <p:cNvSpPr>
             <a:spLocks noGrp="1"/>
           </p:cNvSpPr>
@@ -1050,29 +978,20 @@
         <p:spPr>
           <a:xfrm>
             <a:off x="6278880" y="1577340"/>
-            <a:ext cx="5303520" cy="4526280"/>
-          </a:xfrm>
-          <a:prstGeom prst="rect">
-            <a:avLst/>
-          </a:prstGeom>
-        </p:spPr>
-        <p:txBody>
-          <a:bodyPr wrap="square" lIns="0" tIns="0" rIns="0" bIns="0">
+            <a:ext cx="5303520" cy="266700"/>
+          </a:xfrm>
+          <a:prstGeom prst="rect"/>
+        </p:spPr>
+        <p:txBody>
+          <a:bodyPr bIns="0" lIns="0" rIns="0" tIns="0" wrap="square">
             <a:spAutoFit/>
           </a:bodyPr>
-          <a:lstStyle>
-            <a:lvl1pPr>
-              <a:defRPr/>
-            </a:lvl1pPr>
-          </a:lstStyle>
-          <a:p>
-            <a:endParaRPr/>
-          </a:p>
-        </p:txBody>
-      </p:sp>
-      <p:sp>
-        <p:nvSpPr>
-          <p:cNvPr id="5" name="Holder 5"/>
+          <a:p/>
+        </p:txBody>
+      </p:sp>
+      <p:sp>
+        <p:nvSpPr>
+          <p:cNvPr id="1048688" name="Holder 5"/>
           <p:cNvSpPr>
             <a:spLocks noGrp="1"/>
           </p:cNvSpPr>
@@ -1082,7 +1001,7 @@
         </p:nvSpPr>
         <p:spPr/>
         <p:txBody>
-          <a:bodyPr lIns="0" tIns="0" rIns="0" bIns="0"/>
+          <a:bodyPr bIns="0" lIns="0" rIns="0" tIns="0"/>
           <a:lstStyle>
             <a:lvl1pPr algn="ctr">
               <a:defRPr>
@@ -1094,14 +1013,12 @@
               </a:defRPr>
             </a:lvl1pPr>
           </a:lstStyle>
-          <a:p>
-            <a:endParaRPr/>
-          </a:p>
-        </p:txBody>
-      </p:sp>
-      <p:sp>
-        <p:nvSpPr>
-          <p:cNvPr id="6" name="Holder 6"/>
+          <a:p/>
+        </p:txBody>
+      </p:sp>
+      <p:sp>
+        <p:nvSpPr>
+          <p:cNvPr id="1048689" name="Holder 6"/>
           <p:cNvSpPr>
             <a:spLocks noGrp="1"/>
           </p:cNvSpPr>
@@ -1111,7 +1028,7 @@
         </p:nvSpPr>
         <p:spPr/>
         <p:txBody>
-          <a:bodyPr lIns="0" tIns="0" rIns="0" bIns="0"/>
+          <a:bodyPr bIns="0" lIns="0" rIns="0" tIns="0"/>
           <a:lstStyle>
             <a:lvl1pPr algn="l">
               <a:defRPr>
@@ -1134,7 +1051,7 @@
       </p:sp>
       <p:sp>
         <p:nvSpPr>
-          <p:cNvPr id="7" name="Holder 7"/>
+          <p:cNvPr id="1048690" name="Holder 7"/>
           <p:cNvSpPr>
             <a:spLocks noGrp="1"/>
           </p:cNvSpPr>
@@ -1144,10 +1061,10 @@
         </p:nvSpPr>
         <p:spPr/>
         <p:txBody>
-          <a:bodyPr lIns="0" tIns="0" rIns="0" bIns="0"/>
+          <a:bodyPr bIns="0" lIns="0" rIns="0" tIns="0"/>
           <a:lstStyle>
             <a:lvl1pPr>
-              <a:defRPr sz="1100" b="0" i="0">
+              <a:defRPr b="0" sz="1100" i="0">
                 <a:solidFill>
                   <a:srgbClr val="2D936B"/>
                 </a:solidFill>
@@ -1166,10 +1083,10 @@
               </a:spcBef>
             </a:pPr>
             <a:fld id="{81D60167-4931-47E6-BA6A-407CBD079E47}" type="slidenum">
-              <a:rPr spc="10" dirty="0"/>
+              <a:rPr dirty="0" spc="10"/>
               <a:t>‹#›</a:t>
             </a:fld>
-            <a:endParaRPr spc="10" dirty="0"/>
+            <a:endParaRPr dirty="0" spc="10"/>
           </a:p>
         </p:txBody>
       </p:sp>
@@ -1182,11 +1099,11 @@
 </file>
 
 <file path=ppt/slideLayouts/slideLayout4.xml><?xml version="1.0" encoding="utf-8"?>
-<p:sldLayout xmlns:a="http://schemas.openxmlformats.org/drawingml/2006/main" xmlns:r="http://schemas.openxmlformats.org/officeDocument/2006/relationships" xmlns:p="http://schemas.openxmlformats.org/presentationml/2006/main" type="obj" preserve="1">
+<p:sldLayout xmlns:a="http://schemas.openxmlformats.org/drawingml/2006/main" xmlns:r="http://schemas.openxmlformats.org/officeDocument/2006/relationships" xmlns:p="http://schemas.openxmlformats.org/presentationml/2006/main" preserve="1" type="obj">
   <p:cSld name="Title Only">
     <p:spTree>
       <p:nvGrpSpPr>
-        <p:cNvPr id="1" name=""/>
+        <p:cNvPr id="24" name=""/>
         <p:cNvGrpSpPr/>
         <p:nvPr/>
       </p:nvGrpSpPr>
@@ -1200,7 +1117,7 @@
       </p:grpSpPr>
       <p:sp>
         <p:nvSpPr>
-          <p:cNvPr id="2" name="Holder 2"/>
+          <p:cNvPr id="1048606" name="Holder 2"/>
           <p:cNvSpPr>
             <a:spLocks noGrp="1"/>
           </p:cNvSpPr>
@@ -1208,12 +1125,17 @@
             <p:ph type="title"/>
           </p:nvPr>
         </p:nvSpPr>
-        <p:spPr/>
-        <p:txBody>
-          <a:bodyPr lIns="0" tIns="0" rIns="0" bIns="0"/>
+        <p:spPr>
+          <a:xfrm>
+            <a:off x="755332" y="385444"/>
+            <a:ext cx="10681335" cy="723901"/>
+          </a:xfrm>
+        </p:spPr>
+        <p:txBody>
+          <a:bodyPr bIns="0" lIns="0" rIns="0" tIns="0"/>
           <a:lstStyle>
             <a:lvl1pPr>
-              <a:defRPr sz="4800" b="1" i="0">
+              <a:defRPr b="1" sz="4800" i="0">
                 <a:solidFill>
                   <a:schemeClr val="tx1"/>
                 </a:solidFill>
@@ -1222,14 +1144,12 @@
               </a:defRPr>
             </a:lvl1pPr>
           </a:lstStyle>
-          <a:p>
-            <a:endParaRPr/>
-          </a:p>
-        </p:txBody>
-      </p:sp>
-      <p:sp>
-        <p:nvSpPr>
-          <p:cNvPr id="3" name="Holder 3"/>
+          <a:p/>
+        </p:txBody>
+      </p:sp>
+      <p:sp>
+        <p:nvSpPr>
+          <p:cNvPr id="1048607" name="Holder 3"/>
           <p:cNvSpPr>
             <a:spLocks noGrp="1"/>
           </p:cNvSpPr>
@@ -1239,7 +1159,7 @@
         </p:nvSpPr>
         <p:spPr/>
         <p:txBody>
-          <a:bodyPr lIns="0" tIns="0" rIns="0" bIns="0"/>
+          <a:bodyPr bIns="0" lIns="0" rIns="0" tIns="0"/>
           <a:lstStyle>
             <a:lvl1pPr algn="ctr">
               <a:defRPr>
@@ -1251,14 +1171,12 @@
               </a:defRPr>
             </a:lvl1pPr>
           </a:lstStyle>
-          <a:p>
-            <a:endParaRPr/>
-          </a:p>
-        </p:txBody>
-      </p:sp>
-      <p:sp>
-        <p:nvSpPr>
-          <p:cNvPr id="4" name="Holder 4"/>
+          <a:p/>
+        </p:txBody>
+      </p:sp>
+      <p:sp>
+        <p:nvSpPr>
+          <p:cNvPr id="1048608" name="Holder 4"/>
           <p:cNvSpPr>
             <a:spLocks noGrp="1"/>
           </p:cNvSpPr>
@@ -1268,7 +1186,7 @@
         </p:nvSpPr>
         <p:spPr/>
         <p:txBody>
-          <a:bodyPr lIns="0" tIns="0" rIns="0" bIns="0"/>
+          <a:bodyPr bIns="0" lIns="0" rIns="0" tIns="0"/>
           <a:lstStyle>
             <a:lvl1pPr algn="l">
               <a:defRPr>
@@ -1291,7 +1209,7 @@
       </p:sp>
       <p:sp>
         <p:nvSpPr>
-          <p:cNvPr id="5" name="Holder 5"/>
+          <p:cNvPr id="1048609" name="Holder 5"/>
           <p:cNvSpPr>
             <a:spLocks noGrp="1"/>
           </p:cNvSpPr>
@@ -1301,10 +1219,10 @@
         </p:nvSpPr>
         <p:spPr/>
         <p:txBody>
-          <a:bodyPr lIns="0" tIns="0" rIns="0" bIns="0"/>
+          <a:bodyPr bIns="0" lIns="0" rIns="0" tIns="0"/>
           <a:lstStyle>
             <a:lvl1pPr>
-              <a:defRPr sz="1100" b="0" i="0">
+              <a:defRPr b="0" sz="1100" i="0">
                 <a:solidFill>
                   <a:srgbClr val="2D936B"/>
                 </a:solidFill>
@@ -1323,10 +1241,10 @@
               </a:spcBef>
             </a:pPr>
             <a:fld id="{81D60167-4931-47E6-BA6A-407CBD079E47}" type="slidenum">
-              <a:rPr spc="10" dirty="0"/>
+              <a:rPr dirty="0" spc="10"/>
               <a:t>‹#›</a:t>
             </a:fld>
-            <a:endParaRPr spc="10" dirty="0"/>
+            <a:endParaRPr dirty="0" spc="10"/>
           </a:p>
         </p:txBody>
       </p:sp>
@@ -1339,11 +1257,11 @@
 </file>
 
 <file path=ppt/slideLayouts/slideLayout5.xml><?xml version="1.0" encoding="utf-8"?>
-<p:sldLayout xmlns:a="http://schemas.openxmlformats.org/drawingml/2006/main" xmlns:r="http://schemas.openxmlformats.org/officeDocument/2006/relationships" xmlns:p="http://schemas.openxmlformats.org/presentationml/2006/main" type="obj" preserve="1">
+<p:sldLayout xmlns:a="http://schemas.openxmlformats.org/drawingml/2006/main" xmlns:r="http://schemas.openxmlformats.org/officeDocument/2006/relationships" xmlns:p="http://schemas.openxmlformats.org/presentationml/2006/main" preserve="1" type="obj">
   <p:cSld name="Blank">
     <p:spTree>
       <p:nvGrpSpPr>
-        <p:cNvPr id="1" name=""/>
+        <p:cNvPr id="43" name=""/>
         <p:cNvGrpSpPr/>
         <p:nvPr/>
       </p:nvGrpSpPr>
@@ -1357,7 +1275,7 @@
       </p:grpSpPr>
       <p:sp>
         <p:nvSpPr>
-          <p:cNvPr id="2" name="Holder 2"/>
+          <p:cNvPr id="1048691" name="Holder 2"/>
           <p:cNvSpPr>
             <a:spLocks noGrp="1"/>
           </p:cNvSpPr>
@@ -1367,7 +1285,7 @@
         </p:nvSpPr>
         <p:spPr/>
         <p:txBody>
-          <a:bodyPr lIns="0" tIns="0" rIns="0" bIns="0"/>
+          <a:bodyPr bIns="0" lIns="0" rIns="0" tIns="0"/>
           <a:lstStyle>
             <a:lvl1pPr algn="ctr">
               <a:defRPr>
@@ -1379,14 +1297,12 @@
               </a:defRPr>
             </a:lvl1pPr>
           </a:lstStyle>
-          <a:p>
-            <a:endParaRPr/>
-          </a:p>
-        </p:txBody>
-      </p:sp>
-      <p:sp>
-        <p:nvSpPr>
-          <p:cNvPr id="3" name="Holder 3"/>
+          <a:p/>
+        </p:txBody>
+      </p:sp>
+      <p:sp>
+        <p:nvSpPr>
+          <p:cNvPr id="1048692" name="Holder 3"/>
           <p:cNvSpPr>
             <a:spLocks noGrp="1"/>
           </p:cNvSpPr>
@@ -1396,7 +1312,7 @@
         </p:nvSpPr>
         <p:spPr/>
         <p:txBody>
-          <a:bodyPr lIns="0" tIns="0" rIns="0" bIns="0"/>
+          <a:bodyPr bIns="0" lIns="0" rIns="0" tIns="0"/>
           <a:lstStyle>
             <a:lvl1pPr algn="l">
               <a:defRPr>
@@ -1419,7 +1335,7 @@
       </p:sp>
       <p:sp>
         <p:nvSpPr>
-          <p:cNvPr id="4" name="Holder 4"/>
+          <p:cNvPr id="1048693" name="Holder 4"/>
           <p:cNvSpPr>
             <a:spLocks noGrp="1"/>
           </p:cNvSpPr>
@@ -1429,10 +1345,10 @@
         </p:nvSpPr>
         <p:spPr/>
         <p:txBody>
-          <a:bodyPr lIns="0" tIns="0" rIns="0" bIns="0"/>
+          <a:bodyPr bIns="0" lIns="0" rIns="0" tIns="0"/>
           <a:lstStyle>
             <a:lvl1pPr>
-              <a:defRPr sz="1100" b="0" i="0">
+              <a:defRPr b="0" sz="1100" i="0">
                 <a:solidFill>
                   <a:srgbClr val="2D936B"/>
                 </a:solidFill>
@@ -1451,10 +1367,10 @@
               </a:spcBef>
             </a:pPr>
             <a:fld id="{81D60167-4931-47E6-BA6A-407CBD079E47}" type="slidenum">
-              <a:rPr spc="10" dirty="0"/>
+              <a:rPr dirty="0" spc="10"/>
               <a:t>‹#›</a:t>
             </a:fld>
-            <a:endParaRPr spc="10" dirty="0"/>
+            <a:endParaRPr dirty="0" spc="10"/>
           </a:p>
         </p:txBody>
       </p:sp>
@@ -1479,7 +1395,7 @@
     </p:bg>
     <p:spTree>
       <p:nvGrpSpPr>
-        <p:cNvPr id="1" name=""/>
+        <p:cNvPr id="12" name=""/>
         <p:cNvGrpSpPr/>
         <p:nvPr/>
       </p:nvGrpSpPr>
@@ -1493,7 +1409,7 @@
       </p:grpSpPr>
       <p:sp>
         <p:nvSpPr>
-          <p:cNvPr id="16" name="bg object 16"/>
+          <p:cNvPr id="1048576" name="bg object 16"/>
           <p:cNvSpPr/>
           <p:nvPr/>
         </p:nvSpPr>
@@ -1504,9 +1420,7 @@
           </a:xfrm>
           <a:custGeom>
             <a:avLst/>
-            <a:gdLst/>
             <a:ahLst/>
-            <a:cxnLst/>
             <a:rect l="l" t="t" r="r" b="b"/>
             <a:pathLst>
               <a:path w="1218565" h="6853555">
@@ -1526,16 +1440,13 @@
           </a:ln>
         </p:spPr>
         <p:txBody>
-          <a:bodyPr wrap="square" lIns="0" tIns="0" rIns="0" bIns="0" rtlCol="0"/>
-          <a:lstStyle/>
-          <a:p>
-            <a:endParaRPr/>
-          </a:p>
-        </p:txBody>
-      </p:sp>
-      <p:sp>
-        <p:nvSpPr>
-          <p:cNvPr id="17" name="bg object 17"/>
+          <a:bodyPr bIns="0" lIns="0" rIns="0" rtlCol="0" tIns="0" wrap="square"/>
+          <a:p/>
+        </p:txBody>
+      </p:sp>
+      <p:sp>
+        <p:nvSpPr>
+          <p:cNvPr id="1048577" name="bg object 17"/>
           <p:cNvSpPr/>
           <p:nvPr/>
         </p:nvSpPr>
@@ -1546,9 +1457,7 @@
           </a:xfrm>
           <a:custGeom>
             <a:avLst/>
-            <a:gdLst/>
             <a:ahLst/>
-            <a:cxnLst/>
             <a:rect l="l" t="t" r="r" b="b"/>
             <a:pathLst>
               <a:path w="4743450" h="3163570">
@@ -1568,16 +1477,13 @@
           </a:ln>
         </p:spPr>
         <p:txBody>
-          <a:bodyPr wrap="square" lIns="0" tIns="0" rIns="0" bIns="0" rtlCol="0"/>
-          <a:lstStyle/>
-          <a:p>
-            <a:endParaRPr/>
-          </a:p>
-        </p:txBody>
-      </p:sp>
-      <p:sp>
-        <p:nvSpPr>
-          <p:cNvPr id="18" name="bg object 18"/>
+          <a:bodyPr bIns="0" lIns="0" rIns="0" rtlCol="0" tIns="0" wrap="square"/>
+          <a:p/>
+        </p:txBody>
+      </p:sp>
+      <p:sp>
+        <p:nvSpPr>
+          <p:cNvPr id="1048578" name="bg object 18"/>
           <p:cNvSpPr/>
           <p:nvPr/>
         </p:nvSpPr>
@@ -1588,9 +1494,7 @@
           </a:xfrm>
           <a:custGeom>
             <a:avLst/>
-            <a:gdLst/>
             <a:ahLst/>
-            <a:cxnLst/>
             <a:rect l="l" t="t" r="r" b="b"/>
             <a:pathLst>
               <a:path w="3009900" h="6858000">
@@ -1620,16 +1524,13 @@
           </a:solidFill>
         </p:spPr>
         <p:txBody>
-          <a:bodyPr wrap="square" lIns="0" tIns="0" rIns="0" bIns="0" rtlCol="0"/>
-          <a:lstStyle/>
-          <a:p>
-            <a:endParaRPr/>
-          </a:p>
-        </p:txBody>
-      </p:sp>
-      <p:sp>
-        <p:nvSpPr>
-          <p:cNvPr id="19" name="bg object 19"/>
+          <a:bodyPr bIns="0" lIns="0" rIns="0" rtlCol="0" tIns="0" wrap="square"/>
+          <a:p/>
+        </p:txBody>
+      </p:sp>
+      <p:sp>
+        <p:nvSpPr>
+          <p:cNvPr id="1048579" name="bg object 19"/>
           <p:cNvSpPr/>
           <p:nvPr/>
         </p:nvSpPr>
@@ -1640,9 +1541,7 @@
           </a:xfrm>
           <a:custGeom>
             <a:avLst/>
-            <a:gdLst/>
             <a:ahLst/>
-            <a:cxnLst/>
             <a:rect l="l" t="t" r="r" b="b"/>
             <a:pathLst>
               <a:path w="2589529" h="6858000">
@@ -1672,16 +1571,13 @@
           </a:solidFill>
         </p:spPr>
         <p:txBody>
-          <a:bodyPr wrap="square" lIns="0" tIns="0" rIns="0" bIns="0" rtlCol="0"/>
-          <a:lstStyle/>
-          <a:p>
-            <a:endParaRPr/>
-          </a:p>
-        </p:txBody>
-      </p:sp>
-      <p:sp>
-        <p:nvSpPr>
-          <p:cNvPr id="20" name="bg object 20"/>
+          <a:bodyPr bIns="0" lIns="0" rIns="0" rtlCol="0" tIns="0" wrap="square"/>
+          <a:p/>
+        </p:txBody>
+      </p:sp>
+      <p:sp>
+        <p:nvSpPr>
+          <p:cNvPr id="1048580" name="bg object 20"/>
           <p:cNvSpPr/>
           <p:nvPr/>
         </p:nvSpPr>
@@ -1692,9 +1588,7 @@
           </a:xfrm>
           <a:custGeom>
             <a:avLst/>
-            <a:gdLst/>
             <a:ahLst/>
-            <a:cxnLst/>
             <a:rect l="l" t="t" r="r" b="b"/>
             <a:pathLst>
               <a:path w="3257550" h="3810000">
@@ -1721,16 +1615,13 @@
           </a:solidFill>
         </p:spPr>
         <p:txBody>
-          <a:bodyPr wrap="square" lIns="0" tIns="0" rIns="0" bIns="0" rtlCol="0"/>
-          <a:lstStyle/>
-          <a:p>
-            <a:endParaRPr/>
-          </a:p>
-        </p:txBody>
-      </p:sp>
-      <p:sp>
-        <p:nvSpPr>
-          <p:cNvPr id="21" name="bg object 21"/>
+          <a:bodyPr bIns="0" lIns="0" rIns="0" rtlCol="0" tIns="0" wrap="square"/>
+          <a:p/>
+        </p:txBody>
+      </p:sp>
+      <p:sp>
+        <p:nvSpPr>
+          <p:cNvPr id="1048581" name="bg object 21"/>
           <p:cNvSpPr/>
           <p:nvPr/>
         </p:nvSpPr>
@@ -1741,9 +1632,7 @@
           </a:xfrm>
           <a:custGeom>
             <a:avLst/>
-            <a:gdLst/>
             <a:ahLst/>
-            <a:cxnLst/>
             <a:rect l="l" t="t" r="r" b="b"/>
             <a:pathLst>
               <a:path w="2854325" h="6858000">
@@ -1773,16 +1662,13 @@
           </a:solidFill>
         </p:spPr>
         <p:txBody>
-          <a:bodyPr wrap="square" lIns="0" tIns="0" rIns="0" bIns="0" rtlCol="0"/>
-          <a:lstStyle/>
-          <a:p>
-            <a:endParaRPr/>
-          </a:p>
-        </p:txBody>
-      </p:sp>
-      <p:sp>
-        <p:nvSpPr>
-          <p:cNvPr id="22" name="bg object 22"/>
+          <a:bodyPr bIns="0" lIns="0" rIns="0" rtlCol="0" tIns="0" wrap="square"/>
+          <a:p/>
+        </p:txBody>
+      </p:sp>
+      <p:sp>
+        <p:nvSpPr>
+          <p:cNvPr id="1048582" name="bg object 22"/>
           <p:cNvSpPr/>
           <p:nvPr/>
         </p:nvSpPr>
@@ -1793,9 +1679,7 @@
           </a:xfrm>
           <a:custGeom>
             <a:avLst/>
-            <a:gdLst/>
             <a:ahLst/>
-            <a:cxnLst/>
             <a:rect l="l" t="t" r="r" b="b"/>
             <a:pathLst>
               <a:path w="1295400" h="6858000">
@@ -1825,16 +1709,13 @@
           </a:solidFill>
         </p:spPr>
         <p:txBody>
-          <a:bodyPr wrap="square" lIns="0" tIns="0" rIns="0" bIns="0" rtlCol="0"/>
-          <a:lstStyle/>
-          <a:p>
-            <a:endParaRPr/>
-          </a:p>
-        </p:txBody>
-      </p:sp>
-      <p:sp>
-        <p:nvSpPr>
-          <p:cNvPr id="23" name="bg object 23"/>
+          <a:bodyPr bIns="0" lIns="0" rIns="0" rtlCol="0" tIns="0" wrap="square"/>
+          <a:p/>
+        </p:txBody>
+      </p:sp>
+      <p:sp>
+        <p:nvSpPr>
+          <p:cNvPr id="1048583" name="bg object 23"/>
           <p:cNvSpPr/>
           <p:nvPr/>
         </p:nvSpPr>
@@ -1845,9 +1726,7 @@
           </a:xfrm>
           <a:custGeom>
             <a:avLst/>
-            <a:gdLst/>
             <a:ahLst/>
-            <a:cxnLst/>
             <a:rect l="l" t="t" r="r" b="b"/>
             <a:pathLst>
               <a:path w="1256029" h="6858000">
@@ -1877,16 +1756,13 @@
           </a:solidFill>
         </p:spPr>
         <p:txBody>
-          <a:bodyPr wrap="square" lIns="0" tIns="0" rIns="0" bIns="0" rtlCol="0"/>
-          <a:lstStyle/>
-          <a:p>
-            <a:endParaRPr/>
-          </a:p>
-        </p:txBody>
-      </p:sp>
-      <p:sp>
-        <p:nvSpPr>
-          <p:cNvPr id="24" name="bg object 24"/>
+          <a:bodyPr bIns="0" lIns="0" rIns="0" rtlCol="0" tIns="0" wrap="square"/>
+          <a:p/>
+        </p:txBody>
+      </p:sp>
+      <p:sp>
+        <p:nvSpPr>
+          <p:cNvPr id="1048584" name="bg object 24"/>
           <p:cNvSpPr/>
           <p:nvPr/>
         </p:nvSpPr>
@@ -1897,9 +1773,7 @@
           </a:xfrm>
           <a:custGeom>
             <a:avLst/>
-            <a:gdLst/>
             <a:ahLst/>
-            <a:cxnLst/>
             <a:rect l="l" t="t" r="r" b="b"/>
             <a:pathLst>
               <a:path w="1819275" h="3267075">
@@ -1926,16 +1800,13 @@
           </a:solidFill>
         </p:spPr>
         <p:txBody>
-          <a:bodyPr wrap="square" lIns="0" tIns="0" rIns="0" bIns="0" rtlCol="0"/>
-          <a:lstStyle/>
-          <a:p>
-            <a:endParaRPr/>
-          </a:p>
-        </p:txBody>
-      </p:sp>
-      <p:sp>
-        <p:nvSpPr>
-          <p:cNvPr id="25" name="bg object 25"/>
+          <a:bodyPr bIns="0" lIns="0" rIns="0" rtlCol="0" tIns="0" wrap="square"/>
+          <a:p/>
+        </p:txBody>
+      </p:sp>
+      <p:sp>
+        <p:nvSpPr>
+          <p:cNvPr id="1048585" name="bg object 25"/>
           <p:cNvSpPr/>
           <p:nvPr/>
         </p:nvSpPr>
@@ -1946,9 +1817,7 @@
           </a:xfrm>
           <a:custGeom>
             <a:avLst/>
-            <a:gdLst/>
             <a:ahLst/>
-            <a:cxnLst/>
             <a:rect l="l" t="t" r="r" b="b"/>
             <a:pathLst>
               <a:path w="447675" h="2847975">
@@ -1975,16 +1844,13 @@
           </a:solidFill>
         </p:spPr>
         <p:txBody>
-          <a:bodyPr wrap="square" lIns="0" tIns="0" rIns="0" bIns="0" rtlCol="0"/>
-          <a:lstStyle/>
-          <a:p>
-            <a:endParaRPr/>
-          </a:p>
-        </p:txBody>
-      </p:sp>
-      <p:sp>
-        <p:nvSpPr>
-          <p:cNvPr id="2" name="Holder 2"/>
+          <a:bodyPr bIns="0" lIns="0" rIns="0" rtlCol="0" tIns="0" wrap="square"/>
+          <a:p/>
+        </p:txBody>
+      </p:sp>
+      <p:sp>
+        <p:nvSpPr>
+          <p:cNvPr id="1048586" name="Holder 2"/>
           <p:cNvSpPr>
             <a:spLocks noGrp="1"/>
           </p:cNvSpPr>
@@ -1997,17 +1863,15 @@
             <a:off x="755332" y="385444"/>
             <a:ext cx="10681335" cy="758190"/>
           </a:xfrm>
-          <a:prstGeom prst="rect">
-            <a:avLst/>
-          </a:prstGeom>
-        </p:spPr>
-        <p:txBody>
-          <a:bodyPr wrap="square" lIns="0" tIns="0" rIns="0" bIns="0">
+          <a:prstGeom prst="rect"/>
+        </p:spPr>
+        <p:txBody>
+          <a:bodyPr bIns="0" lIns="0" rIns="0" tIns="0" wrap="square">
             <a:spAutoFit/>
           </a:bodyPr>
           <a:lstStyle>
             <a:lvl1pPr>
-              <a:defRPr sz="4800" b="1" i="0">
+              <a:defRPr b="1" sz="4800" i="0">
                 <a:solidFill>
                   <a:schemeClr val="tx1"/>
                 </a:solidFill>
@@ -2016,14 +1880,12 @@
               </a:defRPr>
             </a:lvl1pPr>
           </a:lstStyle>
-          <a:p>
-            <a:endParaRPr/>
-          </a:p>
-        </p:txBody>
-      </p:sp>
-      <p:sp>
-        <p:nvSpPr>
-          <p:cNvPr id="3" name="Holder 3"/>
+          <a:p/>
+        </p:txBody>
+      </p:sp>
+      <p:sp>
+        <p:nvSpPr>
+          <p:cNvPr id="1048587" name="Holder 3"/>
           <p:cNvSpPr>
             <a:spLocks noGrp="1"/>
           </p:cNvSpPr>
@@ -2036,27 +1898,18 @@
             <a:off x="609600" y="1577340"/>
             <a:ext cx="10972800" cy="4526280"/>
           </a:xfrm>
-          <a:prstGeom prst="rect">
-            <a:avLst/>
-          </a:prstGeom>
-        </p:spPr>
-        <p:txBody>
-          <a:bodyPr wrap="square" lIns="0" tIns="0" rIns="0" bIns="0">
+          <a:prstGeom prst="rect"/>
+        </p:spPr>
+        <p:txBody>
+          <a:bodyPr bIns="0" lIns="0" rIns="0" tIns="0" wrap="square">
             <a:spAutoFit/>
           </a:bodyPr>
-          <a:lstStyle>
-            <a:lvl1pPr>
-              <a:defRPr/>
-            </a:lvl1pPr>
-          </a:lstStyle>
-          <a:p>
-            <a:endParaRPr/>
-          </a:p>
-        </p:txBody>
-      </p:sp>
-      <p:sp>
-        <p:nvSpPr>
-          <p:cNvPr id="4" name="Holder 4"/>
+          <a:p/>
+        </p:txBody>
+      </p:sp>
+      <p:sp>
+        <p:nvSpPr>
+          <p:cNvPr id="1048588" name="Holder 4"/>
           <p:cNvSpPr>
             <a:spLocks noGrp="1"/>
           </p:cNvSpPr>
@@ -2069,12 +1922,10 @@
             <a:off x="4145280" y="6377940"/>
             <a:ext cx="3901440" cy="342900"/>
           </a:xfrm>
-          <a:prstGeom prst="rect">
-            <a:avLst/>
-          </a:prstGeom>
-        </p:spPr>
-        <p:txBody>
-          <a:bodyPr wrap="square" lIns="0" tIns="0" rIns="0" bIns="0">
+          <a:prstGeom prst="rect"/>
+        </p:spPr>
+        <p:txBody>
+          <a:bodyPr bIns="0" lIns="0" rIns="0" tIns="0" wrap="square">
             <a:spAutoFit/>
           </a:bodyPr>
           <a:lstStyle>
@@ -2088,14 +1939,12 @@
               </a:defRPr>
             </a:lvl1pPr>
           </a:lstStyle>
-          <a:p>
-            <a:endParaRPr/>
-          </a:p>
-        </p:txBody>
-      </p:sp>
-      <p:sp>
-        <p:nvSpPr>
-          <p:cNvPr id="5" name="Holder 5"/>
+          <a:p/>
+        </p:txBody>
+      </p:sp>
+      <p:sp>
+        <p:nvSpPr>
+          <p:cNvPr id="1048589" name="Holder 5"/>
           <p:cNvSpPr>
             <a:spLocks noGrp="1"/>
           </p:cNvSpPr>
@@ -2108,12 +1957,10 @@
             <a:off x="609600" y="6377940"/>
             <a:ext cx="2804160" cy="342900"/>
           </a:xfrm>
-          <a:prstGeom prst="rect">
-            <a:avLst/>
-          </a:prstGeom>
-        </p:spPr>
-        <p:txBody>
-          <a:bodyPr wrap="square" lIns="0" tIns="0" rIns="0" bIns="0">
+          <a:prstGeom prst="rect"/>
+        </p:spPr>
+        <p:txBody>
+          <a:bodyPr bIns="0" lIns="0" rIns="0" tIns="0" wrap="square">
             <a:spAutoFit/>
           </a:bodyPr>
           <a:lstStyle>
@@ -2138,7 +1985,7 @@
       </p:sp>
       <p:sp>
         <p:nvSpPr>
-          <p:cNvPr id="6" name="Holder 6"/>
+          <p:cNvPr id="1048590" name="Holder 6"/>
           <p:cNvSpPr>
             <a:spLocks noGrp="1"/>
           </p:cNvSpPr>
@@ -2151,17 +1998,15 @@
             <a:off x="11353418" y="6473337"/>
             <a:ext cx="151129" cy="191770"/>
           </a:xfrm>
-          <a:prstGeom prst="rect">
-            <a:avLst/>
-          </a:prstGeom>
-        </p:spPr>
-        <p:txBody>
-          <a:bodyPr wrap="square" lIns="0" tIns="0" rIns="0" bIns="0">
+          <a:prstGeom prst="rect"/>
+        </p:spPr>
+        <p:txBody>
+          <a:bodyPr bIns="0" lIns="0" rIns="0" tIns="0" wrap="square">
             <a:spAutoFit/>
           </a:bodyPr>
           <a:lstStyle>
             <a:lvl1pPr>
-              <a:defRPr sz="1100" b="0" i="0">
+              <a:defRPr b="0" sz="1100" i="0">
                 <a:solidFill>
                   <a:srgbClr val="2D936B"/>
                 </a:solidFill>
@@ -2180,22 +2025,22 @@
               </a:spcBef>
             </a:pPr>
             <a:fld id="{81D60167-4931-47E6-BA6A-407CBD079E47}" type="slidenum">
-              <a:rPr spc="10" dirty="0"/>
+              <a:rPr dirty="0" spc="10"/>
               <a:t>‹#›</a:t>
             </a:fld>
-            <a:endParaRPr spc="10" dirty="0"/>
+            <a:endParaRPr dirty="0" spc="10"/>
           </a:p>
         </p:txBody>
       </p:sp>
     </p:spTree>
   </p:cSld>
-  <p:clrMap bg1="lt1" tx1="dk1" bg2="lt2" tx2="dk2" accent1="accent1" accent2="accent2" accent3="accent3" accent4="accent4" accent5="accent5" accent6="accent6" hlink="hlink" folHlink="folHlink"/>
+  <p:clrMap accent1="accent1" accent2="accent2" accent3="accent3" accent4="accent4" accent5="accent5" accent6="accent6" bg1="lt1" bg2="lt2" tx1="dk1" tx2="dk2" hlink="hlink" folHlink="folHlink"/>
   <p:sldLayoutIdLst>
-    <p:sldLayoutId id="2147483661" r:id="rId1"/>
-    <p:sldLayoutId id="2147483662" r:id="rId2"/>
-    <p:sldLayoutId id="2147483663" r:id="rId3"/>
-    <p:sldLayoutId id="2147483664" r:id="rId4"/>
-    <p:sldLayoutId id="2147483665" r:id="rId5"/>
+    <p:sldLayoutId id="2147483649" r:id="rId1"/>
+    <p:sldLayoutId id="2147483650" r:id="rId2"/>
+    <p:sldLayoutId id="2147483651" r:id="rId3"/>
+    <p:sldLayoutId id="2147483652" r:id="rId4"/>
+    <p:sldLayoutId id="2147483653" r:id="rId5"/>
   </p:sldLayoutIdLst>
   <p:txStyles>
     <p:titleStyle>
@@ -2346,7 +2191,7 @@
   <p:cSld>
     <p:spTree>
       <p:nvGrpSpPr>
-        <p:cNvPr id="1" name=""/>
+        <p:cNvPr id="19" name=""/>
         <p:cNvGrpSpPr/>
         <p:nvPr/>
       </p:nvGrpSpPr>
@@ -2360,7 +2205,7 @@
       </p:grpSpPr>
       <p:grpSp>
         <p:nvGrpSpPr>
-          <p:cNvPr id="2" name="object 2"/>
+          <p:cNvPr id="20" name="object 2"/>
           <p:cNvGrpSpPr/>
           <p:nvPr/>
         </p:nvGrpSpPr>
@@ -2374,7 +2219,7 @@
         </p:grpSpPr>
         <p:sp>
           <p:nvSpPr>
-            <p:cNvPr id="3" name="object 3"/>
+            <p:cNvPr id="1048596" name="object 3"/>
             <p:cNvSpPr/>
             <p:nvPr/>
           </p:nvSpPr>
@@ -2385,9 +2230,7 @@
             </a:xfrm>
             <a:custGeom>
               <a:avLst/>
-              <a:gdLst/>
               <a:ahLst/>
-              <a:cxnLst/>
               <a:rect l="l" t="t" r="r" b="b"/>
               <a:pathLst>
                 <a:path w="1228725" h="1057275">
@@ -2421,16 +2264,13 @@
             </a:solidFill>
           </p:spPr>
           <p:txBody>
-            <a:bodyPr wrap="square" lIns="0" tIns="0" rIns="0" bIns="0" rtlCol="0"/>
-            <a:lstStyle/>
-            <a:p>
-              <a:endParaRPr/>
-            </a:p>
+            <a:bodyPr bIns="0" lIns="0" rIns="0" rtlCol="0" tIns="0" wrap="square"/>
+            <a:p/>
           </p:txBody>
         </p:sp>
         <p:sp>
           <p:nvSpPr>
-            <p:cNvPr id="4" name="object 4"/>
+            <p:cNvPr id="1048597" name="object 4"/>
             <p:cNvSpPr/>
             <p:nvPr/>
           </p:nvSpPr>
@@ -2441,9 +2281,7 @@
             </a:xfrm>
             <a:custGeom>
               <a:avLst/>
-              <a:gdLst/>
               <a:ahLst/>
-              <a:cxnLst/>
               <a:rect l="l" t="t" r="r" b="b"/>
               <a:pathLst>
                 <a:path w="647700" h="561975">
@@ -2477,17 +2315,14 @@
             </a:solidFill>
           </p:spPr>
           <p:txBody>
-            <a:bodyPr wrap="square" lIns="0" tIns="0" rIns="0" bIns="0" rtlCol="0"/>
-            <a:lstStyle/>
-            <a:p>
-              <a:endParaRPr/>
-            </a:p>
+            <a:bodyPr bIns="0" lIns="0" rIns="0" rtlCol="0" tIns="0" wrap="square"/>
+            <a:p/>
           </p:txBody>
         </p:sp>
       </p:grpSp>
       <p:sp>
         <p:nvSpPr>
-          <p:cNvPr id="5" name="object 5"/>
+          <p:cNvPr id="1048598" name="object 5"/>
           <p:cNvSpPr/>
           <p:nvPr/>
         </p:nvSpPr>
@@ -2498,9 +2333,7 @@
           </a:xfrm>
           <a:custGeom>
             <a:avLst/>
-            <a:gdLst/>
             <a:ahLst/>
-            <a:cxnLst/>
             <a:rect l="l" t="t" r="r" b="b"/>
             <a:pathLst>
               <a:path w="1666875" h="1438275">
@@ -2534,16 +2367,13 @@
           </a:solidFill>
         </p:spPr>
         <p:txBody>
-          <a:bodyPr wrap="square" lIns="0" tIns="0" rIns="0" bIns="0" rtlCol="0"/>
-          <a:lstStyle/>
-          <a:p>
-            <a:endParaRPr/>
-          </a:p>
-        </p:txBody>
-      </p:sp>
-      <p:sp>
-        <p:nvSpPr>
-          <p:cNvPr id="6" name="object 6"/>
+          <a:bodyPr bIns="0" lIns="0" rIns="0" rtlCol="0" tIns="0" wrap="square"/>
+          <a:p/>
+        </p:txBody>
+      </p:sp>
+      <p:sp>
+        <p:nvSpPr>
+          <p:cNvPr id="1048599" name="object 6"/>
           <p:cNvSpPr/>
           <p:nvPr/>
         </p:nvSpPr>
@@ -2554,9 +2384,7 @@
           </a:xfrm>
           <a:custGeom>
             <a:avLst/>
-            <a:gdLst/>
             <a:ahLst/>
-            <a:cxnLst/>
             <a:rect l="l" t="t" r="r" b="b"/>
             <a:pathLst>
               <a:path w="723900" h="619125">
@@ -2590,16 +2418,13 @@
           </a:solidFill>
         </p:spPr>
         <p:txBody>
-          <a:bodyPr wrap="square" lIns="0" tIns="0" rIns="0" bIns="0" rtlCol="0"/>
-          <a:lstStyle/>
-          <a:p>
-            <a:endParaRPr/>
-          </a:p>
-        </p:txBody>
-      </p:sp>
-      <p:sp>
-        <p:nvSpPr>
-          <p:cNvPr id="7" name="object 7"/>
+          <a:bodyPr bIns="0" lIns="0" rIns="0" rtlCol="0" tIns="0" wrap="square"/>
+          <a:p/>
+        </p:txBody>
+      </p:sp>
+      <p:sp>
+        <p:nvSpPr>
+          <p:cNvPr id="1048600" name="object 7"/>
           <p:cNvSpPr txBox="1">
             <a:spLocks noGrp="1"/>
           </p:cNvSpPr>
@@ -2612,15 +2437,12 @@
             <a:off x="1523999" y="19665"/>
             <a:ext cx="7629525" cy="1001556"/>
           </a:xfrm>
-          <a:prstGeom prst="rect">
-            <a:avLst/>
-          </a:prstGeom>
-        </p:spPr>
-        <p:txBody>
-          <a:bodyPr vert="horz" wrap="square" lIns="0" tIns="16510" rIns="0" bIns="0" rtlCol="0">
+          <a:prstGeom prst="rect"/>
+        </p:spPr>
+        <p:txBody>
+          <a:bodyPr bIns="0" lIns="0" rIns="0" rtlCol="0" tIns="16510" vert="horz" wrap="square">
             <a:spAutoFit/>
           </a:bodyPr>
-          <a:lstStyle/>
           <a:p>
             <a:pPr marL="3213735">
               <a:spcBef>
@@ -2628,7 +2450,7 @@
               </a:spcBef>
             </a:pPr>
             <a:r>
-              <a:rPr lang="en-US" b="1" i="0" dirty="0">
+              <a:rPr b="1" dirty="0" i="0" lang="en-US">
                 <a:solidFill>
                   <a:srgbClr val="0F0F0F"/>
                 </a:solidFill>
@@ -2639,7 +2461,7 @@
               <a:t>Digital Portfolio </a:t>
             </a:r>
             <a:br>
-              <a:rPr lang="en-US" b="1" i="0" dirty="0">
+              <a:rPr b="1" dirty="0" i="0" lang="en-US">
                 <a:solidFill>
                   <a:srgbClr val="0F0F0F"/>
                 </a:solidFill>
@@ -2647,18 +2469,20 @@
                 <a:latin typeface="Roboto" panose="020F0502020204030204" pitchFamily="2" charset="0"/>
               </a:rPr>
             </a:br>
-            <a:endParaRPr spc="15" dirty="0"/>
+            <a:endParaRPr dirty="0" spc="15"/>
           </a:p>
         </p:txBody>
       </p:sp>
       <p:pic>
         <p:nvPicPr>
-          <p:cNvPr id="9" name="object 9"/>
-          <p:cNvPicPr/>
+          <p:cNvPr id="2097152" name="object 9"/>
+          <p:cNvPicPr>
+            <a:picLocks/>
+          </p:cNvPicPr>
           <p:nvPr/>
         </p:nvPicPr>
         <p:blipFill>
-          <a:blip r:embed="rId3" cstate="print"/>
+          <a:blip xmlns:r="http://schemas.openxmlformats.org/officeDocument/2006/relationships" r:embed="rId1" cstate="print"/>
           <a:stretch>
             <a:fillRect/>
           </a:stretch>
@@ -2668,14 +2492,12 @@
             <a:off x="676275" y="6467475"/>
             <a:ext cx="2143125" cy="200025"/>
           </a:xfrm>
-          <a:prstGeom prst="rect">
-            <a:avLst/>
-          </a:prstGeom>
+          <a:prstGeom prst="rect"/>
         </p:spPr>
       </p:pic>
       <p:sp>
         <p:nvSpPr>
-          <p:cNvPr id="11" name="object 11"/>
+          <p:cNvPr id="1048601" name="object 11"/>
           <p:cNvSpPr txBox="1">
             <a:spLocks noGrp="1"/>
           </p:cNvSpPr>
@@ -2684,15 +2506,12 @@
           </p:nvPr>
         </p:nvSpPr>
         <p:spPr>
-          <a:prstGeom prst="rect">
-            <a:avLst/>
-          </a:prstGeom>
-        </p:spPr>
-        <p:txBody>
-          <a:bodyPr vert="horz" wrap="square" lIns="0" tIns="6985" rIns="0" bIns="0" rtlCol="0">
+          <a:prstGeom prst="rect"/>
+        </p:spPr>
+        <p:txBody>
+          <a:bodyPr bIns="0" lIns="0" rIns="0" rtlCol="0" tIns="6985" vert="horz" wrap="square">
             <a:spAutoFit/>
           </a:bodyPr>
-          <a:lstStyle/>
           <a:p>
             <a:pPr marL="38100">
               <a:lnSpc>
@@ -2703,73 +2522,368 @@
               </a:spcBef>
             </a:pPr>
             <a:fld id="{81D60167-4931-47E6-BA6A-407CBD079E47}" type="slidenum">
-              <a:rPr spc="10" dirty="0"/>
+              <a:rPr dirty="0" spc="10"/>
               <a:t>1</a:t>
             </a:fld>
-            <a:endParaRPr spc="10" dirty="0"/>
-          </a:p>
-        </p:txBody>
-      </p:sp>
-      <p:sp>
-        <p:nvSpPr>
-          <p:cNvPr id="14" name="TextBox 13">
-            <a:extLst>
-              <a:ext uri="{FF2B5EF4-FFF2-40B4-BE49-F238E27FC236}">
-                <a16:creationId xmlns:a16="http://schemas.microsoft.com/office/drawing/2014/main" id="{D55ADE35-C35B-07C1-F5AA-C33B3DDB802E}"/>
-              </a:ext>
-            </a:extLst>
-          </p:cNvPr>
+            <a:endParaRPr dirty="0" spc="10"/>
+          </a:p>
+        </p:txBody>
+      </p:sp>
+      <p:sp>
+        <p:nvSpPr>
+          <p:cNvPr id="1048602" name="TextBox 13"/>
           <p:cNvSpPr txBox="1"/>
           <p:nvPr/>
         </p:nvSpPr>
         <p:spPr>
           <a:xfrm>
             <a:off x="2554542" y="3314150"/>
-            <a:ext cx="8610600" cy="1938992"/>
-          </a:xfrm>
-          <a:prstGeom prst="rect">
-            <a:avLst/>
-          </a:prstGeom>
+            <a:ext cx="8610600" cy="2225040"/>
+          </a:xfrm>
+          <a:prstGeom prst="rect"/>
           <a:noFill/>
         </p:spPr>
         <p:txBody>
-          <a:bodyPr wrap="square" lIns="91440" tIns="45720" rIns="91440" bIns="45720" rtlCol="0" anchor="t">
+          <a:bodyPr anchor="t" bIns="45720" lIns="91440" rIns="91440" rtlCol="0" tIns="45720" wrap="square">
             <a:spAutoFit/>
           </a:bodyPr>
-          <a:lstStyle/>
-          <a:p>
-            <a:r>
-              <a:rPr lang="en-US" sz="2400" dirty="0"/>
+          <a:p>
+            <a:r>
+              <a:rPr dirty="0" sz="2400" lang="en-US"/>
               <a:t>STUDENT NAME: </a:t>
             </a:r>
-          </a:p>
-          <a:p>
-            <a:r>
-              <a:rPr lang="en-US" sz="2400" dirty="0"/>
-              <a:t>REGISTER NO AND NMID: </a:t>
-            </a:r>
-            <a:endParaRPr lang="en-US" sz="2400" dirty="0">
+            <a:r>
+              <a:rPr altLang="en-GB" dirty="0" sz="2400" lang="en-US"/>
+              <a:t>A</a:t>
+            </a:r>
+            <a:r>
+              <a:rPr altLang="en-GB" dirty="0" sz="2400" lang="en-US"/>
+              <a:t>.</a:t>
+            </a:r>
+            <a:r>
+              <a:rPr altLang="en-GB" dirty="0" sz="2400" lang="en-US"/>
+              <a:t>A</a:t>
+            </a:r>
+            <a:r>
+              <a:rPr altLang="en-GB" dirty="0" sz="2400" lang="en-US"/>
+              <a:t>R</a:t>
+            </a:r>
+            <a:r>
+              <a:rPr altLang="en-GB" dirty="0" sz="2400" lang="en-US"/>
+              <a:t>I</a:t>
+            </a:r>
+            <a:r>
+              <a:rPr altLang="en-GB" dirty="0" sz="2400" lang="en-US"/>
+              <a:t>V</a:t>
+            </a:r>
+            <a:r>
+              <a:rPr altLang="en-GB" dirty="0" sz="2400" lang="en-US"/>
+              <a:t>U</a:t>
+            </a:r>
+            <a:endParaRPr altLang="en-US" lang="zh-CN"/>
+          </a:p>
+          <a:p>
+            <a:r>
+              <a:rPr dirty="0" sz="2400" lang="en-US"/>
+              <a:t>REGISTER NO</a:t>
+            </a:r>
+            <a:r>
+              <a:rPr altLang="en-GB" dirty="0" sz="2400" lang="en-US"/>
+              <a:t>:</a:t>
+            </a:r>
+            <a:r>
+              <a:rPr altLang="en-GB" dirty="0" sz="2400" lang="en-US"/>
+              <a:t>2</a:t>
+            </a:r>
+            <a:r>
+              <a:rPr altLang="en-GB" dirty="0" sz="2400" lang="en-US"/>
+              <a:t>4</a:t>
+            </a:r>
+            <a:r>
+              <a:rPr altLang="en-GB" dirty="0" sz="2400" lang="en-US"/>
+              <a:t>1</a:t>
+            </a:r>
+            <a:r>
+              <a:rPr altLang="en-GB" dirty="0" sz="2400" lang="en-US"/>
+              <a:t>3</a:t>
+            </a:r>
+            <a:r>
+              <a:rPr altLang="en-GB" dirty="0" sz="2400" lang="en-US"/>
+              <a:t>4</a:t>
+            </a:r>
+            <a:r>
+              <a:rPr altLang="en-GB" dirty="0" sz="2400" lang="en-US"/>
+              <a:t>1</a:t>
+            </a:r>
+            <a:r>
+              <a:rPr altLang="en-GB" dirty="0" sz="2400" lang="en-US"/>
+              <a:t>2</a:t>
+            </a:r>
+            <a:r>
+              <a:rPr altLang="en-GB" dirty="0" sz="2400" lang="en-US"/>
+              <a:t>1</a:t>
+            </a:r>
+            <a:r>
+              <a:rPr altLang="en-GB" dirty="0" sz="2400" lang="en-US"/>
+              <a:t>8</a:t>
+            </a:r>
+            <a:r>
+              <a:rPr altLang="en-GB" dirty="0" sz="2400" lang="en-US"/>
+              <a:t>0</a:t>
+            </a:r>
+            <a:r>
+              <a:rPr altLang="en-GB" dirty="0" sz="2400" lang="en-US"/>
+              <a:t>2</a:t>
+            </a:r>
+            <a:r>
+              <a:rPr altLang="en-GB" dirty="0" sz="2400" lang="en-US"/>
+              <a:t>5</a:t>
+            </a:r>
+            <a:r>
+              <a:rPr altLang="en-GB" dirty="0" sz="2400" lang="en-US"/>
+              <a:t>2</a:t>
+            </a:r>
+            <a:r>
+              <a:rPr altLang="en-GB" dirty="0" sz="2400" lang="en-US"/>
+              <a:t>1</a:t>
+            </a:r>
+            <a:r>
+              <a:rPr altLang="en-GB" dirty="0" sz="2400" lang="en-US"/>
+              <a:t>0</a:t>
+            </a:r>
+            <a:r>
+              <a:rPr altLang="en-GB" dirty="0" sz="2400" lang="en-US"/>
+              <a:t>0</a:t>
+            </a:r>
+            <a:r>
+              <a:rPr altLang="en-GB" dirty="0" sz="2400" lang="en-US"/>
+              <a:t>6</a:t>
+            </a:r>
+            <a:endParaRPr dirty="0" sz="2400" lang="en-US">
               <a:cs typeface="Calibri"/>
             </a:endParaRPr>
           </a:p>
           <a:p>
             <a:r>
-              <a:rPr lang="en-US" sz="2400" dirty="0"/>
+              <a:rPr altLang="en-GB" dirty="0" sz="2400" lang="en-US">
+                <a:cs typeface="Calibri"/>
+              </a:rPr>
+              <a:t>N</a:t>
+            </a:r>
+            <a:r>
+              <a:rPr altLang="en-GB" dirty="0" sz="2400" lang="en-US">
+                <a:cs typeface="Calibri"/>
+              </a:rPr>
+              <a:t>M</a:t>
+            </a:r>
+            <a:r>
+              <a:rPr altLang="en-GB" dirty="0" sz="2400" lang="en-US">
+                <a:cs typeface="Calibri"/>
+              </a:rPr>
+              <a:t> </a:t>
+            </a:r>
+            <a:r>
+              <a:rPr altLang="en-GB" dirty="0" sz="2400" lang="en-US">
+                <a:cs typeface="Calibri"/>
+              </a:rPr>
+              <a:t>I</a:t>
+            </a:r>
+            <a:r>
+              <a:rPr altLang="en-GB" dirty="0" sz="2400" lang="en-US">
+                <a:cs typeface="Calibri"/>
+              </a:rPr>
+              <a:t>D</a:t>
+            </a:r>
+            <a:r>
+              <a:rPr altLang="en-GB" dirty="0" sz="2400" lang="en-US">
+                <a:cs typeface="Calibri"/>
+              </a:rPr>
+              <a:t>:autanm41241224ucsc001</a:t>
+            </a:r>
+            <a:endParaRPr dirty="0" sz="2400" lang="en-US">
+              <a:cs typeface="Calibri"/>
+            </a:endParaRPr>
+          </a:p>
+          <a:p>
+            <a:r>
+              <a:rPr dirty="0" sz="2400" lang="en-US"/>
               <a:t>DEPARTMENT: </a:t>
             </a:r>
-          </a:p>
-          <a:p>
-            <a:r>
-              <a:rPr lang="en-US" sz="2400" dirty="0"/>
-              <a:t>COLLEGE: COLLEGE/ UNIVERSITY</a:t>
-            </a:r>
-          </a:p>
-          <a:p>
-            <a:r>
-              <a:rPr lang="en-US" sz="2400" dirty="0"/>
-              <a:t>           </a:t>
-            </a:r>
-            <a:endParaRPr lang="en-IN" sz="2400" dirty="0"/>
+            <a:r>
+              <a:rPr altLang="en-GB" dirty="0" sz="2400" lang="en-US"/>
+              <a:t>B</a:t>
+            </a:r>
+            <a:r>
+              <a:rPr altLang="en-GB" dirty="0" sz="2400" lang="en-US"/>
+              <a:t>.</a:t>
+            </a:r>
+            <a:r>
+              <a:rPr altLang="en-GB" dirty="0" sz="2400" lang="en-US"/>
+              <a:t>s</a:t>
+            </a:r>
+            <a:r>
+              <a:rPr altLang="en-GB" dirty="0" sz="2400" lang="en-US"/>
+              <a:t>c</a:t>
+            </a:r>
+            <a:r>
+              <a:rPr altLang="en-GB" dirty="0" sz="2400" lang="en-US"/>
+              <a:t> </a:t>
+            </a:r>
+            <a:r>
+              <a:rPr altLang="en-GB" dirty="0" sz="2400" lang="en-US"/>
+              <a:t>C</a:t>
+            </a:r>
+            <a:r>
+              <a:rPr altLang="en-GB" dirty="0" sz="2400" lang="en-US"/>
+              <a:t>O</a:t>
+            </a:r>
+            <a:r>
+              <a:rPr altLang="en-GB" dirty="0" sz="2400" lang="en-US"/>
+              <a:t>M</a:t>
+            </a:r>
+            <a:r>
+              <a:rPr altLang="en-GB" dirty="0" sz="2400" lang="en-US"/>
+              <a:t>P</a:t>
+            </a:r>
+            <a:r>
+              <a:rPr altLang="en-GB" dirty="0" sz="2400" lang="en-US"/>
+              <a:t>U</a:t>
+            </a:r>
+            <a:r>
+              <a:rPr altLang="en-GB" dirty="0" sz="2400" lang="en-US"/>
+              <a:t>TER </a:t>
+            </a:r>
+            <a:r>
+              <a:rPr altLang="en-GB" dirty="0" sz="2400" lang="en-US"/>
+              <a:t>SCIENCE </a:t>
+            </a:r>
+            <a:endParaRPr altLang="en-US" lang="zh-CN"/>
+          </a:p>
+          <a:p>
+            <a:r>
+              <a:rPr dirty="0" sz="2400" lang="en-US"/>
+              <a:t>COLLEGE: </a:t>
+            </a:r>
+            <a:r>
+              <a:rPr altLang="en-GB" dirty="0" sz="2400" lang="en-US"/>
+              <a:t>K</a:t>
+            </a:r>
+            <a:r>
+              <a:rPr altLang="en-GB" dirty="0" sz="2400" lang="en-US"/>
+              <a:t>A</a:t>
+            </a:r>
+            <a:r>
+              <a:rPr altLang="en-GB" dirty="0" sz="2400" lang="en-US"/>
+              <a:t>L</a:t>
+            </a:r>
+            <a:r>
+              <a:rPr altLang="en-GB" dirty="0" sz="2400" lang="en-US"/>
+              <a:t>A</a:t>
+            </a:r>
+            <a:r>
+              <a:rPr altLang="en-GB" dirty="0" sz="2400" lang="en-US"/>
+              <a:t>I</a:t>
+            </a:r>
+            <a:r>
+              <a:rPr altLang="en-GB" dirty="0" sz="2400" lang="en-US"/>
+              <a:t>M</a:t>
+            </a:r>
+            <a:r>
+              <a:rPr altLang="en-GB" dirty="0" sz="2400" lang="en-US"/>
+              <a:t>A</a:t>
+            </a:r>
+            <a:r>
+              <a:rPr altLang="en-GB" dirty="0" sz="2400" lang="en-US"/>
+              <a:t>H</a:t>
+            </a:r>
+            <a:r>
+              <a:rPr altLang="en-GB" dirty="0" sz="2400" lang="en-US"/>
+              <a:t>A</a:t>
+            </a:r>
+            <a:r>
+              <a:rPr altLang="en-GB" dirty="0" sz="2400" lang="en-US"/>
+              <a:t>L</a:t>
+            </a:r>
+            <a:r>
+              <a:rPr altLang="en-GB" dirty="0" sz="2400" lang="en-US"/>
+              <a:t> </a:t>
+            </a:r>
+            <a:r>
+              <a:rPr altLang="en-GB" dirty="0" sz="2400" lang="en-US"/>
+              <a:t>A</a:t>
+            </a:r>
+            <a:r>
+              <a:rPr altLang="en-GB" dirty="0" sz="2400" lang="en-US"/>
+              <a:t>R</a:t>
+            </a:r>
+            <a:r>
+              <a:rPr altLang="en-GB" dirty="0" sz="2400" lang="en-US"/>
+              <a:t>T</a:t>
+            </a:r>
+            <a:r>
+              <a:rPr altLang="en-GB" dirty="0" sz="2400" lang="en-US"/>
+              <a:t>S</a:t>
+            </a:r>
+            <a:r>
+              <a:rPr altLang="en-GB" dirty="0" sz="2400" lang="en-US"/>
+              <a:t> </a:t>
+            </a:r>
+            <a:r>
+              <a:rPr altLang="en-GB" dirty="0" sz="2400" lang="en-US"/>
+              <a:t>A</a:t>
+            </a:r>
+            <a:r>
+              <a:rPr altLang="en-GB" dirty="0" sz="2400" lang="en-US"/>
+              <a:t>N</a:t>
+            </a:r>
+            <a:r>
+              <a:rPr altLang="en-GB" dirty="0" sz="2400" lang="en-US"/>
+              <a:t>D</a:t>
+            </a:r>
+            <a:r>
+              <a:rPr altLang="en-GB" dirty="0" sz="2400" lang="en-US"/>
+              <a:t> </a:t>
+            </a:r>
+            <a:r>
+              <a:rPr altLang="en-GB" dirty="0" sz="2400" lang="en-US"/>
+              <a:t>S</a:t>
+            </a:r>
+            <a:r>
+              <a:rPr altLang="en-GB" dirty="0" sz="2400" lang="en-US"/>
+              <a:t>C</a:t>
+            </a:r>
+            <a:r>
+              <a:rPr altLang="en-GB" dirty="0" sz="2400" lang="en-US"/>
+              <a:t>IENCE </a:t>
+            </a:r>
+            <a:endParaRPr altLang="en-US" lang="zh-CN"/>
+          </a:p>
+          <a:p>
+            <a:r>
+              <a:rPr altLang="en-GB" dirty="0" sz="2400" lang="en-US"/>
+              <a:t>U</a:t>
+            </a:r>
+            <a:r>
+              <a:rPr altLang="en-GB" dirty="0" sz="2400" lang="en-US"/>
+              <a:t>N</a:t>
+            </a:r>
+            <a:r>
+              <a:rPr altLang="en-GB" dirty="0" sz="2400" lang="en-US"/>
+              <a:t>I</a:t>
+            </a:r>
+            <a:r>
+              <a:rPr altLang="en-GB" dirty="0" sz="2400" lang="en-US"/>
+              <a:t>VERSITY</a:t>
+            </a:r>
+            <a:r>
+              <a:rPr altLang="en-GB" dirty="0" sz="2400" lang="en-US"/>
+              <a:t>:</a:t>
+            </a:r>
+            <a:r>
+              <a:rPr altLang="en-GB" dirty="0" sz="2400" lang="en-US"/>
+              <a:t> ANNAMALAI </a:t>
+            </a:r>
+            <a:endParaRPr altLang="en-US" lang="zh-CN"/>
           </a:p>
         </p:txBody>
       </p:sp>
@@ -2786,7 +2900,7 @@
   <p:cSld>
     <p:spTree>
       <p:nvGrpSpPr>
-        <p:cNvPr id="1" name=""/>
+        <p:cNvPr id="39" name=""/>
         <p:cNvGrpSpPr/>
         <p:nvPr/>
       </p:nvGrpSpPr>
@@ -2800,7 +2914,7 @@
       </p:grpSpPr>
       <p:sp>
         <p:nvSpPr>
-          <p:cNvPr id="2" name="object 2"/>
+          <p:cNvPr id="1048668" name="object 2"/>
           <p:cNvSpPr txBox="1"/>
           <p:nvPr/>
         </p:nvSpPr>
@@ -2809,15 +2923,12 @@
             <a:off x="752475" y="6486037"/>
             <a:ext cx="1773555" cy="166370"/>
           </a:xfrm>
-          <a:prstGeom prst="rect">
-            <a:avLst/>
-          </a:prstGeom>
-        </p:spPr>
-        <p:txBody>
-          <a:bodyPr vert="horz" wrap="square" lIns="0" tIns="0" rIns="0" bIns="0" rtlCol="0">
+          <a:prstGeom prst="rect"/>
+        </p:spPr>
+        <p:txBody>
+          <a:bodyPr bIns="0" lIns="0" rIns="0" rtlCol="0" tIns="0" vert="horz" wrap="square">
             <a:spAutoFit/>
           </a:bodyPr>
-          <a:lstStyle/>
           <a:p>
             <a:pPr>
               <a:lnSpc>
@@ -2825,7 +2936,7 @@
               </a:lnSpc>
             </a:pPr>
             <a:r>
-              <a:rPr sz="1100" spc="20" dirty="0">
+              <a:rPr dirty="0" sz="1100" spc="20">
                 <a:solidFill>
                   <a:srgbClr val="2D83C3"/>
                 </a:solidFill>
@@ -2835,7 +2946,7 @@
               <a:t>3/21/202</a:t>
             </a:r>
             <a:r>
-              <a:rPr sz="1100" spc="10" dirty="0">
+              <a:rPr dirty="0" sz="1100" spc="10">
                 <a:solidFill>
                   <a:srgbClr val="2D83C3"/>
                 </a:solidFill>
@@ -2845,7 +2956,7 @@
               <a:t>4</a:t>
             </a:r>
             <a:r>
-              <a:rPr sz="1100" dirty="0">
+              <a:rPr dirty="0" sz="1100">
                 <a:solidFill>
                   <a:srgbClr val="2D83C3"/>
                 </a:solidFill>
@@ -2855,7 +2966,7 @@
               <a:t> </a:t>
             </a:r>
             <a:r>
-              <a:rPr sz="1100" spc="130" dirty="0">
+              <a:rPr dirty="0" sz="1100" spc="130">
                 <a:solidFill>
                   <a:srgbClr val="2D83C3"/>
                 </a:solidFill>
@@ -2865,7 +2976,7 @@
               <a:t> </a:t>
             </a:r>
             <a:r>
-              <a:rPr sz="1100" b="1" spc="50" dirty="0">
+              <a:rPr b="1" dirty="0" sz="1100" spc="50">
                 <a:solidFill>
                   <a:srgbClr val="2D83C3"/>
                 </a:solidFill>
@@ -2875,7 +2986,7 @@
               <a:t>A</a:t>
             </a:r>
             <a:r>
-              <a:rPr sz="1100" b="1" spc="15" dirty="0">
+              <a:rPr b="1" dirty="0" sz="1100" spc="15">
                 <a:solidFill>
                   <a:srgbClr val="2D83C3"/>
                 </a:solidFill>
@@ -2885,7 +2996,7 @@
               <a:t>nnu</a:t>
             </a:r>
             <a:r>
-              <a:rPr sz="1100" b="1" spc="10" dirty="0">
+              <a:rPr b="1" dirty="0" sz="1100" spc="10">
                 <a:solidFill>
                   <a:srgbClr val="2D83C3"/>
                 </a:solidFill>
@@ -2895,7 +3006,7 @@
               <a:t>al</a:t>
             </a:r>
             <a:r>
-              <a:rPr sz="1100" b="1" spc="-140" dirty="0">
+              <a:rPr b="1" dirty="0" sz="1100" spc="-140">
                 <a:solidFill>
                   <a:srgbClr val="2D83C3"/>
                 </a:solidFill>
@@ -2905,7 +3016,7 @@
               <a:t> </a:t>
             </a:r>
             <a:r>
-              <a:rPr sz="1100" b="1" dirty="0">
+              <a:rPr b="1" dirty="0" sz="1100">
                 <a:solidFill>
                   <a:srgbClr val="2D83C3"/>
                 </a:solidFill>
@@ -2915,7 +3026,7 @@
               <a:t>R</a:t>
             </a:r>
             <a:r>
-              <a:rPr sz="1100" b="1" spc="35" dirty="0">
+              <a:rPr b="1" dirty="0" sz="1100" spc="35">
                 <a:solidFill>
                   <a:srgbClr val="2D83C3"/>
                 </a:solidFill>
@@ -2925,7 +3036,7 @@
               <a:t>e</a:t>
             </a:r>
             <a:r>
-              <a:rPr sz="1100" b="1" spc="90" dirty="0">
+              <a:rPr b="1" dirty="0" sz="1100" spc="90">
                 <a:solidFill>
                   <a:srgbClr val="2D83C3"/>
                 </a:solidFill>
@@ -2935,7 +3046,7 @@
               <a:t>v</a:t>
             </a:r>
             <a:r>
-              <a:rPr sz="1100" b="1" spc="-35" dirty="0">
+              <a:rPr b="1" dirty="0" sz="1100" spc="-35">
                 <a:solidFill>
                   <a:srgbClr val="2D83C3"/>
                 </a:solidFill>
@@ -2945,7 +3056,7 @@
               <a:t>i</a:t>
             </a:r>
             <a:r>
-              <a:rPr sz="1100" b="1" spc="35" dirty="0">
+              <a:rPr b="1" dirty="0" sz="1100" spc="35">
                 <a:solidFill>
                   <a:srgbClr val="2D83C3"/>
                 </a:solidFill>
@@ -2955,7 +3066,7 @@
               <a:t>e</a:t>
             </a:r>
             <a:r>
-              <a:rPr sz="1100" b="1" spc="15" dirty="0">
+              <a:rPr b="1" dirty="0" sz="1100" spc="15">
                 <a:solidFill>
                   <a:srgbClr val="2D83C3"/>
                 </a:solidFill>
@@ -2973,7 +3084,7 @@
       </p:sp>
       <p:sp>
         <p:nvSpPr>
-          <p:cNvPr id="3" name="object 3"/>
+          <p:cNvPr id="1048669" name="object 3"/>
           <p:cNvSpPr/>
           <p:nvPr/>
         </p:nvSpPr>
@@ -2984,9 +3095,7 @@
           </a:xfrm>
           <a:custGeom>
             <a:avLst/>
-            <a:gdLst/>
             <a:ahLst/>
-            <a:cxnLst/>
             <a:rect l="l" t="t" r="r" b="b"/>
             <a:pathLst>
               <a:path w="457200" h="457200">
@@ -3014,16 +3123,13 @@
           </a:solidFill>
         </p:spPr>
         <p:txBody>
-          <a:bodyPr wrap="square" lIns="0" tIns="0" rIns="0" bIns="0" rtlCol="0"/>
-          <a:lstStyle/>
-          <a:p>
-            <a:endParaRPr/>
-          </a:p>
-        </p:txBody>
-      </p:sp>
-      <p:sp>
-        <p:nvSpPr>
-          <p:cNvPr id="4" name="object 4"/>
+          <a:bodyPr bIns="0" lIns="0" rIns="0" rtlCol="0" tIns="0" wrap="square"/>
+          <a:p/>
+        </p:txBody>
+      </p:sp>
+      <p:sp>
+        <p:nvSpPr>
+          <p:cNvPr id="1048670" name="object 4"/>
           <p:cNvSpPr/>
           <p:nvPr/>
         </p:nvSpPr>
@@ -3034,9 +3140,7 @@
           </a:xfrm>
           <a:custGeom>
             <a:avLst/>
-            <a:gdLst/>
             <a:ahLst/>
-            <a:cxnLst/>
             <a:rect l="l" t="t" r="r" b="b"/>
             <a:pathLst>
               <a:path w="314325" h="323850">
@@ -3064,16 +3168,13 @@
           </a:solidFill>
         </p:spPr>
         <p:txBody>
-          <a:bodyPr wrap="square" lIns="0" tIns="0" rIns="0" bIns="0" rtlCol="0"/>
-          <a:lstStyle/>
-          <a:p>
-            <a:endParaRPr/>
-          </a:p>
-        </p:txBody>
-      </p:sp>
-      <p:sp>
-        <p:nvSpPr>
-          <p:cNvPr id="5" name="object 5"/>
+          <a:bodyPr bIns="0" lIns="0" rIns="0" rtlCol="0" tIns="0" wrap="square"/>
+          <a:p/>
+        </p:txBody>
+      </p:sp>
+      <p:sp>
+        <p:nvSpPr>
+          <p:cNvPr id="1048671" name="object 5"/>
           <p:cNvSpPr/>
           <p:nvPr/>
         </p:nvSpPr>
@@ -3084,9 +3185,7 @@
           </a:xfrm>
           <a:custGeom>
             <a:avLst/>
-            <a:gdLst/>
             <a:ahLst/>
-            <a:cxnLst/>
             <a:rect l="l" t="t" r="r" b="b"/>
             <a:pathLst>
               <a:path w="180975" h="180975">
@@ -3114,21 +3213,20 @@
           </a:solidFill>
         </p:spPr>
         <p:txBody>
-          <a:bodyPr wrap="square" lIns="0" tIns="0" rIns="0" bIns="0" rtlCol="0"/>
-          <a:lstStyle/>
-          <a:p>
-            <a:endParaRPr/>
-          </a:p>
+          <a:bodyPr bIns="0" lIns="0" rIns="0" rtlCol="0" tIns="0" wrap="square"/>
+          <a:p/>
         </p:txBody>
       </p:sp>
       <p:pic>
         <p:nvPicPr>
-          <p:cNvPr id="6" name="object 6"/>
-          <p:cNvPicPr/>
+          <p:cNvPr id="2097166" name="object 6"/>
+          <p:cNvPicPr>
+            <a:picLocks/>
+          </p:cNvPicPr>
           <p:nvPr/>
         </p:nvPicPr>
         <p:blipFill>
-          <a:blip r:embed="rId2" cstate="print"/>
+          <a:blip xmlns:r="http://schemas.openxmlformats.org/officeDocument/2006/relationships" r:embed="rId1" cstate="print"/>
           <a:stretch>
             <a:fillRect/>
           </a:stretch>
@@ -3138,14 +3236,12 @@
             <a:off x="66675" y="3381373"/>
             <a:ext cx="2466975" cy="3419475"/>
           </a:xfrm>
-          <a:prstGeom prst="rect">
-            <a:avLst/>
-          </a:prstGeom>
+          <a:prstGeom prst="rect"/>
         </p:spPr>
       </p:pic>
       <p:sp>
         <p:nvSpPr>
-          <p:cNvPr id="7" name="object 7"/>
+          <p:cNvPr id="1048672" name="object 7"/>
           <p:cNvSpPr txBox="1">
             <a:spLocks noGrp="1"/>
           </p:cNvSpPr>
@@ -3156,17 +3252,14 @@
         <p:spPr>
           <a:xfrm>
             <a:off x="739775" y="654938"/>
-            <a:ext cx="8480425" cy="670696"/>
-          </a:xfrm>
-          <a:prstGeom prst="rect">
-            <a:avLst/>
-          </a:prstGeom>
-        </p:spPr>
-        <p:txBody>
-          <a:bodyPr vert="horz" wrap="square" lIns="0" tIns="16510" rIns="0" bIns="0" rtlCol="0">
+            <a:ext cx="8480425" cy="638810"/>
+          </a:xfrm>
+          <a:prstGeom prst="rect"/>
+        </p:spPr>
+        <p:txBody>
+          <a:bodyPr bIns="0" lIns="0" rIns="0" rtlCol="0" tIns="16510" vert="horz" wrap="square">
             <a:spAutoFit/>
           </a:bodyPr>
-          <a:lstStyle/>
           <a:p>
             <a:pPr marL="12700">
               <a:lnSpc>
@@ -3177,16 +3270,16 @@
               </a:spcBef>
             </a:pPr>
             <a:r>
-              <a:rPr lang="en-IN" sz="4250" spc="15" dirty="0"/>
+              <a:rPr dirty="0" sz="4250" lang="en-IN" spc="15"/>
               <a:t>RESULTS AND SCREENSHOTS</a:t>
             </a:r>
-            <a:endParaRPr sz="4250" dirty="0"/>
-          </a:p>
-        </p:txBody>
-      </p:sp>
-      <p:sp>
-        <p:nvSpPr>
-          <p:cNvPr id="8" name="object 8"/>
+            <a:endParaRPr dirty="0" sz="4250"/>
+          </a:p>
+        </p:txBody>
+      </p:sp>
+      <p:sp>
+        <p:nvSpPr>
+          <p:cNvPr id="1048673" name="object 8"/>
           <p:cNvSpPr txBox="1"/>
           <p:nvPr/>
         </p:nvSpPr>
@@ -3195,15 +3288,12 @@
             <a:off x="11277218" y="6473337"/>
             <a:ext cx="228600" cy="191770"/>
           </a:xfrm>
-          <a:prstGeom prst="rect">
-            <a:avLst/>
-          </a:prstGeom>
-        </p:spPr>
-        <p:txBody>
-          <a:bodyPr vert="horz" wrap="square" lIns="0" tIns="6985" rIns="0" bIns="0" rtlCol="0">
+          <a:prstGeom prst="rect"/>
+        </p:spPr>
+        <p:txBody>
+          <a:bodyPr bIns="0" lIns="0" rIns="0" rtlCol="0" tIns="6985" vert="horz" wrap="square">
             <a:spAutoFit/>
           </a:bodyPr>
-          <a:lstStyle/>
           <a:p>
             <a:pPr marL="38100">
               <a:lnSpc>
@@ -3214,7 +3304,7 @@
               </a:spcBef>
             </a:pPr>
             <a:fld id="{81D60167-4931-47E6-BA6A-407CBD079E47}" type="slidenum">
-              <a:rPr sz="1100" spc="10" dirty="0">
+              <a:rPr dirty="0" sz="1100" spc="10">
                 <a:solidFill>
                   <a:srgbClr val="2D936B"/>
                 </a:solidFill>
@@ -3232,13 +3322,7 @@
       </p:sp>
       <p:sp>
         <p:nvSpPr>
-          <p:cNvPr id="9" name="TextBox 8">
-            <a:extLst>
-              <a:ext uri="{FF2B5EF4-FFF2-40B4-BE49-F238E27FC236}">
-                <a16:creationId xmlns:a16="http://schemas.microsoft.com/office/drawing/2014/main" id="{FAD9CEB2-36E1-0550-426B-2FAF97882044}"/>
-              </a:ext>
-            </a:extLst>
-          </p:cNvPr>
+          <p:cNvPr id="1048674" name="TextBox 8"/>
           <p:cNvSpPr txBox="1"/>
           <p:nvPr/>
         </p:nvSpPr>
@@ -3247,22 +3331,19 @@
             <a:off x="2743200" y="2354703"/>
             <a:ext cx="8534018" cy="954107"/>
           </a:xfrm>
-          <a:prstGeom prst="rect">
-            <a:avLst/>
-          </a:prstGeom>
+          <a:prstGeom prst="rect"/>
           <a:noFill/>
         </p:spPr>
         <p:txBody>
-          <a:bodyPr wrap="square" rtlCol="0">
+          <a:bodyPr rtlCol="0" wrap="square">
             <a:spAutoFit/>
           </a:bodyPr>
-          <a:lstStyle/>
           <a:p>
             <a:pPr algn="l">
               <a:buFont typeface="Arial" panose="020B0604020202020204" pitchFamily="34" charset="0"/>
               <a:buChar char="•"/>
             </a:pPr>
-            <a:endParaRPr lang="en-US" sz="2800" b="0" i="0" dirty="0">
+            <a:endParaRPr b="0" dirty="0" sz="2800" i="0" lang="en-US">
               <a:solidFill>
                 <a:srgbClr val="0D0D0D"/>
               </a:solidFill>
@@ -3272,13 +3353,35 @@
             </a:endParaRPr>
           </a:p>
           <a:p>
-            <a:endParaRPr lang="en-IN" sz="2800" dirty="0">
+            <a:endParaRPr dirty="0" sz="2800" lang="en-IN">
               <a:latin typeface="Times New Roman" panose="02020603050405020304" pitchFamily="18" charset="0"/>
               <a:cs typeface="Times New Roman" panose="02020603050405020304" pitchFamily="18" charset="0"/>
             </a:endParaRPr>
           </a:p>
         </p:txBody>
       </p:sp>
+      <p:pic>
+        <p:nvPicPr>
+          <p:cNvPr id="2097168" name=""/>
+          <p:cNvPicPr>
+            <a:picLocks/>
+          </p:cNvPicPr>
+          <p:nvPr/>
+        </p:nvPicPr>
+        <p:blipFill>
+          <a:blip xmlns:r="http://schemas.openxmlformats.org/officeDocument/2006/relationships" r:embed="rId2"/>
+          <a:stretch>
+            <a:fillRect/>
+          </a:stretch>
+        </p:blipFill>
+        <p:spPr>
+          <a:xfrm rot="0">
+            <a:off x="4356586" y="1786076"/>
+            <a:ext cx="2203858" cy="5071924"/>
+          </a:xfrm>
+          <a:prstGeom prst="rect"/>
+        </p:spPr>
+      </p:pic>
     </p:spTree>
   </p:cSld>
   <p:clrMapOvr>
@@ -3292,7 +3395,7 @@
   <p:cSld>
     <p:spTree>
       <p:nvGrpSpPr>
-        <p:cNvPr id="1" name=""/>
+        <p:cNvPr id="40" name=""/>
         <p:cNvGrpSpPr/>
         <p:nvPr/>
       </p:nvGrpSpPr>
@@ -3306,7 +3409,7 @@
       </p:grpSpPr>
       <p:sp>
         <p:nvSpPr>
-          <p:cNvPr id="3" name="object 3"/>
+          <p:cNvPr id="1048675" name="object 3"/>
           <p:cNvSpPr/>
           <p:nvPr/>
         </p:nvSpPr>
@@ -3317,9 +3420,7 @@
           </a:xfrm>
           <a:custGeom>
             <a:avLst/>
-            <a:gdLst/>
             <a:ahLst/>
-            <a:cxnLst/>
             <a:rect l="l" t="t" r="r" b="b"/>
             <a:pathLst>
               <a:path w="457200" h="457200">
@@ -3347,16 +3448,13 @@
           </a:solidFill>
         </p:spPr>
         <p:txBody>
-          <a:bodyPr wrap="square" lIns="0" tIns="0" rIns="0" bIns="0" rtlCol="0"/>
-          <a:lstStyle/>
-          <a:p>
-            <a:endParaRPr/>
-          </a:p>
-        </p:txBody>
-      </p:sp>
-      <p:sp>
-        <p:nvSpPr>
-          <p:cNvPr id="4" name="object 4"/>
+          <a:bodyPr bIns="0" lIns="0" rIns="0" rtlCol="0" tIns="0" wrap="square"/>
+          <a:p/>
+        </p:txBody>
+      </p:sp>
+      <p:sp>
+        <p:nvSpPr>
+          <p:cNvPr id="1048676" name="object 4"/>
           <p:cNvSpPr/>
           <p:nvPr/>
         </p:nvSpPr>
@@ -3367,9 +3465,7 @@
           </a:xfrm>
           <a:custGeom>
             <a:avLst/>
-            <a:gdLst/>
             <a:ahLst/>
-            <a:cxnLst/>
             <a:rect l="l" t="t" r="r" b="b"/>
             <a:pathLst>
               <a:path w="314325" h="323850">
@@ -3397,16 +3493,13 @@
           </a:solidFill>
         </p:spPr>
         <p:txBody>
-          <a:bodyPr wrap="square" lIns="0" tIns="0" rIns="0" bIns="0" rtlCol="0"/>
-          <a:lstStyle/>
-          <a:p>
-            <a:endParaRPr/>
-          </a:p>
-        </p:txBody>
-      </p:sp>
-      <p:sp>
-        <p:nvSpPr>
-          <p:cNvPr id="5" name="object 5"/>
+          <a:bodyPr bIns="0" lIns="0" rIns="0" rtlCol="0" tIns="0" wrap="square"/>
+          <a:p/>
+        </p:txBody>
+      </p:sp>
+      <p:sp>
+        <p:nvSpPr>
+          <p:cNvPr id="1048677" name="object 5"/>
           <p:cNvSpPr/>
           <p:nvPr/>
         </p:nvSpPr>
@@ -3417,9 +3510,7 @@
           </a:xfrm>
           <a:custGeom>
             <a:avLst/>
-            <a:gdLst/>
             <a:ahLst/>
-            <a:cxnLst/>
             <a:rect l="l" t="t" r="r" b="b"/>
             <a:pathLst>
               <a:path w="180975" h="180975">
@@ -3447,21 +3538,20 @@
           </a:solidFill>
         </p:spPr>
         <p:txBody>
-          <a:bodyPr wrap="square" lIns="0" tIns="0" rIns="0" bIns="0" rtlCol="0"/>
-          <a:lstStyle/>
-          <a:p>
-            <a:endParaRPr/>
-          </a:p>
+          <a:bodyPr bIns="0" lIns="0" rIns="0" rtlCol="0" tIns="0" wrap="square"/>
+          <a:p/>
         </p:txBody>
       </p:sp>
       <p:pic>
         <p:nvPicPr>
-          <p:cNvPr id="6" name="object 6"/>
-          <p:cNvPicPr/>
+          <p:cNvPr id="2097167" name="object 6"/>
+          <p:cNvPicPr>
+            <a:picLocks/>
+          </p:cNvPicPr>
           <p:nvPr/>
         </p:nvPicPr>
         <p:blipFill>
-          <a:blip r:embed="rId2" cstate="print"/>
+          <a:blip xmlns:r="http://schemas.openxmlformats.org/officeDocument/2006/relationships" r:embed="rId1" cstate="print"/>
           <a:stretch>
             <a:fillRect/>
           </a:stretch>
@@ -3471,14 +3561,12 @@
             <a:off x="1666875" y="6467475"/>
             <a:ext cx="76200" cy="177800"/>
           </a:xfrm>
-          <a:prstGeom prst="rect">
-            <a:avLst/>
-          </a:prstGeom>
+          <a:prstGeom prst="rect"/>
         </p:spPr>
       </p:pic>
       <p:sp>
         <p:nvSpPr>
-          <p:cNvPr id="7" name="object 7"/>
+          <p:cNvPr id="1048678" name="object 7"/>
           <p:cNvSpPr txBox="1">
             <a:spLocks noGrp="1"/>
           </p:cNvSpPr>
@@ -3491,15 +3579,12 @@
             <a:off x="755332" y="385444"/>
             <a:ext cx="4578668" cy="752129"/>
           </a:xfrm>
-          <a:prstGeom prst="rect">
-            <a:avLst/>
-          </a:prstGeom>
-        </p:spPr>
-        <p:txBody>
-          <a:bodyPr vert="horz" wrap="square" lIns="0" tIns="13335" rIns="0" bIns="0" rtlCol="0">
+          <a:prstGeom prst="rect"/>
+        </p:spPr>
+        <p:txBody>
+          <a:bodyPr bIns="0" lIns="0" rIns="0" rtlCol="0" tIns="13335" vert="horz" wrap="square">
             <a:spAutoFit/>
           </a:bodyPr>
-          <a:lstStyle/>
           <a:p>
             <a:pPr marL="12700">
               <a:lnSpc>
@@ -3510,7 +3595,7 @@
               </a:spcBef>
             </a:pPr>
             <a:r>
-              <a:rPr lang="en-IN" dirty="0"/>
+              <a:rPr dirty="0" lang="en-IN"/>
               <a:t>CONCLUSION</a:t>
             </a:r>
             <a:endParaRPr dirty="0"/>
@@ -3519,7 +3604,7 @@
       </p:sp>
       <p:sp>
         <p:nvSpPr>
-          <p:cNvPr id="9" name="object 9"/>
+          <p:cNvPr id="1048679" name="object 9"/>
           <p:cNvSpPr txBox="1"/>
           <p:nvPr/>
         </p:nvSpPr>
@@ -3528,15 +3613,12 @@
             <a:off x="11277218" y="6473337"/>
             <a:ext cx="228600" cy="191770"/>
           </a:xfrm>
-          <a:prstGeom prst="rect">
-            <a:avLst/>
-          </a:prstGeom>
-        </p:spPr>
-        <p:txBody>
-          <a:bodyPr vert="horz" wrap="square" lIns="0" tIns="6985" rIns="0" bIns="0" rtlCol="0">
+          <a:prstGeom prst="rect"/>
+        </p:spPr>
+        <p:txBody>
+          <a:bodyPr bIns="0" lIns="0" rIns="0" rtlCol="0" tIns="6985" vert="horz" wrap="square">
             <a:spAutoFit/>
           </a:bodyPr>
-          <a:lstStyle/>
           <a:p>
             <a:pPr marL="38100">
               <a:lnSpc>
@@ -3547,7 +3629,7 @@
               </a:spcBef>
             </a:pPr>
             <a:fld id="{81D60167-4931-47E6-BA6A-407CBD079E47}" type="slidenum">
-              <a:rPr sz="1100" spc="10" dirty="0">
+              <a:rPr dirty="0" sz="1100" spc="10">
                 <a:solidFill>
                   <a:srgbClr val="2D936B"/>
                 </a:solidFill>
@@ -3559,6 +3641,45 @@
             <a:endParaRPr sz="1100">
               <a:latin typeface="Trebuchet MS"/>
               <a:cs typeface="Trebuchet MS"/>
+            </a:endParaRPr>
+          </a:p>
+        </p:txBody>
+      </p:sp>
+      <p:sp>
+        <p:nvSpPr>
+          <p:cNvPr id="1048710" name=""/>
+          <p:cNvSpPr txBox="1"/>
+          <p:nvPr/>
+        </p:nvSpPr>
+        <p:spPr>
+          <a:xfrm>
+            <a:off x="1132221" y="1335405"/>
+            <a:ext cx="10414852" cy="5958840"/>
+          </a:xfrm>
+          <a:prstGeom prst="rect"/>
+        </p:spPr>
+        <p:txBody>
+          <a:bodyPr rtlCol="0" wrap="square">
+            <a:spAutoFit/>
+          </a:bodyPr>
+          <a:p>
+            <a:r>
+              <a:rPr sz="2800" lang="en-GB">
+                <a:solidFill>
+                  <a:srgbClr val="000000"/>
+                </a:solidFill>
+              </a:rPr>
+              <a:t>1. Modern portfolio with glassmorphism UI.
+2. Includes typing, scroll, and hover animations.
+3. Fully responsive for all devices.
+4. Showcases About, Projects, Skills, Contact.
+5. Interactive and user-friendly design.
+</a:t>
+            </a:r>
+            <a:endParaRPr sz="2800" lang="en-GB">
+              <a:solidFill>
+                <a:srgbClr val="000000"/>
+              </a:solidFill>
             </a:endParaRPr>
           </a:p>
         </p:txBody>
@@ -3576,7 +3697,7 @@
   <p:cSld>
     <p:spTree>
       <p:nvGrpSpPr>
-        <p:cNvPr id="1" name=""/>
+        <p:cNvPr id="25" name=""/>
         <p:cNvGrpSpPr/>
         <p:nvPr/>
       </p:nvGrpSpPr>
@@ -3590,20 +3711,18 @@
       </p:grpSpPr>
       <p:sp>
         <p:nvSpPr>
-          <p:cNvPr id="2" name="object 2"/>
+          <p:cNvPr id="1048610" name="object 2"/>
           <p:cNvSpPr/>
           <p:nvPr/>
         </p:nvSpPr>
         <p:spPr>
           <a:xfrm>
-            <a:off x="0" y="0"/>
+            <a:off x="0" y="265895"/>
             <a:ext cx="12192000" cy="6858000"/>
           </a:xfrm>
           <a:custGeom>
             <a:avLst/>
-            <a:gdLst/>
             <a:ahLst/>
-            <a:cxnLst/>
             <a:rect l="l" t="t" r="r" b="b"/>
             <a:pathLst>
               <a:path w="12192000" h="6858000">
@@ -3631,8 +3750,7 @@
           </a:solidFill>
         </p:spPr>
         <p:txBody>
-          <a:bodyPr wrap="square" lIns="0" tIns="0" rIns="0" bIns="0" rtlCol="0"/>
-          <a:lstStyle/>
+          <a:bodyPr bIns="0" lIns="0" rIns="0" rtlCol="0" tIns="0" wrap="square"/>
           <a:p>
             <a:endParaRPr dirty="0">
               <a:latin typeface="Times New Roman" panose="02020603050405020304" pitchFamily="18" charset="0"/>
@@ -3643,7 +3761,7 @@
       </p:sp>
       <p:grpSp>
         <p:nvGrpSpPr>
-          <p:cNvPr id="3" name="object 3"/>
+          <p:cNvPr id="26" name="object 3"/>
           <p:cNvGrpSpPr/>
           <p:nvPr/>
         </p:nvGrpSpPr>
@@ -3657,7 +3775,7 @@
         </p:grpSpPr>
         <p:sp>
           <p:nvSpPr>
-            <p:cNvPr id="4" name="object 4"/>
+            <p:cNvPr id="1048611" name="object 4"/>
             <p:cNvSpPr/>
             <p:nvPr/>
           </p:nvSpPr>
@@ -3668,9 +3786,7 @@
             </a:xfrm>
             <a:custGeom>
               <a:avLst/>
-              <a:gdLst/>
               <a:ahLst/>
-              <a:cxnLst/>
               <a:rect l="l" t="t" r="r" b="b"/>
               <a:pathLst>
                 <a:path w="1218565" h="6853555">
@@ -3690,16 +3806,13 @@
             </a:ln>
           </p:spPr>
           <p:txBody>
-            <a:bodyPr wrap="square" lIns="0" tIns="0" rIns="0" bIns="0" rtlCol="0"/>
-            <a:lstStyle/>
-            <a:p>
-              <a:endParaRPr/>
-            </a:p>
+            <a:bodyPr bIns="0" lIns="0" rIns="0" rtlCol="0" tIns="0" wrap="square"/>
+            <a:p/>
           </p:txBody>
         </p:sp>
         <p:sp>
           <p:nvSpPr>
-            <p:cNvPr id="5" name="object 5"/>
+            <p:cNvPr id="1048612" name="object 5"/>
             <p:cNvSpPr/>
             <p:nvPr/>
           </p:nvSpPr>
@@ -3710,9 +3823,7 @@
             </a:xfrm>
             <a:custGeom>
               <a:avLst/>
-              <a:gdLst/>
               <a:ahLst/>
-              <a:cxnLst/>
               <a:rect l="l" t="t" r="r" b="b"/>
               <a:pathLst>
                 <a:path w="4743450" h="3163570">
@@ -3732,16 +3843,13 @@
             </a:ln>
           </p:spPr>
           <p:txBody>
-            <a:bodyPr wrap="square" lIns="0" tIns="0" rIns="0" bIns="0" rtlCol="0"/>
-            <a:lstStyle/>
-            <a:p>
-              <a:endParaRPr/>
-            </a:p>
+            <a:bodyPr bIns="0" lIns="0" rIns="0" rtlCol="0" tIns="0" wrap="square"/>
+            <a:p/>
           </p:txBody>
         </p:sp>
         <p:sp>
           <p:nvSpPr>
-            <p:cNvPr id="6" name="object 6"/>
+            <p:cNvPr id="1048613" name="object 6"/>
             <p:cNvSpPr/>
             <p:nvPr/>
           </p:nvSpPr>
@@ -3752,9 +3860,7 @@
             </a:xfrm>
             <a:custGeom>
               <a:avLst/>
-              <a:gdLst/>
               <a:ahLst/>
-              <a:cxnLst/>
               <a:rect l="l" t="t" r="r" b="b"/>
               <a:pathLst>
                 <a:path w="3009900" h="6858000">
@@ -3784,16 +3890,13 @@
             </a:solidFill>
           </p:spPr>
           <p:txBody>
-            <a:bodyPr wrap="square" lIns="0" tIns="0" rIns="0" bIns="0" rtlCol="0"/>
-            <a:lstStyle/>
-            <a:p>
-              <a:endParaRPr/>
-            </a:p>
+            <a:bodyPr bIns="0" lIns="0" rIns="0" rtlCol="0" tIns="0" wrap="square"/>
+            <a:p/>
           </p:txBody>
         </p:sp>
         <p:sp>
           <p:nvSpPr>
-            <p:cNvPr id="7" name="object 7"/>
+            <p:cNvPr id="1048614" name="object 7"/>
             <p:cNvSpPr/>
             <p:nvPr/>
           </p:nvSpPr>
@@ -3804,9 +3907,7 @@
             </a:xfrm>
             <a:custGeom>
               <a:avLst/>
-              <a:gdLst/>
               <a:ahLst/>
-              <a:cxnLst/>
               <a:rect l="l" t="t" r="r" b="b"/>
               <a:pathLst>
                 <a:path w="2589529" h="6858000">
@@ -3836,16 +3937,13 @@
             </a:solidFill>
           </p:spPr>
           <p:txBody>
-            <a:bodyPr wrap="square" lIns="0" tIns="0" rIns="0" bIns="0" rtlCol="0"/>
-            <a:lstStyle/>
-            <a:p>
-              <a:endParaRPr/>
-            </a:p>
+            <a:bodyPr bIns="0" lIns="0" rIns="0" rtlCol="0" tIns="0" wrap="square"/>
+            <a:p/>
           </p:txBody>
         </p:sp>
         <p:sp>
           <p:nvSpPr>
-            <p:cNvPr id="8" name="object 8"/>
+            <p:cNvPr id="1048615" name="object 8"/>
             <p:cNvSpPr/>
             <p:nvPr/>
           </p:nvSpPr>
@@ -3856,9 +3954,7 @@
             </a:xfrm>
             <a:custGeom>
               <a:avLst/>
-              <a:gdLst/>
               <a:ahLst/>
-              <a:cxnLst/>
               <a:rect l="l" t="t" r="r" b="b"/>
               <a:pathLst>
                 <a:path w="3257550" h="3810000">
@@ -3885,16 +3981,13 @@
             </a:solidFill>
           </p:spPr>
           <p:txBody>
-            <a:bodyPr wrap="square" lIns="0" tIns="0" rIns="0" bIns="0" rtlCol="0"/>
-            <a:lstStyle/>
-            <a:p>
-              <a:endParaRPr/>
-            </a:p>
+            <a:bodyPr bIns="0" lIns="0" rIns="0" rtlCol="0" tIns="0" wrap="square"/>
+            <a:p/>
           </p:txBody>
         </p:sp>
         <p:sp>
           <p:nvSpPr>
-            <p:cNvPr id="9" name="object 9"/>
+            <p:cNvPr id="1048616" name="object 9"/>
             <p:cNvSpPr/>
             <p:nvPr/>
           </p:nvSpPr>
@@ -3905,9 +3998,7 @@
             </a:xfrm>
             <a:custGeom>
               <a:avLst/>
-              <a:gdLst/>
               <a:ahLst/>
-              <a:cxnLst/>
               <a:rect l="l" t="t" r="r" b="b"/>
               <a:pathLst>
                 <a:path w="2854325" h="6858000">
@@ -3937,16 +4028,13 @@
             </a:solidFill>
           </p:spPr>
           <p:txBody>
-            <a:bodyPr wrap="square" lIns="0" tIns="0" rIns="0" bIns="0" rtlCol="0"/>
-            <a:lstStyle/>
-            <a:p>
-              <a:endParaRPr/>
-            </a:p>
+            <a:bodyPr bIns="0" lIns="0" rIns="0" rtlCol="0" tIns="0" wrap="square"/>
+            <a:p/>
           </p:txBody>
         </p:sp>
         <p:sp>
           <p:nvSpPr>
-            <p:cNvPr id="10" name="object 10"/>
+            <p:cNvPr id="1048617" name="object 10"/>
             <p:cNvSpPr/>
             <p:nvPr/>
           </p:nvSpPr>
@@ -3957,9 +4045,7 @@
             </a:xfrm>
             <a:custGeom>
               <a:avLst/>
-              <a:gdLst/>
               <a:ahLst/>
-              <a:cxnLst/>
               <a:rect l="l" t="t" r="r" b="b"/>
               <a:pathLst>
                 <a:path w="1295400" h="6858000">
@@ -3989,16 +4075,13 @@
             </a:solidFill>
           </p:spPr>
           <p:txBody>
-            <a:bodyPr wrap="square" lIns="0" tIns="0" rIns="0" bIns="0" rtlCol="0"/>
-            <a:lstStyle/>
-            <a:p>
-              <a:endParaRPr/>
-            </a:p>
+            <a:bodyPr bIns="0" lIns="0" rIns="0" rtlCol="0" tIns="0" wrap="square"/>
+            <a:p/>
           </p:txBody>
         </p:sp>
         <p:sp>
           <p:nvSpPr>
-            <p:cNvPr id="11" name="object 11"/>
+            <p:cNvPr id="1048618" name="object 11"/>
             <p:cNvSpPr/>
             <p:nvPr/>
           </p:nvSpPr>
@@ -4009,9 +4092,7 @@
             </a:xfrm>
             <a:custGeom>
               <a:avLst/>
-              <a:gdLst/>
               <a:ahLst/>
-              <a:cxnLst/>
               <a:rect l="l" t="t" r="r" b="b"/>
               <a:pathLst>
                 <a:path w="1256029" h="6858000">
@@ -4041,16 +4122,13 @@
             </a:solidFill>
           </p:spPr>
           <p:txBody>
-            <a:bodyPr wrap="square" lIns="0" tIns="0" rIns="0" bIns="0" rtlCol="0"/>
-            <a:lstStyle/>
-            <a:p>
-              <a:endParaRPr/>
-            </a:p>
+            <a:bodyPr bIns="0" lIns="0" rIns="0" rtlCol="0" tIns="0" wrap="square"/>
+            <a:p/>
           </p:txBody>
         </p:sp>
         <p:sp>
           <p:nvSpPr>
-            <p:cNvPr id="12" name="object 12"/>
+            <p:cNvPr id="1048619" name="object 12"/>
             <p:cNvSpPr/>
             <p:nvPr/>
           </p:nvSpPr>
@@ -4061,9 +4139,7 @@
             </a:xfrm>
             <a:custGeom>
               <a:avLst/>
-              <a:gdLst/>
               <a:ahLst/>
-              <a:cxnLst/>
               <a:rect l="l" t="t" r="r" b="b"/>
               <a:pathLst>
                 <a:path w="1819275" h="3267075">
@@ -4090,17 +4166,14 @@
             </a:solidFill>
           </p:spPr>
           <p:txBody>
-            <a:bodyPr wrap="square" lIns="0" tIns="0" rIns="0" bIns="0" rtlCol="0"/>
-            <a:lstStyle/>
-            <a:p>
-              <a:endParaRPr/>
-            </a:p>
+            <a:bodyPr bIns="0" lIns="0" rIns="0" rtlCol="0" tIns="0" wrap="square"/>
+            <a:p/>
           </p:txBody>
         </p:sp>
       </p:grpSp>
       <p:sp>
         <p:nvSpPr>
-          <p:cNvPr id="13" name="object 13"/>
+          <p:cNvPr id="1048620" name="object 13"/>
           <p:cNvSpPr/>
           <p:nvPr/>
         </p:nvSpPr>
@@ -4111,9 +4184,7 @@
           </a:xfrm>
           <a:custGeom>
             <a:avLst/>
-            <a:gdLst/>
             <a:ahLst/>
-            <a:cxnLst/>
             <a:rect l="l" t="t" r="r" b="b"/>
             <a:pathLst>
               <a:path w="447675" h="2847975">
@@ -4140,16 +4211,13 @@
           </a:solidFill>
         </p:spPr>
         <p:txBody>
-          <a:bodyPr wrap="square" lIns="0" tIns="0" rIns="0" bIns="0" rtlCol="0"/>
-          <a:lstStyle/>
-          <a:p>
-            <a:endParaRPr/>
-          </a:p>
-        </p:txBody>
-      </p:sp>
-      <p:sp>
-        <p:nvSpPr>
-          <p:cNvPr id="14" name="object 14"/>
+          <a:bodyPr bIns="0" lIns="0" rIns="0" rtlCol="0" tIns="0" wrap="square"/>
+          <a:p/>
+        </p:txBody>
+      </p:sp>
+      <p:sp>
+        <p:nvSpPr>
+          <p:cNvPr id="1048621" name="object 14"/>
           <p:cNvSpPr/>
           <p:nvPr/>
         </p:nvSpPr>
@@ -4160,9 +4228,7 @@
           </a:xfrm>
           <a:custGeom>
             <a:avLst/>
-            <a:gdLst/>
             <a:ahLst/>
-            <a:cxnLst/>
             <a:rect l="l" t="t" r="r" b="b"/>
             <a:pathLst>
               <a:path w="457200" h="457200">
@@ -4190,16 +4256,13 @@
           </a:solidFill>
         </p:spPr>
         <p:txBody>
-          <a:bodyPr wrap="square" lIns="0" tIns="0" rIns="0" bIns="0" rtlCol="0"/>
-          <a:lstStyle/>
-          <a:p>
-            <a:endParaRPr/>
-          </a:p>
-        </p:txBody>
-      </p:sp>
-      <p:sp>
-        <p:nvSpPr>
-          <p:cNvPr id="15" name="object 15"/>
+          <a:bodyPr bIns="0" lIns="0" rIns="0" rtlCol="0" tIns="0" wrap="square"/>
+          <a:p/>
+        </p:txBody>
+      </p:sp>
+      <p:sp>
+        <p:nvSpPr>
+          <p:cNvPr id="1048622" name="object 15"/>
           <p:cNvSpPr/>
           <p:nvPr/>
         </p:nvSpPr>
@@ -4210,9 +4273,7 @@
           </a:xfrm>
           <a:custGeom>
             <a:avLst/>
-            <a:gdLst/>
             <a:ahLst/>
-            <a:cxnLst/>
             <a:rect l="l" t="t" r="r" b="b"/>
             <a:pathLst>
               <a:path w="314325" h="323850">
@@ -4240,16 +4301,13 @@
           </a:solidFill>
         </p:spPr>
         <p:txBody>
-          <a:bodyPr wrap="square" lIns="0" tIns="0" rIns="0" bIns="0" rtlCol="0"/>
-          <a:lstStyle/>
-          <a:p>
-            <a:endParaRPr/>
-          </a:p>
-        </p:txBody>
-      </p:sp>
-      <p:sp>
-        <p:nvSpPr>
-          <p:cNvPr id="16" name="object 16"/>
+          <a:bodyPr bIns="0" lIns="0" rIns="0" rtlCol="0" tIns="0" wrap="square"/>
+          <a:p/>
+        </p:txBody>
+      </p:sp>
+      <p:sp>
+        <p:nvSpPr>
+          <p:cNvPr id="1048623" name="object 16"/>
           <p:cNvSpPr/>
           <p:nvPr/>
         </p:nvSpPr>
@@ -4260,9 +4318,7 @@
           </a:xfrm>
           <a:custGeom>
             <a:avLst/>
-            <a:gdLst/>
             <a:ahLst/>
-            <a:cxnLst/>
             <a:rect l="l" t="t" r="r" b="b"/>
             <a:pathLst>
               <a:path w="180975" h="180975">
@@ -4290,16 +4346,13 @@
           </a:solidFill>
         </p:spPr>
         <p:txBody>
-          <a:bodyPr wrap="square" lIns="0" tIns="0" rIns="0" bIns="0" rtlCol="0"/>
-          <a:lstStyle/>
-          <a:p>
-            <a:endParaRPr/>
-          </a:p>
-        </p:txBody>
-      </p:sp>
-      <p:sp>
-        <p:nvSpPr>
-          <p:cNvPr id="17" name="object 17"/>
+          <a:bodyPr bIns="0" lIns="0" rIns="0" rtlCol="0" tIns="0" wrap="square"/>
+          <a:p/>
+        </p:txBody>
+      </p:sp>
+      <p:sp>
+        <p:nvSpPr>
+          <p:cNvPr id="1048624" name="object 17"/>
           <p:cNvSpPr txBox="1">
             <a:spLocks noGrp="1"/>
           </p:cNvSpPr>
@@ -4310,17 +4363,14 @@
         <p:spPr>
           <a:xfrm>
             <a:off x="739775" y="829627"/>
-            <a:ext cx="3909695" cy="678180"/>
-          </a:xfrm>
-          <a:prstGeom prst="rect">
-            <a:avLst/>
-          </a:prstGeom>
-        </p:spPr>
-        <p:txBody>
-          <a:bodyPr vert="horz" wrap="square" lIns="0" tIns="16510" rIns="0" bIns="0" rtlCol="0">
+            <a:ext cx="3909695" cy="638810"/>
+          </a:xfrm>
+          <a:prstGeom prst="rect"/>
+        </p:spPr>
+        <p:txBody>
+          <a:bodyPr bIns="0" lIns="0" rIns="0" rtlCol="0" tIns="16510" vert="horz" wrap="square">
             <a:spAutoFit/>
           </a:bodyPr>
-          <a:lstStyle/>
           <a:p>
             <a:pPr marL="12700">
               <a:lnSpc>
@@ -4331,15 +4381,15 @@
               </a:spcBef>
             </a:pPr>
             <a:r>
-              <a:rPr sz="4250" spc="5" dirty="0"/>
+              <a:rPr dirty="0" sz="4250" spc="5"/>
               <a:t>PROJECT</a:t>
             </a:r>
             <a:r>
-              <a:rPr sz="4250" spc="-85" dirty="0"/>
+              <a:rPr dirty="0" sz="4250" spc="-85"/>
               <a:t> </a:t>
             </a:r>
             <a:r>
-              <a:rPr sz="4250" spc="25" dirty="0"/>
+              <a:rPr dirty="0" sz="4250" spc="25"/>
               <a:t>TITLE</a:t>
             </a:r>
             <a:endParaRPr sz="4250"/>
@@ -4348,7 +4398,7 @@
       </p:sp>
       <p:grpSp>
         <p:nvGrpSpPr>
-          <p:cNvPr id="18" name="object 18"/>
+          <p:cNvPr id="27" name="object 18"/>
           <p:cNvGrpSpPr/>
           <p:nvPr/>
         </p:nvGrpSpPr>
@@ -4362,12 +4412,14 @@
         </p:grpSpPr>
         <p:pic>
           <p:nvPicPr>
-            <p:cNvPr id="19" name="object 19"/>
-            <p:cNvPicPr/>
+            <p:cNvPr id="2097153" name="object 19"/>
+            <p:cNvPicPr>
+              <a:picLocks/>
+            </p:cNvPicPr>
             <p:nvPr/>
           </p:nvPicPr>
           <p:blipFill>
-            <a:blip r:embed="rId2" cstate="print"/>
+            <a:blip xmlns:r="http://schemas.openxmlformats.org/officeDocument/2006/relationships" r:embed="rId1" cstate="print"/>
             <a:stretch>
               <a:fillRect/>
             </a:stretch>
@@ -4377,19 +4429,19 @@
               <a:off x="676275" y="6467475"/>
               <a:ext cx="2143125" cy="200025"/>
             </a:xfrm>
-            <a:prstGeom prst="rect">
-              <a:avLst/>
-            </a:prstGeom>
+            <a:prstGeom prst="rect"/>
           </p:spPr>
         </p:pic>
         <p:pic>
           <p:nvPicPr>
-            <p:cNvPr id="20" name="object 20"/>
-            <p:cNvPicPr/>
+            <p:cNvPr id="2097154" name="object 20"/>
+            <p:cNvPicPr>
+              <a:picLocks/>
+            </p:cNvPicPr>
             <p:nvPr/>
           </p:nvPicPr>
           <p:blipFill>
-            <a:blip r:embed="rId3" cstate="print"/>
+            <a:blip xmlns:r="http://schemas.openxmlformats.org/officeDocument/2006/relationships" r:embed="rId2" cstate="print"/>
             <a:stretch>
               <a:fillRect/>
             </a:stretch>
@@ -4399,15 +4451,13 @@
               <a:off x="466725" y="6410325"/>
               <a:ext cx="3705225" cy="295275"/>
             </a:xfrm>
-            <a:prstGeom prst="rect">
-              <a:avLst/>
-            </a:prstGeom>
+            <a:prstGeom prst="rect"/>
           </p:spPr>
         </p:pic>
       </p:grpSp>
       <p:sp>
         <p:nvSpPr>
-          <p:cNvPr id="22" name="object 22"/>
+          <p:cNvPr id="1048625" name="object 22"/>
           <p:cNvSpPr txBox="1">
             <a:spLocks noGrp="1"/>
           </p:cNvSpPr>
@@ -4416,15 +4466,12 @@
           </p:nvPr>
         </p:nvSpPr>
         <p:spPr>
-          <a:prstGeom prst="rect">
-            <a:avLst/>
-          </a:prstGeom>
-        </p:spPr>
-        <p:txBody>
-          <a:bodyPr vert="horz" wrap="square" lIns="0" tIns="6985" rIns="0" bIns="0" rtlCol="0">
+          <a:prstGeom prst="rect"/>
+        </p:spPr>
+        <p:txBody>
+          <a:bodyPr bIns="0" lIns="0" rIns="0" rtlCol="0" tIns="6985" vert="horz" wrap="square">
             <a:spAutoFit/>
           </a:bodyPr>
-          <a:lstStyle/>
           <a:p>
             <a:pPr marL="38100">
               <a:lnSpc>
@@ -4435,10 +4482,413 @@
               </a:spcBef>
             </a:pPr>
             <a:fld id="{81D60167-4931-47E6-BA6A-407CBD079E47}" type="slidenum">
-              <a:rPr spc="10" dirty="0"/>
+              <a:rPr dirty="0" spc="10"/>
               <a:t>2</a:t>
             </a:fld>
-            <a:endParaRPr spc="10" dirty="0"/>
+            <a:endParaRPr dirty="0" spc="10"/>
+          </a:p>
+        </p:txBody>
+      </p:sp>
+      <p:sp>
+        <p:nvSpPr>
+          <p:cNvPr id="1048700" name=""/>
+          <p:cNvSpPr txBox="1"/>
+          <p:nvPr/>
+        </p:nvSpPr>
+        <p:spPr>
+          <a:xfrm>
+            <a:off x="2682020" y="3219450"/>
+            <a:ext cx="5413980" cy="3444240"/>
+          </a:xfrm>
+          <a:prstGeom prst="rect"/>
+        </p:spPr>
+        <p:txBody>
+          <a:bodyPr rtlCol="0" wrap="square">
+            <a:spAutoFit/>
+          </a:bodyPr>
+          <a:p>
+            <a:endParaRPr sz="2800" lang="en-GB">
+              <a:solidFill>
+                <a:srgbClr val="000000"/>
+              </a:solidFill>
+            </a:endParaRPr>
+          </a:p>
+          <a:p>
+            <a:endParaRPr sz="2800" lang="en-GB">
+              <a:solidFill>
+                <a:srgbClr val="000000"/>
+              </a:solidFill>
+            </a:endParaRPr>
+          </a:p>
+          <a:p>
+            <a:pPr algn="l" indent="-457200" marL="457200">
+              <a:buFont typeface="Arial"/>
+              <a:buChar char="•"/>
+            </a:pPr>
+            <a:endParaRPr sz="2800" lang="en-GB">
+              <a:solidFill>
+                <a:srgbClr val="000000"/>
+              </a:solidFill>
+            </a:endParaRPr>
+          </a:p>
+          <a:p>
+            <a:pPr algn="l" indent="-457200" marL="457200">
+              <a:buFont typeface="Arial"/>
+              <a:buChar char="•"/>
+            </a:pPr>
+            <a:endParaRPr sz="2800" lang="en-GB">
+              <a:solidFill>
+                <a:srgbClr val="000000"/>
+              </a:solidFill>
+            </a:endParaRPr>
+          </a:p>
+          <a:p>
+            <a:pPr algn="l" indent="-457200" marL="457200">
+              <a:buFont typeface="Arial"/>
+              <a:buChar char="•"/>
+            </a:pPr>
+            <a:endParaRPr sz="2800" lang="en-GB">
+              <a:solidFill>
+                <a:srgbClr val="000000"/>
+              </a:solidFill>
+            </a:endParaRPr>
+          </a:p>
+          <a:p>
+            <a:pPr algn="l" indent="-457200" marL="457200">
+              <a:buFont typeface="Arial"/>
+              <a:buChar char="•"/>
+            </a:pPr>
+            <a:endParaRPr sz="2800" lang="en-GB">
+              <a:solidFill>
+                <a:srgbClr val="000000"/>
+              </a:solidFill>
+            </a:endParaRPr>
+          </a:p>
+          <a:p>
+            <a:pPr algn="l" indent="-457200" marL="457200">
+              <a:buFont typeface="Arial"/>
+              <a:buChar char="•"/>
+            </a:pPr>
+            <a:endParaRPr sz="2800" lang="en-GB">
+              <a:solidFill>
+                <a:srgbClr val="000000"/>
+              </a:solidFill>
+            </a:endParaRPr>
+          </a:p>
+          <a:p>
+            <a:pPr algn="l" indent="0" marL="0">
+              <a:buNone/>
+            </a:pPr>
+            <a:endParaRPr sz="2800" lang="en-GB">
+              <a:solidFill>
+                <a:srgbClr val="000000"/>
+              </a:solidFill>
+            </a:endParaRPr>
+          </a:p>
+        </p:txBody>
+      </p:sp>
+      <p:sp>
+        <p:nvSpPr>
+          <p:cNvPr id="1048701" name=""/>
+          <p:cNvSpPr txBox="1"/>
+          <p:nvPr/>
+        </p:nvSpPr>
+        <p:spPr>
+          <a:xfrm>
+            <a:off x="1431313" y="1783079"/>
+            <a:ext cx="9450754" cy="2606041"/>
+          </a:xfrm>
+          <a:prstGeom prst="rect"/>
+        </p:spPr>
+        <p:txBody>
+          <a:bodyPr rtlCol="0" wrap="square">
+            <a:spAutoFit/>
+          </a:bodyPr>
+          <a:p>
+            <a:r>
+              <a:rPr altLang="en-GB" sz="2800" lang="en-US">
+                <a:solidFill>
+                  <a:srgbClr val="000000"/>
+                </a:solidFill>
+              </a:rPr>
+              <a:t>D</a:t>
+            </a:r>
+            <a:r>
+              <a:rPr altLang="en-GB" sz="2800" lang="en-US">
+                <a:solidFill>
+                  <a:srgbClr val="000000"/>
+                </a:solidFill>
+              </a:rPr>
+              <a:t>I</a:t>
+            </a:r>
+            <a:r>
+              <a:rPr altLang="en-GB" sz="2800" lang="en-US">
+                <a:solidFill>
+                  <a:srgbClr val="000000"/>
+                </a:solidFill>
+              </a:rPr>
+              <a:t>GITAL </a:t>
+            </a:r>
+            <a:r>
+              <a:rPr altLang="en-GB" sz="2800" lang="en-US">
+                <a:solidFill>
+                  <a:srgbClr val="000000"/>
+                </a:solidFill>
+              </a:rPr>
+              <a:t>PORTFOLIO</a:t>
+            </a:r>
+            <a:r>
+              <a:rPr altLang="en-GB" sz="2800" lang="en-US">
+                <a:solidFill>
+                  <a:srgbClr val="000000"/>
+                </a:solidFill>
+              </a:rPr>
+              <a:t>:</a:t>
+            </a:r>
+            <a:r>
+              <a:rPr altLang="en-GB" sz="2800" lang="en-US">
+                <a:solidFill>
+                  <a:srgbClr val="000000"/>
+                </a:solidFill>
+              </a:rPr>
+              <a:t> </a:t>
+            </a:r>
+            <a:r>
+              <a:rPr altLang="en-GB" sz="2800" lang="en-US">
+                <a:solidFill>
+                  <a:srgbClr val="000000"/>
+                </a:solidFill>
+              </a:rPr>
+              <a:t> </a:t>
+            </a:r>
+            <a:r>
+              <a:rPr altLang="en-GB" sz="2800" lang="en-US">
+                <a:solidFill>
+                  <a:srgbClr val="000000"/>
+                </a:solidFill>
+              </a:rPr>
+              <a:t> </a:t>
+            </a:r>
+            <a:r>
+              <a:rPr altLang="en-GB" sz="2800" lang="en-US">
+                <a:solidFill>
+                  <a:srgbClr val="000000"/>
+                </a:solidFill>
+              </a:rPr>
+              <a:t> </a:t>
+            </a:r>
+            <a:r>
+              <a:rPr altLang="en-GB" sz="2800" lang="en-US">
+                <a:solidFill>
+                  <a:srgbClr val="000000"/>
+                </a:solidFill>
+              </a:rPr>
+              <a:t> </a:t>
+            </a:r>
+            <a:r>
+              <a:rPr altLang="en-GB" sz="2800" lang="en-US">
+                <a:solidFill>
+                  <a:srgbClr val="000000"/>
+                </a:solidFill>
+              </a:rPr>
+              <a:t> </a:t>
+            </a:r>
+            <a:r>
+              <a:rPr altLang="en-GB" sz="2800" lang="en-US">
+                <a:solidFill>
+                  <a:srgbClr val="000000"/>
+                </a:solidFill>
+              </a:rPr>
+              <a:t> </a:t>
+            </a:r>
+            <a:r>
+              <a:rPr altLang="en-GB" sz="2800" lang="en-US">
+                <a:solidFill>
+                  <a:srgbClr val="000000"/>
+                </a:solidFill>
+              </a:rPr>
+              <a:t> </a:t>
+            </a:r>
+            <a:r>
+              <a:rPr altLang="en-GB" sz="2800" lang="en-US">
+                <a:solidFill>
+                  <a:srgbClr val="000000"/>
+                </a:solidFill>
+              </a:rPr>
+              <a:t> </a:t>
+            </a:r>
+            <a:r>
+              <a:rPr altLang="en-GB" sz="2800" lang="en-US">
+                <a:solidFill>
+                  <a:srgbClr val="000000"/>
+                </a:solidFill>
+              </a:rPr>
+              <a:t> </a:t>
+            </a:r>
+            <a:r>
+              <a:rPr altLang="en-GB" sz="2800" lang="en-US">
+                <a:solidFill>
+                  <a:srgbClr val="000000"/>
+                </a:solidFill>
+              </a:rPr>
+              <a:t> </a:t>
+            </a:r>
+            <a:r>
+              <a:rPr altLang="en-GB" sz="2800" lang="en-US">
+                <a:solidFill>
+                  <a:srgbClr val="000000"/>
+                </a:solidFill>
+              </a:rPr>
+              <a:t> </a:t>
+            </a:r>
+            <a:r>
+              <a:rPr altLang="en-GB" sz="2800" lang="en-US">
+                <a:solidFill>
+                  <a:srgbClr val="000000"/>
+                </a:solidFill>
+              </a:rPr>
+              <a:t> </a:t>
+            </a:r>
+            <a:r>
+              <a:rPr altLang="en-GB" sz="2800" lang="en-US">
+                <a:solidFill>
+                  <a:srgbClr val="000000"/>
+                </a:solidFill>
+              </a:rPr>
+              <a:t> </a:t>
+            </a:r>
+            <a:r>
+              <a:rPr altLang="en-GB" sz="2800" lang="en-US">
+                <a:solidFill>
+                  <a:srgbClr val="000000"/>
+                </a:solidFill>
+              </a:rPr>
+              <a:t> </a:t>
+            </a:r>
+            <a:endParaRPr sz="2800" lang="en-GB">
+              <a:solidFill>
+                <a:srgbClr val="000000"/>
+              </a:solidFill>
+            </a:endParaRPr>
+          </a:p>
+          <a:p>
+            <a:pPr algn="l" indent="-514350" marL="514350">
+              <a:buFont typeface="+mj-lt"/>
+              <a:buAutoNum type="arabicPeriod" startAt="1"/>
+            </a:pPr>
+            <a:r>
+              <a:rPr altLang="en-GB" sz="2800" lang="en-US">
+                <a:solidFill>
+                  <a:srgbClr val="000000"/>
+                </a:solidFill>
+              </a:rPr>
+              <a:t>A</a:t>
+            </a:r>
+            <a:r>
+              <a:rPr altLang="en-GB" sz="2800" lang="en-US">
+                <a:solidFill>
+                  <a:srgbClr val="000000"/>
+                </a:solidFill>
+              </a:rPr>
+              <a:t> J</a:t>
+            </a:r>
+            <a:r>
+              <a:rPr altLang="en-GB" sz="2800" lang="en-US">
+                <a:solidFill>
+                  <a:srgbClr val="000000"/>
+                </a:solidFill>
+              </a:rPr>
+              <a:t>ourney of Creativity and Growth</a:t>
+            </a:r>
+            <a:endParaRPr sz="2800" lang="en-GB">
+              <a:solidFill>
+                <a:srgbClr val="000000"/>
+              </a:solidFill>
+            </a:endParaRPr>
+          </a:p>
+          <a:p>
+            <a:pPr algn="l" indent="-514350" marL="514350">
+              <a:buFont typeface="+mj-lt"/>
+              <a:buAutoNum type="arabicPeriod" startAt="1"/>
+            </a:pPr>
+            <a:r>
+              <a:rPr altLang="en-GB" sz="2800" lang="en-US">
+                <a:solidFill>
+                  <a:srgbClr val="000000"/>
+                </a:solidFill>
+              </a:rPr>
+              <a:t>Showcasing Skills, Passion, and Dedication</a:t>
+            </a:r>
+            <a:endParaRPr sz="2800" lang="en-GB">
+              <a:solidFill>
+                <a:srgbClr val="000000"/>
+              </a:solidFill>
+            </a:endParaRPr>
+          </a:p>
+          <a:p>
+            <a:pPr algn="l" indent="-514350" marL="514350">
+              <a:buFont typeface="+mj-lt"/>
+              <a:buAutoNum type="arabicPeriod" startAt="1"/>
+            </a:pPr>
+            <a:r>
+              <a:rPr altLang="en-GB" sz="2800" lang="en-US">
+                <a:solidFill>
+                  <a:srgbClr val="000000"/>
+                </a:solidFill>
+              </a:rPr>
+              <a:t>My Work, My Identity, My Portfolio</a:t>
+            </a:r>
+            <a:endParaRPr sz="2800" lang="en-GB">
+              <a:solidFill>
+                <a:srgbClr val="000000"/>
+              </a:solidFill>
+            </a:endParaRPr>
+          </a:p>
+          <a:p>
+            <a:pPr algn="l" indent="-514350" marL="514350">
+              <a:buFont typeface="+mj-lt"/>
+              <a:buAutoNum type="arabicPeriod" startAt="1"/>
+            </a:pPr>
+            <a:r>
+              <a:rPr altLang="en-GB" sz="2800" lang="en-US">
+                <a:solidFill>
+                  <a:srgbClr val="000000"/>
+                </a:solidFill>
+              </a:rPr>
+              <a:t>From Ideas to Impact: A Digital Showcase</a:t>
+            </a:r>
+            <a:endParaRPr sz="2800" lang="en-GB">
+              <a:solidFill>
+                <a:srgbClr val="000000"/>
+              </a:solidFill>
+            </a:endParaRPr>
+          </a:p>
+          <a:p>
+            <a:pPr algn="l" indent="-514350" marL="514350">
+              <a:buFont typeface="+mj-lt"/>
+              <a:buAutoNum type="arabicPeriod" startAt="1"/>
+            </a:pPr>
+            <a:r>
+              <a:rPr altLang="en-GB" sz="2800" lang="en-US">
+                <a:solidFill>
+                  <a:srgbClr val="000000"/>
+                </a:solidFill>
+              </a:rPr>
+              <a:t>Exploring Innovation Through My Work</a:t>
+            </a:r>
+            <a:r>
+              <a:rPr altLang="en-GB" sz="2800" lang="en-US">
+                <a:solidFill>
+                  <a:srgbClr val="000000"/>
+                </a:solidFill>
+              </a:rPr>
+              <a:t> </a:t>
+            </a:r>
+            <a:endParaRPr sz="2800" lang="en-GB">
+              <a:solidFill>
+                <a:srgbClr val="000000"/>
+              </a:solidFill>
+            </a:endParaRPr>
           </a:p>
         </p:txBody>
       </p:sp>
@@ -4455,7 +4905,7 @@
   <p:cSld>
     <p:spTree>
       <p:nvGrpSpPr>
-        <p:cNvPr id="1" name=""/>
+        <p:cNvPr id="28" name=""/>
         <p:cNvGrpSpPr/>
         <p:nvPr/>
       </p:nvGrpSpPr>
@@ -4469,7 +4919,7 @@
       </p:grpSpPr>
       <p:sp>
         <p:nvSpPr>
-          <p:cNvPr id="2" name="object 2"/>
+          <p:cNvPr id="1048626" name="object 2"/>
           <p:cNvSpPr/>
           <p:nvPr/>
         </p:nvSpPr>
@@ -4480,9 +4930,7 @@
           </a:xfrm>
           <a:custGeom>
             <a:avLst/>
-            <a:gdLst/>
             <a:ahLst/>
-            <a:cxnLst/>
             <a:rect l="l" t="t" r="r" b="b"/>
             <a:pathLst>
               <a:path w="12192000" h="6858000">
@@ -4510,8 +4958,7 @@
           </a:solidFill>
         </p:spPr>
         <p:txBody>
-          <a:bodyPr wrap="square" lIns="0" tIns="0" rIns="0" bIns="0" rtlCol="0"/>
-          <a:lstStyle/>
+          <a:bodyPr bIns="0" lIns="0" rIns="0" rtlCol="0" tIns="0" wrap="square"/>
           <a:p>
             <a:endParaRPr dirty="0"/>
           </a:p>
@@ -4519,7 +4966,7 @@
       </p:sp>
       <p:grpSp>
         <p:nvGrpSpPr>
-          <p:cNvPr id="3" name="object 3"/>
+          <p:cNvPr id="29" name="object 3"/>
           <p:cNvGrpSpPr/>
           <p:nvPr/>
         </p:nvGrpSpPr>
@@ -4533,7 +4980,7 @@
         </p:grpSpPr>
         <p:sp>
           <p:nvSpPr>
-            <p:cNvPr id="4" name="object 4"/>
+            <p:cNvPr id="1048627" name="object 4"/>
             <p:cNvSpPr/>
             <p:nvPr/>
           </p:nvSpPr>
@@ -4544,9 +4991,7 @@
             </a:xfrm>
             <a:custGeom>
               <a:avLst/>
-              <a:gdLst/>
               <a:ahLst/>
-              <a:cxnLst/>
               <a:rect l="l" t="t" r="r" b="b"/>
               <a:pathLst>
                 <a:path w="1218565" h="6853555">
@@ -4566,16 +5011,13 @@
             </a:ln>
           </p:spPr>
           <p:txBody>
-            <a:bodyPr wrap="square" lIns="0" tIns="0" rIns="0" bIns="0" rtlCol="0"/>
-            <a:lstStyle/>
-            <a:p>
-              <a:endParaRPr/>
-            </a:p>
+            <a:bodyPr bIns="0" lIns="0" rIns="0" rtlCol="0" tIns="0" wrap="square"/>
+            <a:p/>
           </p:txBody>
         </p:sp>
         <p:sp>
           <p:nvSpPr>
-            <p:cNvPr id="5" name="object 5"/>
+            <p:cNvPr id="1048628" name="object 5"/>
             <p:cNvSpPr/>
             <p:nvPr/>
           </p:nvSpPr>
@@ -4586,9 +5028,7 @@
             </a:xfrm>
             <a:custGeom>
               <a:avLst/>
-              <a:gdLst/>
               <a:ahLst/>
-              <a:cxnLst/>
               <a:rect l="l" t="t" r="r" b="b"/>
               <a:pathLst>
                 <a:path w="4743450" h="3163570">
@@ -4608,16 +5048,13 @@
             </a:ln>
           </p:spPr>
           <p:txBody>
-            <a:bodyPr wrap="square" lIns="0" tIns="0" rIns="0" bIns="0" rtlCol="0"/>
-            <a:lstStyle/>
-            <a:p>
-              <a:endParaRPr/>
-            </a:p>
+            <a:bodyPr bIns="0" lIns="0" rIns="0" rtlCol="0" tIns="0" wrap="square"/>
+            <a:p/>
           </p:txBody>
         </p:sp>
         <p:sp>
           <p:nvSpPr>
-            <p:cNvPr id="6" name="object 6"/>
+            <p:cNvPr id="1048629" name="object 6"/>
             <p:cNvSpPr/>
             <p:nvPr/>
           </p:nvSpPr>
@@ -4628,9 +5065,7 @@
             </a:xfrm>
             <a:custGeom>
               <a:avLst/>
-              <a:gdLst/>
               <a:ahLst/>
-              <a:cxnLst/>
               <a:rect l="l" t="t" r="r" b="b"/>
               <a:pathLst>
                 <a:path w="3009900" h="6858000">
@@ -4660,16 +5095,13 @@
             </a:solidFill>
           </p:spPr>
           <p:txBody>
-            <a:bodyPr wrap="square" lIns="0" tIns="0" rIns="0" bIns="0" rtlCol="0"/>
-            <a:lstStyle/>
-            <a:p>
-              <a:endParaRPr/>
-            </a:p>
+            <a:bodyPr bIns="0" lIns="0" rIns="0" rtlCol="0" tIns="0" wrap="square"/>
+            <a:p/>
           </p:txBody>
         </p:sp>
         <p:sp>
           <p:nvSpPr>
-            <p:cNvPr id="7" name="object 7"/>
+            <p:cNvPr id="1048630" name="object 7"/>
             <p:cNvSpPr/>
             <p:nvPr/>
           </p:nvSpPr>
@@ -4680,9 +5112,7 @@
             </a:xfrm>
             <a:custGeom>
               <a:avLst/>
-              <a:gdLst/>
               <a:ahLst/>
-              <a:cxnLst/>
               <a:rect l="l" t="t" r="r" b="b"/>
               <a:pathLst>
                 <a:path w="2589529" h="6858000">
@@ -4712,16 +5142,13 @@
             </a:solidFill>
           </p:spPr>
           <p:txBody>
-            <a:bodyPr wrap="square" lIns="0" tIns="0" rIns="0" bIns="0" rtlCol="0"/>
-            <a:lstStyle/>
-            <a:p>
-              <a:endParaRPr/>
-            </a:p>
+            <a:bodyPr bIns="0" lIns="0" rIns="0" rtlCol="0" tIns="0" wrap="square"/>
+            <a:p/>
           </p:txBody>
         </p:sp>
         <p:sp>
           <p:nvSpPr>
-            <p:cNvPr id="8" name="object 8"/>
+            <p:cNvPr id="1048631" name="object 8"/>
             <p:cNvSpPr/>
             <p:nvPr/>
           </p:nvSpPr>
@@ -4732,9 +5159,7 @@
             </a:xfrm>
             <a:custGeom>
               <a:avLst/>
-              <a:gdLst/>
               <a:ahLst/>
-              <a:cxnLst/>
               <a:rect l="l" t="t" r="r" b="b"/>
               <a:pathLst>
                 <a:path w="3257550" h="3810000">
@@ -4761,16 +5186,13 @@
             </a:solidFill>
           </p:spPr>
           <p:txBody>
-            <a:bodyPr wrap="square" lIns="0" tIns="0" rIns="0" bIns="0" rtlCol="0"/>
-            <a:lstStyle/>
-            <a:p>
-              <a:endParaRPr/>
-            </a:p>
+            <a:bodyPr bIns="0" lIns="0" rIns="0" rtlCol="0" tIns="0" wrap="square"/>
+            <a:p/>
           </p:txBody>
         </p:sp>
         <p:sp>
           <p:nvSpPr>
-            <p:cNvPr id="9" name="object 9"/>
+            <p:cNvPr id="1048632" name="object 9"/>
             <p:cNvSpPr/>
             <p:nvPr/>
           </p:nvSpPr>
@@ -4781,9 +5203,7 @@
             </a:xfrm>
             <a:custGeom>
               <a:avLst/>
-              <a:gdLst/>
               <a:ahLst/>
-              <a:cxnLst/>
               <a:rect l="l" t="t" r="r" b="b"/>
               <a:pathLst>
                 <a:path w="2854325" h="6858000">
@@ -4813,16 +5233,13 @@
             </a:solidFill>
           </p:spPr>
           <p:txBody>
-            <a:bodyPr wrap="square" lIns="0" tIns="0" rIns="0" bIns="0" rtlCol="0"/>
-            <a:lstStyle/>
-            <a:p>
-              <a:endParaRPr/>
-            </a:p>
+            <a:bodyPr bIns="0" lIns="0" rIns="0" rtlCol="0" tIns="0" wrap="square"/>
+            <a:p/>
           </p:txBody>
         </p:sp>
         <p:sp>
           <p:nvSpPr>
-            <p:cNvPr id="10" name="object 10"/>
+            <p:cNvPr id="1048633" name="object 10"/>
             <p:cNvSpPr/>
             <p:nvPr/>
           </p:nvSpPr>
@@ -4833,9 +5250,7 @@
             </a:xfrm>
             <a:custGeom>
               <a:avLst/>
-              <a:gdLst/>
               <a:ahLst/>
-              <a:cxnLst/>
               <a:rect l="l" t="t" r="r" b="b"/>
               <a:pathLst>
                 <a:path w="1295400" h="6858000">
@@ -4865,16 +5280,13 @@
             </a:solidFill>
           </p:spPr>
           <p:txBody>
-            <a:bodyPr wrap="square" lIns="0" tIns="0" rIns="0" bIns="0" rtlCol="0"/>
-            <a:lstStyle/>
-            <a:p>
-              <a:endParaRPr/>
-            </a:p>
+            <a:bodyPr bIns="0" lIns="0" rIns="0" rtlCol="0" tIns="0" wrap="square"/>
+            <a:p/>
           </p:txBody>
         </p:sp>
         <p:sp>
           <p:nvSpPr>
-            <p:cNvPr id="11" name="object 11"/>
+            <p:cNvPr id="1048634" name="object 11"/>
             <p:cNvSpPr/>
             <p:nvPr/>
           </p:nvSpPr>
@@ -4885,9 +5297,7 @@
             </a:xfrm>
             <a:custGeom>
               <a:avLst/>
-              <a:gdLst/>
               <a:ahLst/>
-              <a:cxnLst/>
               <a:rect l="l" t="t" r="r" b="b"/>
               <a:pathLst>
                 <a:path w="1256029" h="6858000">
@@ -4917,16 +5327,13 @@
             </a:solidFill>
           </p:spPr>
           <p:txBody>
-            <a:bodyPr wrap="square" lIns="0" tIns="0" rIns="0" bIns="0" rtlCol="0"/>
-            <a:lstStyle/>
-            <a:p>
-              <a:endParaRPr/>
-            </a:p>
+            <a:bodyPr bIns="0" lIns="0" rIns="0" rtlCol="0" tIns="0" wrap="square"/>
+            <a:p/>
           </p:txBody>
         </p:sp>
         <p:sp>
           <p:nvSpPr>
-            <p:cNvPr id="12" name="object 12"/>
+            <p:cNvPr id="1048635" name="object 12"/>
             <p:cNvSpPr/>
             <p:nvPr/>
           </p:nvSpPr>
@@ -4937,9 +5344,7 @@
             </a:xfrm>
             <a:custGeom>
               <a:avLst/>
-              <a:gdLst/>
               <a:ahLst/>
-              <a:cxnLst/>
               <a:rect l="l" t="t" r="r" b="b"/>
               <a:pathLst>
                 <a:path w="1819275" h="3267075">
@@ -4966,17 +5371,14 @@
             </a:solidFill>
           </p:spPr>
           <p:txBody>
-            <a:bodyPr wrap="square" lIns="0" tIns="0" rIns="0" bIns="0" rtlCol="0"/>
-            <a:lstStyle/>
-            <a:p>
-              <a:endParaRPr/>
-            </a:p>
+            <a:bodyPr bIns="0" lIns="0" rIns="0" rtlCol="0" tIns="0" wrap="square"/>
+            <a:p/>
           </p:txBody>
         </p:sp>
       </p:grpSp>
       <p:sp>
         <p:nvSpPr>
-          <p:cNvPr id="13" name="object 13"/>
+          <p:cNvPr id="1048636" name="object 13"/>
           <p:cNvSpPr/>
           <p:nvPr/>
         </p:nvSpPr>
@@ -4987,9 +5389,7 @@
           </a:xfrm>
           <a:custGeom>
             <a:avLst/>
-            <a:gdLst/>
             <a:ahLst/>
-            <a:cxnLst/>
             <a:rect l="l" t="t" r="r" b="b"/>
             <a:pathLst>
               <a:path w="447675" h="2847975">
@@ -5016,16 +5416,13 @@
           </a:solidFill>
         </p:spPr>
         <p:txBody>
-          <a:bodyPr wrap="square" lIns="0" tIns="0" rIns="0" bIns="0" rtlCol="0"/>
-          <a:lstStyle/>
-          <a:p>
-            <a:endParaRPr/>
-          </a:p>
-        </p:txBody>
-      </p:sp>
-      <p:sp>
-        <p:nvSpPr>
-          <p:cNvPr id="14" name="object 14"/>
+          <a:bodyPr bIns="0" lIns="0" rIns="0" rtlCol="0" tIns="0" wrap="square"/>
+          <a:p/>
+        </p:txBody>
+      </p:sp>
+      <p:sp>
+        <p:nvSpPr>
+          <p:cNvPr id="1048637" name="object 14"/>
           <p:cNvSpPr txBox="1"/>
           <p:nvPr/>
         </p:nvSpPr>
@@ -5034,15 +5431,12 @@
             <a:off x="752475" y="6486037"/>
             <a:ext cx="1773555" cy="166370"/>
           </a:xfrm>
-          <a:prstGeom prst="rect">
-            <a:avLst/>
-          </a:prstGeom>
-        </p:spPr>
-        <p:txBody>
-          <a:bodyPr vert="horz" wrap="square" lIns="0" tIns="0" rIns="0" bIns="0" rtlCol="0">
+          <a:prstGeom prst="rect"/>
+        </p:spPr>
+        <p:txBody>
+          <a:bodyPr bIns="0" lIns="0" rIns="0" rtlCol="0" tIns="0" vert="horz" wrap="square">
             <a:spAutoFit/>
           </a:bodyPr>
-          <a:lstStyle/>
           <a:p>
             <a:pPr>
               <a:lnSpc>
@@ -5050,7 +5444,7 @@
               </a:lnSpc>
             </a:pPr>
             <a:r>
-              <a:rPr sz="1100" spc="20" dirty="0">
+              <a:rPr dirty="0" sz="1100" spc="20">
                 <a:solidFill>
                   <a:srgbClr val="2D83C3"/>
                 </a:solidFill>
@@ -5060,7 +5454,7 @@
               <a:t>3/21/202</a:t>
             </a:r>
             <a:r>
-              <a:rPr sz="1100" spc="10" dirty="0">
+              <a:rPr dirty="0" sz="1100" spc="10">
                 <a:solidFill>
                   <a:srgbClr val="2D83C3"/>
                 </a:solidFill>
@@ -5070,7 +5464,7 @@
               <a:t>4</a:t>
             </a:r>
             <a:r>
-              <a:rPr sz="1100" dirty="0">
+              <a:rPr dirty="0" sz="1100">
                 <a:solidFill>
                   <a:srgbClr val="2D83C3"/>
                 </a:solidFill>
@@ -5080,7 +5474,7 @@
               <a:t> </a:t>
             </a:r>
             <a:r>
-              <a:rPr sz="1100" spc="130" dirty="0">
+              <a:rPr dirty="0" sz="1100" spc="130">
                 <a:solidFill>
                   <a:srgbClr val="2D83C3"/>
                 </a:solidFill>
@@ -5090,7 +5484,7 @@
               <a:t> </a:t>
             </a:r>
             <a:r>
-              <a:rPr sz="1100" b="1" spc="50" dirty="0">
+              <a:rPr b="1" dirty="0" sz="1100" spc="50">
                 <a:solidFill>
                   <a:srgbClr val="2D83C3"/>
                 </a:solidFill>
@@ -5100,7 +5494,7 @@
               <a:t>A</a:t>
             </a:r>
             <a:r>
-              <a:rPr sz="1100" b="1" spc="15" dirty="0">
+              <a:rPr b="1" dirty="0" sz="1100" spc="15">
                 <a:solidFill>
                   <a:srgbClr val="2D83C3"/>
                 </a:solidFill>
@@ -5110,7 +5504,7 @@
               <a:t>nnu</a:t>
             </a:r>
             <a:r>
-              <a:rPr sz="1100" b="1" spc="10" dirty="0">
+              <a:rPr b="1" dirty="0" sz="1100" spc="10">
                 <a:solidFill>
                   <a:srgbClr val="2D83C3"/>
                 </a:solidFill>
@@ -5120,7 +5514,7 @@
               <a:t>al</a:t>
             </a:r>
             <a:r>
-              <a:rPr sz="1100" b="1" spc="-140" dirty="0">
+              <a:rPr b="1" dirty="0" sz="1100" spc="-140">
                 <a:solidFill>
                   <a:srgbClr val="2D83C3"/>
                 </a:solidFill>
@@ -5130,7 +5524,7 @@
               <a:t> </a:t>
             </a:r>
             <a:r>
-              <a:rPr sz="1100" b="1" dirty="0">
+              <a:rPr b="1" dirty="0" sz="1100">
                 <a:solidFill>
                   <a:srgbClr val="2D83C3"/>
                 </a:solidFill>
@@ -5140,7 +5534,7 @@
               <a:t>R</a:t>
             </a:r>
             <a:r>
-              <a:rPr sz="1100" b="1" spc="35" dirty="0">
+              <a:rPr b="1" dirty="0" sz="1100" spc="35">
                 <a:solidFill>
                   <a:srgbClr val="2D83C3"/>
                 </a:solidFill>
@@ -5150,7 +5544,7 @@
               <a:t>e</a:t>
             </a:r>
             <a:r>
-              <a:rPr sz="1100" b="1" spc="90" dirty="0">
+              <a:rPr b="1" dirty="0" sz="1100" spc="90">
                 <a:solidFill>
                   <a:srgbClr val="2D83C3"/>
                 </a:solidFill>
@@ -5160,7 +5554,7 @@
               <a:t>v</a:t>
             </a:r>
             <a:r>
-              <a:rPr sz="1100" b="1" spc="-35" dirty="0">
+              <a:rPr b="1" dirty="0" sz="1100" spc="-35">
                 <a:solidFill>
                   <a:srgbClr val="2D83C3"/>
                 </a:solidFill>
@@ -5170,7 +5564,7 @@
               <a:t>i</a:t>
             </a:r>
             <a:r>
-              <a:rPr sz="1100" b="1" spc="35" dirty="0">
+              <a:rPr b="1" dirty="0" sz="1100" spc="35">
                 <a:solidFill>
                   <a:srgbClr val="2D83C3"/>
                 </a:solidFill>
@@ -5180,7 +5574,7 @@
               <a:t>e</a:t>
             </a:r>
             <a:r>
-              <a:rPr sz="1100" b="1" spc="15" dirty="0">
+              <a:rPr b="1" dirty="0" sz="1100" spc="15">
                 <a:solidFill>
                   <a:srgbClr val="2D83C3"/>
                 </a:solidFill>
@@ -5198,7 +5592,7 @@
       </p:sp>
       <p:sp>
         <p:nvSpPr>
-          <p:cNvPr id="15" name="object 15"/>
+          <p:cNvPr id="1048638" name="object 15"/>
           <p:cNvSpPr/>
           <p:nvPr/>
         </p:nvSpPr>
@@ -5209,9 +5603,7 @@
           </a:xfrm>
           <a:custGeom>
             <a:avLst/>
-            <a:gdLst/>
             <a:ahLst/>
-            <a:cxnLst/>
             <a:rect l="l" t="t" r="r" b="b"/>
             <a:pathLst>
               <a:path w="361950" h="361950">
@@ -5299,16 +5691,13 @@
           </a:solidFill>
         </p:spPr>
         <p:txBody>
-          <a:bodyPr wrap="square" lIns="0" tIns="0" rIns="0" bIns="0" rtlCol="0"/>
-          <a:lstStyle/>
-          <a:p>
-            <a:endParaRPr/>
-          </a:p>
-        </p:txBody>
-      </p:sp>
-      <p:sp>
-        <p:nvSpPr>
-          <p:cNvPr id="16" name="object 16"/>
+          <a:bodyPr bIns="0" lIns="0" rIns="0" rtlCol="0" tIns="0" wrap="square"/>
+          <a:p/>
+        </p:txBody>
+      </p:sp>
+      <p:sp>
+        <p:nvSpPr>
+          <p:cNvPr id="1048639" name="object 16"/>
           <p:cNvSpPr/>
           <p:nvPr/>
         </p:nvSpPr>
@@ -5319,9 +5708,7 @@
           </a:xfrm>
           <a:custGeom>
             <a:avLst/>
-            <a:gdLst/>
             <a:ahLst/>
-            <a:cxnLst/>
             <a:rect l="l" t="t" r="r" b="b"/>
             <a:pathLst>
               <a:path w="647700" h="647700">
@@ -5469,21 +5856,20 @@
           </a:solidFill>
         </p:spPr>
         <p:txBody>
-          <a:bodyPr wrap="square" lIns="0" tIns="0" rIns="0" bIns="0" rtlCol="0"/>
-          <a:lstStyle/>
-          <a:p>
-            <a:endParaRPr/>
-          </a:p>
+          <a:bodyPr bIns="0" lIns="0" rIns="0" rtlCol="0" tIns="0" wrap="square"/>
+          <a:p/>
         </p:txBody>
       </p:sp>
       <p:pic>
         <p:nvPicPr>
-          <p:cNvPr id="17" name="object 17"/>
-          <p:cNvPicPr/>
+          <p:cNvPr id="2097155" name="object 17"/>
+          <p:cNvPicPr>
+            <a:picLocks/>
+          </p:cNvPicPr>
           <p:nvPr/>
         </p:nvPicPr>
         <p:blipFill>
-          <a:blip r:embed="rId2" cstate="print"/>
+          <a:blip xmlns:r="http://schemas.openxmlformats.org/officeDocument/2006/relationships" r:embed="rId1" cstate="print"/>
           <a:stretch>
             <a:fillRect/>
           </a:stretch>
@@ -5493,14 +5879,12 @@
             <a:off x="10687050" y="6134100"/>
             <a:ext cx="247650" cy="247650"/>
           </a:xfrm>
-          <a:prstGeom prst="rect">
-            <a:avLst/>
-          </a:prstGeom>
+          <a:prstGeom prst="rect"/>
         </p:spPr>
       </p:pic>
       <p:grpSp>
         <p:nvGrpSpPr>
-          <p:cNvPr id="18" name="object 18"/>
+          <p:cNvPr id="30" name="object 18"/>
           <p:cNvGrpSpPr/>
           <p:nvPr/>
         </p:nvGrpSpPr>
@@ -5514,12 +5898,14 @@
         </p:grpSpPr>
         <p:pic>
           <p:nvPicPr>
-            <p:cNvPr id="19" name="object 19"/>
-            <p:cNvPicPr/>
+            <p:cNvPr id="2097156" name="object 19"/>
+            <p:cNvPicPr>
+              <a:picLocks/>
+            </p:cNvPicPr>
             <p:nvPr/>
           </p:nvPicPr>
           <p:blipFill>
-            <a:blip r:embed="rId3" cstate="print"/>
+            <a:blip xmlns:r="http://schemas.openxmlformats.org/officeDocument/2006/relationships" r:embed="rId2" cstate="print"/>
             <a:stretch>
               <a:fillRect/>
             </a:stretch>
@@ -5529,19 +5915,19 @@
               <a:off x="466725" y="6410325"/>
               <a:ext cx="3705225" cy="295275"/>
             </a:xfrm>
-            <a:prstGeom prst="rect">
-              <a:avLst/>
-            </a:prstGeom>
+            <a:prstGeom prst="rect"/>
           </p:spPr>
         </p:pic>
         <p:pic>
           <p:nvPicPr>
-            <p:cNvPr id="20" name="object 20"/>
-            <p:cNvPicPr/>
+            <p:cNvPr id="2097157" name="object 20"/>
+            <p:cNvPicPr>
+              <a:picLocks/>
+            </p:cNvPicPr>
             <p:nvPr/>
           </p:nvPicPr>
           <p:blipFill>
-            <a:blip r:embed="rId4" cstate="print"/>
+            <a:blip xmlns:r="http://schemas.openxmlformats.org/officeDocument/2006/relationships" r:embed="rId3" cstate="print"/>
             <a:stretch>
               <a:fillRect/>
             </a:stretch>
@@ -5551,15 +5937,13 @@
               <a:off x="47625" y="3819523"/>
               <a:ext cx="1733550" cy="3009898"/>
             </a:xfrm>
-            <a:prstGeom prst="rect">
-              <a:avLst/>
-            </a:prstGeom>
+            <a:prstGeom prst="rect"/>
           </p:spPr>
         </p:pic>
       </p:grpSp>
       <p:sp>
         <p:nvSpPr>
-          <p:cNvPr id="21" name="object 21"/>
+          <p:cNvPr id="1048640" name="object 21"/>
           <p:cNvSpPr txBox="1">
             <a:spLocks noGrp="1"/>
           </p:cNvSpPr>
@@ -5570,17 +5954,14 @@
         <p:spPr>
           <a:xfrm>
             <a:off x="739775" y="445388"/>
-            <a:ext cx="2357120" cy="758190"/>
-          </a:xfrm>
-          <a:prstGeom prst="rect">
-            <a:avLst/>
-          </a:prstGeom>
-        </p:spPr>
-        <p:txBody>
-          <a:bodyPr vert="horz" wrap="square" lIns="0" tIns="13335" rIns="0" bIns="0" rtlCol="0">
+            <a:ext cx="3237551" cy="737236"/>
+          </a:xfrm>
+          <a:prstGeom prst="rect"/>
+        </p:spPr>
+        <p:txBody>
+          <a:bodyPr bIns="0" lIns="0" rIns="0" rtlCol="0" tIns="13335" vert="horz" wrap="square">
             <a:spAutoFit/>
           </a:bodyPr>
-          <a:lstStyle/>
           <a:p>
             <a:pPr marL="12700">
               <a:lnSpc>
@@ -5591,19 +5972,19 @@
               </a:spcBef>
             </a:pPr>
             <a:r>
-              <a:rPr spc="25" dirty="0"/>
+              <a:rPr dirty="0" spc="25"/>
               <a:t>A</a:t>
             </a:r>
             <a:r>
-              <a:rPr spc="-5" dirty="0"/>
+              <a:rPr dirty="0" spc="-5"/>
               <a:t>G</a:t>
             </a:r>
             <a:r>
-              <a:rPr spc="-35" dirty="0"/>
+              <a:rPr dirty="0" spc="-35"/>
               <a:t>E</a:t>
             </a:r>
             <a:r>
-              <a:rPr spc="15" dirty="0"/>
+              <a:rPr dirty="0" spc="15"/>
               <a:t>N</a:t>
             </a:r>
             <a:r>
@@ -5615,7 +5996,7 @@
       </p:sp>
       <p:sp>
         <p:nvSpPr>
-          <p:cNvPr id="22" name="object 22"/>
+          <p:cNvPr id="1048641" name="object 22"/>
           <p:cNvSpPr txBox="1">
             <a:spLocks noGrp="1"/>
           </p:cNvSpPr>
@@ -5624,15 +6005,12 @@
           </p:nvPr>
         </p:nvSpPr>
         <p:spPr>
-          <a:prstGeom prst="rect">
-            <a:avLst/>
-          </a:prstGeom>
-        </p:spPr>
-        <p:txBody>
-          <a:bodyPr vert="horz" wrap="square" lIns="0" tIns="6985" rIns="0" bIns="0" rtlCol="0">
+          <a:prstGeom prst="rect"/>
+        </p:spPr>
+        <p:txBody>
+          <a:bodyPr bIns="0" lIns="0" rIns="0" rtlCol="0" tIns="6985" vert="horz" wrap="square">
             <a:spAutoFit/>
           </a:bodyPr>
-          <a:lstStyle/>
           <a:p>
             <a:pPr marL="38100">
               <a:lnSpc>
@@ -5643,43 +6021,34 @@
               </a:spcBef>
             </a:pPr>
             <a:fld id="{81D60167-4931-47E6-BA6A-407CBD079E47}" type="slidenum">
-              <a:rPr spc="10" dirty="0"/>
+              <a:rPr dirty="0" spc="10"/>
               <a:t>3</a:t>
             </a:fld>
-            <a:endParaRPr spc="10" dirty="0"/>
-          </a:p>
-        </p:txBody>
-      </p:sp>
-      <p:sp>
-        <p:nvSpPr>
-          <p:cNvPr id="23" name="TextBox 22">
-            <a:extLst>
-              <a:ext uri="{FF2B5EF4-FFF2-40B4-BE49-F238E27FC236}">
-                <a16:creationId xmlns:a16="http://schemas.microsoft.com/office/drawing/2014/main" id="{D0827FA3-A9D4-0FE5-45BE-664C8C920E82}"/>
-              </a:ext>
-            </a:extLst>
-          </p:cNvPr>
+            <a:endParaRPr dirty="0" spc="10"/>
+          </a:p>
+        </p:txBody>
+      </p:sp>
+      <p:sp>
+        <p:nvSpPr>
+          <p:cNvPr id="1048642" name="TextBox 22"/>
           <p:cNvSpPr txBox="1"/>
           <p:nvPr/>
         </p:nvSpPr>
         <p:spPr>
           <a:xfrm>
             <a:off x="2509807" y="1041533"/>
-            <a:ext cx="5029200" cy="4832092"/>
-          </a:xfrm>
-          <a:prstGeom prst="rect">
-            <a:avLst/>
-          </a:prstGeom>
+            <a:ext cx="5029200" cy="4701541"/>
+          </a:xfrm>
+          <a:prstGeom prst="rect"/>
           <a:noFill/>
         </p:spPr>
         <p:txBody>
-          <a:bodyPr wrap="square" rtlCol="0">
+          <a:bodyPr rtlCol="0" wrap="square">
             <a:spAutoFit/>
           </a:bodyPr>
-          <a:lstStyle/>
           <a:p>
             <a:pPr algn="l"/>
-            <a:endParaRPr lang="en-US" sz="2800" b="0" i="0" dirty="0">
+            <a:endParaRPr b="0" dirty="0" sz="2800" i="0" lang="en-US">
               <a:solidFill>
                 <a:srgbClr val="0D0D0D"/>
               </a:solidFill>
@@ -5694,7 +6063,7 @@
               <a:buAutoNum type="arabicPeriod"/>
             </a:pPr>
             <a:r>
-              <a:rPr lang="en-US" sz="2800" b="0" i="0" dirty="0">
+              <a:rPr b="0" dirty="0" sz="2800" i="0" lang="en-US">
                 <a:solidFill>
                   <a:srgbClr val="0D0D0D"/>
                 </a:solidFill>
@@ -5711,7 +6080,7 @@
               <a:buAutoNum type="arabicPeriod"/>
             </a:pPr>
             <a:r>
-              <a:rPr lang="en-US" sz="2800" b="0" i="0" dirty="0">
+              <a:rPr b="0" dirty="0" sz="2800" i="0" lang="en-US">
                 <a:solidFill>
                   <a:srgbClr val="0D0D0D"/>
                 </a:solidFill>
@@ -5728,7 +6097,7 @@
               <a:buAutoNum type="arabicPeriod"/>
             </a:pPr>
             <a:r>
-              <a:rPr lang="en-US" sz="2800" b="0" i="0" dirty="0">
+              <a:rPr b="0" dirty="0" sz="2800" i="0" lang="en-US">
                 <a:solidFill>
                   <a:srgbClr val="0D0D0D"/>
                 </a:solidFill>
@@ -5745,7 +6114,7 @@
               <a:buAutoNum type="arabicPeriod"/>
             </a:pPr>
             <a:r>
-              <a:rPr lang="en-US" sz="2800" dirty="0">
+              <a:rPr dirty="0" sz="2800" lang="en-US">
                 <a:solidFill>
                   <a:srgbClr val="0D0D0D"/>
                 </a:solidFill>
@@ -5754,7 +6123,7 @@
               </a:rPr>
               <a:t>Tools and Technologies</a:t>
             </a:r>
-            <a:endParaRPr lang="en-US" sz="2800" b="0" i="0" dirty="0">
+            <a:endParaRPr b="0" dirty="0" sz="2800" i="0" lang="en-US">
               <a:solidFill>
                 <a:srgbClr val="0D0D0D"/>
               </a:solidFill>
@@ -5769,7 +6138,7 @@
               <a:buAutoNum type="arabicPeriod"/>
             </a:pPr>
             <a:r>
-              <a:rPr lang="en-US" sz="2800" b="0" i="0" dirty="0">
+              <a:rPr b="0" dirty="0" sz="2800" i="0" lang="en-US">
                 <a:solidFill>
                   <a:srgbClr val="0D0D0D"/>
                 </a:solidFill>
@@ -5786,7 +6155,7 @@
               <a:buAutoNum type="arabicPeriod"/>
             </a:pPr>
             <a:r>
-              <a:rPr lang="en-US" sz="2800" dirty="0">
+              <a:rPr dirty="0" sz="2800" lang="en-US">
                 <a:solidFill>
                   <a:srgbClr val="0D0D0D"/>
                 </a:solidFill>
@@ -5795,7 +6164,7 @@
               </a:rPr>
               <a:t>Features and Functionality</a:t>
             </a:r>
-            <a:endParaRPr lang="en-US" sz="2800" b="0" i="0" dirty="0">
+            <a:endParaRPr b="0" dirty="0" sz="2800" i="0" lang="en-US">
               <a:solidFill>
                 <a:srgbClr val="0D0D0D"/>
               </a:solidFill>
@@ -5810,7 +6179,7 @@
               <a:buAutoNum type="arabicPeriod"/>
             </a:pPr>
             <a:r>
-              <a:rPr lang="en-US" sz="2800" b="0" i="0" dirty="0">
+              <a:rPr b="0" dirty="0" sz="2800" i="0" lang="en-US">
                 <a:solidFill>
                   <a:srgbClr val="0D0D0D"/>
                 </a:solidFill>
@@ -5821,7 +6190,7 @@
               <a:t>Results and </a:t>
             </a:r>
             <a:r>
-              <a:rPr lang="en-US" sz="2800" dirty="0">
+              <a:rPr dirty="0" sz="2800" lang="en-US">
                 <a:solidFill>
                   <a:srgbClr val="0D0D0D"/>
                 </a:solidFill>
@@ -5830,7 +6199,7 @@
               </a:rPr>
               <a:t>Screenshots</a:t>
             </a:r>
-            <a:endParaRPr lang="en-US" sz="2800" b="0" i="0" dirty="0">
+            <a:endParaRPr b="0" dirty="0" sz="2800" i="0" lang="en-US">
               <a:solidFill>
                 <a:srgbClr val="0D0D0D"/>
               </a:solidFill>
@@ -5845,7 +6214,7 @@
               <a:buAutoNum type="arabicPeriod"/>
             </a:pPr>
             <a:r>
-              <a:rPr lang="en-US" sz="2800" b="0" i="0" dirty="0">
+              <a:rPr b="0" dirty="0" sz="2800" i="0" lang="en-US">
                 <a:solidFill>
                   <a:srgbClr val="0D0D0D"/>
                 </a:solidFill>
@@ -5862,7 +6231,7 @@
               <a:buAutoNum type="arabicPeriod"/>
             </a:pPr>
             <a:r>
-              <a:rPr lang="en-US" sz="2800" dirty="0" err="1">
+              <a:rPr dirty="0" sz="2800" lang="en-US" err="1">
                 <a:solidFill>
                   <a:srgbClr val="0D0D0D"/>
                 </a:solidFill>
@@ -5872,7 +6241,7 @@
               <a:t>Github</a:t>
             </a:r>
             <a:r>
-              <a:rPr lang="en-US" sz="2800" dirty="0">
+              <a:rPr dirty="0" sz="2800" lang="en-US">
                 <a:solidFill>
                   <a:srgbClr val="0D0D0D"/>
                 </a:solidFill>
@@ -5881,7 +6250,7 @@
               </a:rPr>
               <a:t> Link</a:t>
             </a:r>
-            <a:endParaRPr lang="en-US" sz="2800" b="0" i="0" dirty="0">
+            <a:endParaRPr b="0" dirty="0" sz="2800" i="0" lang="en-US">
               <a:solidFill>
                 <a:srgbClr val="0D0D0D"/>
               </a:solidFill>
@@ -5891,7 +6260,7 @@
             </a:endParaRPr>
           </a:p>
           <a:p>
-            <a:endParaRPr lang="en-IN" sz="2800" dirty="0">
+            <a:endParaRPr dirty="0" sz="2800" lang="en-IN">
               <a:latin typeface="Times New Roman" panose="02020603050405020304" pitchFamily="18" charset="0"/>
               <a:cs typeface="Times New Roman" panose="02020603050405020304" pitchFamily="18" charset="0"/>
             </a:endParaRPr>
@@ -5911,7 +6280,7 @@
   <p:cSld>
     <p:spTree>
       <p:nvGrpSpPr>
-        <p:cNvPr id="1" name=""/>
+        <p:cNvPr id="31" name=""/>
         <p:cNvGrpSpPr/>
         <p:nvPr/>
       </p:nvGrpSpPr>
@@ -5925,7 +6294,7 @@
       </p:grpSpPr>
       <p:grpSp>
         <p:nvGrpSpPr>
-          <p:cNvPr id="2" name="object 2"/>
+          <p:cNvPr id="32" name="object 2"/>
           <p:cNvGrpSpPr/>
           <p:nvPr/>
         </p:nvGrpSpPr>
@@ -5939,7 +6308,7 @@
         </p:grpSpPr>
         <p:sp>
           <p:nvSpPr>
-            <p:cNvPr id="3" name="object 3"/>
+            <p:cNvPr id="1048643" name="object 3"/>
             <p:cNvSpPr/>
             <p:nvPr/>
           </p:nvSpPr>
@@ -5950,9 +6319,7 @@
             </a:xfrm>
             <a:custGeom>
               <a:avLst/>
-              <a:gdLst/>
               <a:ahLst/>
-              <a:cxnLst/>
               <a:rect l="l" t="t" r="r" b="b"/>
               <a:pathLst>
                 <a:path w="457200" h="457200">
@@ -5980,16 +6347,13 @@
             </a:solidFill>
           </p:spPr>
           <p:txBody>
-            <a:bodyPr wrap="square" lIns="0" tIns="0" rIns="0" bIns="0" rtlCol="0"/>
-            <a:lstStyle/>
-            <a:p>
-              <a:endParaRPr/>
-            </a:p>
+            <a:bodyPr bIns="0" lIns="0" rIns="0" rtlCol="0" tIns="0" wrap="square"/>
+            <a:p/>
           </p:txBody>
         </p:sp>
         <p:sp>
           <p:nvSpPr>
-            <p:cNvPr id="4" name="object 4"/>
+            <p:cNvPr id="1048644" name="object 4"/>
             <p:cNvSpPr/>
             <p:nvPr/>
           </p:nvSpPr>
@@ -6000,9 +6364,7 @@
             </a:xfrm>
             <a:custGeom>
               <a:avLst/>
-              <a:gdLst/>
               <a:ahLst/>
-              <a:cxnLst/>
               <a:rect l="l" t="t" r="r" b="b"/>
               <a:pathLst>
                 <a:path w="180975" h="180975">
@@ -6030,21 +6392,20 @@
             </a:solidFill>
           </p:spPr>
           <p:txBody>
-            <a:bodyPr wrap="square" lIns="0" tIns="0" rIns="0" bIns="0" rtlCol="0"/>
-            <a:lstStyle/>
-            <a:p>
-              <a:endParaRPr/>
-            </a:p>
+            <a:bodyPr bIns="0" lIns="0" rIns="0" rtlCol="0" tIns="0" wrap="square"/>
+            <a:p/>
           </p:txBody>
         </p:sp>
         <p:pic>
           <p:nvPicPr>
-            <p:cNvPr id="5" name="object 5"/>
-            <p:cNvPicPr/>
+            <p:cNvPr id="2097158" name="object 5"/>
+            <p:cNvPicPr>
+              <a:picLocks/>
+            </p:cNvPicPr>
             <p:nvPr/>
           </p:nvPicPr>
           <p:blipFill>
-            <a:blip r:embed="rId2" cstate="print"/>
+            <a:blip xmlns:r="http://schemas.openxmlformats.org/officeDocument/2006/relationships" r:embed="rId1" cstate="print"/>
             <a:stretch>
               <a:fillRect/>
             </a:stretch>
@@ -6054,15 +6415,13 @@
               <a:off x="7991475" y="2933700"/>
               <a:ext cx="2762250" cy="3257550"/>
             </a:xfrm>
-            <a:prstGeom prst="rect">
-              <a:avLst/>
-            </a:prstGeom>
+            <a:prstGeom prst="rect"/>
           </p:spPr>
         </p:pic>
       </p:grpSp>
       <p:sp>
         <p:nvSpPr>
-          <p:cNvPr id="6" name="object 6"/>
+          <p:cNvPr id="1048645" name="object 6"/>
           <p:cNvSpPr/>
           <p:nvPr/>
         </p:nvSpPr>
@@ -6073,9 +6432,7 @@
           </a:xfrm>
           <a:custGeom>
             <a:avLst/>
-            <a:gdLst/>
             <a:ahLst/>
-            <a:cxnLst/>
             <a:rect l="l" t="t" r="r" b="b"/>
             <a:pathLst>
               <a:path w="314325" h="323850">
@@ -6103,16 +6460,13 @@
           </a:solidFill>
         </p:spPr>
         <p:txBody>
-          <a:bodyPr wrap="square" lIns="0" tIns="0" rIns="0" bIns="0" rtlCol="0"/>
-          <a:lstStyle/>
-          <a:p>
-            <a:endParaRPr/>
-          </a:p>
-        </p:txBody>
-      </p:sp>
-      <p:sp>
-        <p:nvSpPr>
-          <p:cNvPr id="7" name="object 7"/>
+          <a:bodyPr bIns="0" lIns="0" rIns="0" rtlCol="0" tIns="0" wrap="square"/>
+          <a:p/>
+        </p:txBody>
+      </p:sp>
+      <p:sp>
+        <p:nvSpPr>
+          <p:cNvPr id="1048646" name="object 7"/>
           <p:cNvSpPr txBox="1">
             <a:spLocks noGrp="1"/>
           </p:cNvSpPr>
@@ -6122,18 +6476,15 @@
         </p:nvSpPr>
         <p:spPr>
           <a:xfrm>
-            <a:off x="834072" y="575055"/>
-            <a:ext cx="5636895" cy="678180"/>
-          </a:xfrm>
-          <a:prstGeom prst="rect">
-            <a:avLst/>
-          </a:prstGeom>
-        </p:spPr>
-        <p:txBody>
-          <a:bodyPr vert="horz" wrap="square" lIns="0" tIns="16510" rIns="0" bIns="0" rtlCol="0">
+            <a:off x="386719" y="575055"/>
+            <a:ext cx="6084248" cy="638810"/>
+          </a:xfrm>
+          <a:prstGeom prst="rect"/>
+        </p:spPr>
+        <p:txBody>
+          <a:bodyPr bIns="0" lIns="0" rIns="0" rtlCol="0" tIns="16510" vert="horz" wrap="square">
             <a:spAutoFit/>
           </a:bodyPr>
-          <a:lstStyle/>
           <a:p>
             <a:pPr marL="12700">
               <a:lnSpc>
@@ -6143,59 +6494,59 @@
                 <a:spcPts val="130"/>
               </a:spcBef>
               <a:tabLst>
-                <a:tab pos="2727960" algn="l"/>
+                <a:tab algn="l" pos="2727960"/>
               </a:tabLst>
             </a:pPr>
             <a:r>
-              <a:rPr sz="4250" spc="-20" dirty="0"/>
+              <a:rPr dirty="0" sz="4250" spc="-20"/>
               <a:t>P</a:t>
             </a:r>
             <a:r>
-              <a:rPr sz="4250" spc="15" dirty="0"/>
+              <a:rPr dirty="0" sz="4250" spc="15"/>
               <a:t>ROB</a:t>
             </a:r>
             <a:r>
-              <a:rPr sz="4250" spc="55" dirty="0"/>
+              <a:rPr dirty="0" sz="4250" spc="55"/>
               <a:t>L</a:t>
             </a:r>
             <a:r>
-              <a:rPr sz="4250" spc="-20" dirty="0"/>
+              <a:rPr dirty="0" sz="4250" spc="-20"/>
               <a:t>E</a:t>
             </a:r>
             <a:r>
-              <a:rPr sz="4250" spc="20" dirty="0"/>
+              <a:rPr dirty="0" sz="4250" spc="20"/>
               <a:t>M</a:t>
             </a:r>
             <a:r>
-              <a:rPr sz="4250" dirty="0"/>
+              <a:rPr dirty="0" sz="4250"/>
               <a:t>	</a:t>
             </a:r>
             <a:r>
-              <a:rPr sz="4250" spc="10" dirty="0"/>
+              <a:rPr dirty="0" sz="4250" spc="10"/>
               <a:t>S</a:t>
             </a:r>
             <a:r>
-              <a:rPr sz="4250" spc="-370" dirty="0"/>
+              <a:rPr dirty="0" sz="4250" spc="-370"/>
               <a:t>T</a:t>
             </a:r>
             <a:r>
-              <a:rPr sz="4250" spc="-375" dirty="0"/>
+              <a:rPr dirty="0" sz="4250" spc="-375"/>
               <a:t>A</a:t>
             </a:r>
             <a:r>
-              <a:rPr sz="4250" spc="15" dirty="0"/>
+              <a:rPr dirty="0" sz="4250" spc="15"/>
               <a:t>T</a:t>
             </a:r>
             <a:r>
-              <a:rPr sz="4250" spc="-10" dirty="0"/>
+              <a:rPr dirty="0" sz="4250" spc="-10"/>
               <a:t>E</a:t>
             </a:r>
             <a:r>
-              <a:rPr sz="4250" spc="-20" dirty="0"/>
+              <a:rPr dirty="0" sz="4250" spc="-20"/>
               <a:t>ME</a:t>
             </a:r>
             <a:r>
-              <a:rPr sz="4250" spc="10" dirty="0"/>
+              <a:rPr dirty="0" sz="4250" spc="10"/>
               <a:t>NT</a:t>
             </a:r>
             <a:endParaRPr sz="4250"/>
@@ -6204,12 +6555,14 @@
       </p:sp>
       <p:pic>
         <p:nvPicPr>
-          <p:cNvPr id="8" name="object 8"/>
-          <p:cNvPicPr/>
+          <p:cNvPr id="2097159" name="object 8"/>
+          <p:cNvPicPr>
+            <a:picLocks/>
+          </p:cNvPicPr>
           <p:nvPr/>
         </p:nvPicPr>
         <p:blipFill>
-          <a:blip r:embed="rId3" cstate="print"/>
+          <a:blip xmlns:r="http://schemas.openxmlformats.org/officeDocument/2006/relationships" r:embed="rId2" cstate="print"/>
           <a:stretch>
             <a:fillRect/>
           </a:stretch>
@@ -6219,14 +6572,12 @@
             <a:off x="676275" y="6467475"/>
             <a:ext cx="2143125" cy="200025"/>
           </a:xfrm>
-          <a:prstGeom prst="rect">
-            <a:avLst/>
-          </a:prstGeom>
+          <a:prstGeom prst="rect"/>
         </p:spPr>
       </p:pic>
       <p:sp>
         <p:nvSpPr>
-          <p:cNvPr id="10" name="object 10"/>
+          <p:cNvPr id="1048647" name="object 10"/>
           <p:cNvSpPr txBox="1">
             <a:spLocks noGrp="1"/>
           </p:cNvSpPr>
@@ -6235,15 +6586,12 @@
           </p:nvPr>
         </p:nvSpPr>
         <p:spPr>
-          <a:prstGeom prst="rect">
-            <a:avLst/>
-          </a:prstGeom>
-        </p:spPr>
-        <p:txBody>
-          <a:bodyPr vert="horz" wrap="square" lIns="0" tIns="6985" rIns="0" bIns="0" rtlCol="0">
+          <a:prstGeom prst="rect"/>
+        </p:spPr>
+        <p:txBody>
+          <a:bodyPr bIns="0" lIns="0" rIns="0" rtlCol="0" tIns="6985" vert="horz" wrap="square">
             <a:spAutoFit/>
           </a:bodyPr>
-          <a:lstStyle/>
           <a:p>
             <a:pPr marL="38100">
               <a:lnSpc>
@@ -6254,10 +6602,51 @@
               </a:spcBef>
             </a:pPr>
             <a:fld id="{81D60167-4931-47E6-BA6A-407CBD079E47}" type="slidenum">
-              <a:rPr spc="10" dirty="0"/>
+              <a:rPr dirty="0" spc="10"/>
               <a:t>4</a:t>
             </a:fld>
-            <a:endParaRPr spc="10" dirty="0"/>
+            <a:endParaRPr dirty="0" spc="10"/>
+          </a:p>
+        </p:txBody>
+      </p:sp>
+      <p:sp>
+        <p:nvSpPr>
+          <p:cNvPr id="1048702" name=""/>
+          <p:cNvSpPr txBox="1"/>
+          <p:nvPr/>
+        </p:nvSpPr>
+        <p:spPr>
+          <a:xfrm>
+            <a:off x="676275" y="1689734"/>
+            <a:ext cx="7963499" cy="3863340"/>
+          </a:xfrm>
+          <a:prstGeom prst="rect"/>
+        </p:spPr>
+        <p:txBody>
+          <a:bodyPr rtlCol="0" wrap="square">
+            <a:spAutoFit/>
+          </a:bodyPr>
+          <a:p>
+            <a:r>
+              <a:rPr altLang="en-GB" sz="2800" lang="en-US">
+                <a:solidFill>
+                  <a:srgbClr val="000000"/>
+                </a:solidFill>
+              </a:rPr>
+              <a:t>A digital portfolio will provide an easy and modern way for students and professionals to showcase their skills, projects, and achievements. It can be updated anytime, shared easily, and accessed from anywhere. This makes it more effective than traditional CVs or paper portfolios, helping users present themselves better to schools, companies, or clients.</a:t>
+            </a:r>
+            <a:endParaRPr sz="2800" lang="en-GB">
+              <a:solidFill>
+                <a:srgbClr val="000000"/>
+              </a:solidFill>
+            </a:endParaRPr>
+          </a:p>
+          <a:p>
+            <a:endParaRPr sz="2800" lang="en-GB">
+              <a:solidFill>
+                <a:srgbClr val="000000"/>
+              </a:solidFill>
+            </a:endParaRPr>
           </a:p>
         </p:txBody>
       </p:sp>
@@ -6274,7 +6663,7 @@
   <p:cSld>
     <p:spTree>
       <p:nvGrpSpPr>
-        <p:cNvPr id="1" name=""/>
+        <p:cNvPr id="33" name=""/>
         <p:cNvGrpSpPr/>
         <p:nvPr/>
       </p:nvGrpSpPr>
@@ -6288,7 +6677,7 @@
       </p:grpSpPr>
       <p:grpSp>
         <p:nvGrpSpPr>
-          <p:cNvPr id="2" name="object 2"/>
+          <p:cNvPr id="34" name="object 2"/>
           <p:cNvGrpSpPr/>
           <p:nvPr/>
         </p:nvGrpSpPr>
@@ -6302,7 +6691,7 @@
         </p:grpSpPr>
         <p:sp>
           <p:nvSpPr>
-            <p:cNvPr id="3" name="object 3"/>
+            <p:cNvPr id="1048648" name="object 3"/>
             <p:cNvSpPr/>
             <p:nvPr/>
           </p:nvSpPr>
@@ -6313,9 +6702,7 @@
             </a:xfrm>
             <a:custGeom>
               <a:avLst/>
-              <a:gdLst/>
               <a:ahLst/>
-              <a:cxnLst/>
               <a:rect l="l" t="t" r="r" b="b"/>
               <a:pathLst>
                 <a:path w="457200" h="457200">
@@ -6343,16 +6730,13 @@
             </a:solidFill>
           </p:spPr>
           <p:txBody>
-            <a:bodyPr wrap="square" lIns="0" tIns="0" rIns="0" bIns="0" rtlCol="0"/>
-            <a:lstStyle/>
-            <a:p>
-              <a:endParaRPr/>
-            </a:p>
+            <a:bodyPr bIns="0" lIns="0" rIns="0" rtlCol="0" tIns="0" wrap="square"/>
+            <a:p/>
           </p:txBody>
         </p:sp>
         <p:sp>
           <p:nvSpPr>
-            <p:cNvPr id="4" name="object 4"/>
+            <p:cNvPr id="1048649" name="object 4"/>
             <p:cNvSpPr/>
             <p:nvPr/>
           </p:nvSpPr>
@@ -6363,9 +6747,7 @@
             </a:xfrm>
             <a:custGeom>
               <a:avLst/>
-              <a:gdLst/>
               <a:ahLst/>
-              <a:cxnLst/>
               <a:rect l="l" t="t" r="r" b="b"/>
               <a:pathLst>
                 <a:path w="180975" h="180975">
@@ -6393,21 +6775,20 @@
             </a:solidFill>
           </p:spPr>
           <p:txBody>
-            <a:bodyPr wrap="square" lIns="0" tIns="0" rIns="0" bIns="0" rtlCol="0"/>
-            <a:lstStyle/>
-            <a:p>
-              <a:endParaRPr/>
-            </a:p>
+            <a:bodyPr bIns="0" lIns="0" rIns="0" rtlCol="0" tIns="0" wrap="square"/>
+            <a:p/>
           </p:txBody>
         </p:sp>
         <p:pic>
           <p:nvPicPr>
-            <p:cNvPr id="5" name="object 5"/>
-            <p:cNvPicPr/>
+            <p:cNvPr id="2097160" name="object 5"/>
+            <p:cNvPicPr>
+              <a:picLocks/>
+            </p:cNvPicPr>
             <p:nvPr/>
           </p:nvPicPr>
           <p:blipFill>
-            <a:blip r:embed="rId2" cstate="print"/>
+            <a:blip xmlns:r="http://schemas.openxmlformats.org/officeDocument/2006/relationships" r:embed="rId1" cstate="print"/>
             <a:stretch>
               <a:fillRect/>
             </a:stretch>
@@ -6417,15 +6798,13 @@
               <a:off x="8658225" y="2647950"/>
               <a:ext cx="3533775" cy="3810000"/>
             </a:xfrm>
-            <a:prstGeom prst="rect">
-              <a:avLst/>
-            </a:prstGeom>
+            <a:prstGeom prst="rect"/>
           </p:spPr>
         </p:pic>
       </p:grpSp>
       <p:sp>
         <p:nvSpPr>
-          <p:cNvPr id="6" name="object 6"/>
+          <p:cNvPr id="1048650" name="object 6"/>
           <p:cNvSpPr/>
           <p:nvPr/>
         </p:nvSpPr>
@@ -6436,9 +6815,7 @@
           </a:xfrm>
           <a:custGeom>
             <a:avLst/>
-            <a:gdLst/>
             <a:ahLst/>
-            <a:cxnLst/>
             <a:rect l="l" t="t" r="r" b="b"/>
             <a:pathLst>
               <a:path w="314325" h="323850">
@@ -6466,16 +6843,13 @@
           </a:solidFill>
         </p:spPr>
         <p:txBody>
-          <a:bodyPr wrap="square" lIns="0" tIns="0" rIns="0" bIns="0" rtlCol="0"/>
-          <a:lstStyle/>
-          <a:p>
-            <a:endParaRPr/>
-          </a:p>
-        </p:txBody>
-      </p:sp>
-      <p:sp>
-        <p:nvSpPr>
-          <p:cNvPr id="7" name="object 7"/>
+          <a:bodyPr bIns="0" lIns="0" rIns="0" rtlCol="0" tIns="0" wrap="square"/>
+          <a:p/>
+        </p:txBody>
+      </p:sp>
+      <p:sp>
+        <p:nvSpPr>
+          <p:cNvPr id="1048651" name="object 7"/>
           <p:cNvSpPr txBox="1">
             <a:spLocks noGrp="1"/>
           </p:cNvSpPr>
@@ -6486,17 +6860,14 @@
         <p:spPr>
           <a:xfrm>
             <a:off x="739775" y="829627"/>
-            <a:ext cx="5263515" cy="678180"/>
-          </a:xfrm>
-          <a:prstGeom prst="rect">
-            <a:avLst/>
-          </a:prstGeom>
-        </p:spPr>
-        <p:txBody>
-          <a:bodyPr vert="horz" wrap="square" lIns="0" tIns="16510" rIns="0" bIns="0" rtlCol="0">
+            <a:ext cx="5263515" cy="638810"/>
+          </a:xfrm>
+          <a:prstGeom prst="rect"/>
+        </p:spPr>
+        <p:txBody>
+          <a:bodyPr bIns="0" lIns="0" rIns="0" rtlCol="0" tIns="16510" vert="horz" wrap="square">
             <a:spAutoFit/>
           </a:bodyPr>
-          <a:lstStyle/>
           <a:p>
             <a:pPr marL="12700">
               <a:lnSpc>
@@ -6506,15 +6877,15 @@
                 <a:spcPts val="130"/>
               </a:spcBef>
               <a:tabLst>
-                <a:tab pos="2642870" algn="l"/>
+                <a:tab algn="l" pos="2642870"/>
               </a:tabLst>
             </a:pPr>
             <a:r>
-              <a:rPr sz="4250" spc="5" dirty="0"/>
+              <a:rPr dirty="0" sz="4250" spc="5"/>
               <a:t>PROJECT	</a:t>
             </a:r>
             <a:r>
-              <a:rPr sz="4250" spc="-20" dirty="0"/>
+              <a:rPr dirty="0" sz="4250" spc="-20"/>
               <a:t>OVERVIEW</a:t>
             </a:r>
             <a:endParaRPr sz="4250"/>
@@ -6523,12 +6894,14 @@
       </p:sp>
       <p:pic>
         <p:nvPicPr>
-          <p:cNvPr id="8" name="object 8"/>
-          <p:cNvPicPr/>
+          <p:cNvPr id="2097161" name="object 8"/>
+          <p:cNvPicPr>
+            <a:picLocks/>
+          </p:cNvPicPr>
           <p:nvPr/>
         </p:nvPicPr>
         <p:blipFill>
-          <a:blip r:embed="rId3" cstate="print"/>
+          <a:blip xmlns:r="http://schemas.openxmlformats.org/officeDocument/2006/relationships" r:embed="rId2" cstate="print"/>
           <a:stretch>
             <a:fillRect/>
           </a:stretch>
@@ -6538,14 +6911,12 @@
             <a:off x="676275" y="6467475"/>
             <a:ext cx="2143125" cy="200025"/>
           </a:xfrm>
-          <a:prstGeom prst="rect">
-            <a:avLst/>
-          </a:prstGeom>
+          <a:prstGeom prst="rect"/>
         </p:spPr>
       </p:pic>
       <p:sp>
         <p:nvSpPr>
-          <p:cNvPr id="10" name="object 10"/>
+          <p:cNvPr id="1048652" name="object 10"/>
           <p:cNvSpPr txBox="1">
             <a:spLocks noGrp="1"/>
           </p:cNvSpPr>
@@ -6554,15 +6925,12 @@
           </p:nvPr>
         </p:nvSpPr>
         <p:spPr>
-          <a:prstGeom prst="rect">
-            <a:avLst/>
-          </a:prstGeom>
-        </p:spPr>
-        <p:txBody>
-          <a:bodyPr vert="horz" wrap="square" lIns="0" tIns="6985" rIns="0" bIns="0" rtlCol="0">
+          <a:prstGeom prst="rect"/>
+        </p:spPr>
+        <p:txBody>
+          <a:bodyPr bIns="0" lIns="0" rIns="0" rtlCol="0" tIns="6985" vert="horz" wrap="square">
             <a:spAutoFit/>
           </a:bodyPr>
-          <a:lstStyle/>
           <a:p>
             <a:pPr marL="38100">
               <a:lnSpc>
@@ -6573,10 +6941,44 @@
               </a:spcBef>
             </a:pPr>
             <a:fld id="{81D60167-4931-47E6-BA6A-407CBD079E47}" type="slidenum">
-              <a:rPr spc="10" dirty="0"/>
+              <a:rPr dirty="0" spc="10"/>
               <a:t>5</a:t>
             </a:fld>
-            <a:endParaRPr spc="10" dirty="0"/>
+            <a:endParaRPr dirty="0" spc="10"/>
+          </a:p>
+        </p:txBody>
+      </p:sp>
+      <p:sp>
+        <p:nvSpPr>
+          <p:cNvPr id="1048704" name=""/>
+          <p:cNvSpPr txBox="1"/>
+          <p:nvPr/>
+        </p:nvSpPr>
+        <p:spPr>
+          <a:xfrm>
+            <a:off x="1110501" y="1695449"/>
+            <a:ext cx="7547724" cy="3025140"/>
+          </a:xfrm>
+          <a:prstGeom prst="rect"/>
+        </p:spPr>
+        <p:txBody>
+          <a:bodyPr rtlCol="0" wrap="square">
+            <a:spAutoFit/>
+          </a:bodyPr>
+          <a:p>
+            <a:r>
+              <a:rPr sz="2800" lang="en-GB">
+                <a:solidFill>
+                  <a:srgbClr val="000000"/>
+                </a:solidFill>
+              </a:rPr>
+              <a:t>“This project is about building my own portfolio website to showcase my skills, projects, and achievements. It acts like my personal space on the internet, where recruiters and clients can easily see what I do, check my projects, and contact me. The site will be simple, modern, and fully responsive.”</a:t>
+            </a:r>
+            <a:endParaRPr sz="2800" lang="en-GB">
+              <a:solidFill>
+                <a:srgbClr val="000000"/>
+              </a:solidFill>
+            </a:endParaRPr>
           </a:p>
         </p:txBody>
       </p:sp>
@@ -6593,7 +6995,7 @@
   <p:cSld>
     <p:spTree>
       <p:nvGrpSpPr>
-        <p:cNvPr id="1" name=""/>
+        <p:cNvPr id="35" name=""/>
         <p:cNvGrpSpPr/>
         <p:nvPr/>
       </p:nvGrpSpPr>
@@ -6607,7 +7009,7 @@
       </p:grpSpPr>
       <p:sp>
         <p:nvSpPr>
-          <p:cNvPr id="2" name="object 2"/>
+          <p:cNvPr id="1048653" name="object 2"/>
           <p:cNvSpPr/>
           <p:nvPr/>
         </p:nvSpPr>
@@ -6618,9 +7020,7 @@
           </a:xfrm>
           <a:custGeom>
             <a:avLst/>
-            <a:gdLst/>
             <a:ahLst/>
-            <a:cxnLst/>
             <a:rect l="l" t="t" r="r" b="b"/>
             <a:pathLst>
               <a:path w="457200" h="457200">
@@ -6648,16 +7048,13 @@
           </a:solidFill>
         </p:spPr>
         <p:txBody>
-          <a:bodyPr wrap="square" lIns="0" tIns="0" rIns="0" bIns="0" rtlCol="0"/>
-          <a:lstStyle/>
-          <a:p>
-            <a:endParaRPr/>
-          </a:p>
-        </p:txBody>
-      </p:sp>
-      <p:sp>
-        <p:nvSpPr>
-          <p:cNvPr id="3" name="object 3"/>
+          <a:bodyPr bIns="0" lIns="0" rIns="0" rtlCol="0" tIns="0" wrap="square"/>
+          <a:p/>
+        </p:txBody>
+      </p:sp>
+      <p:sp>
+        <p:nvSpPr>
+          <p:cNvPr id="1048654" name="object 3"/>
           <p:cNvSpPr/>
           <p:nvPr/>
         </p:nvSpPr>
@@ -6668,9 +7065,7 @@
           </a:xfrm>
           <a:custGeom>
             <a:avLst/>
-            <a:gdLst/>
             <a:ahLst/>
-            <a:cxnLst/>
             <a:rect l="l" t="t" r="r" b="b"/>
             <a:pathLst>
               <a:path w="314325" h="323850">
@@ -6698,16 +7093,13 @@
           </a:solidFill>
         </p:spPr>
         <p:txBody>
-          <a:bodyPr wrap="square" lIns="0" tIns="0" rIns="0" bIns="0" rtlCol="0"/>
-          <a:lstStyle/>
-          <a:p>
-            <a:endParaRPr/>
-          </a:p>
-        </p:txBody>
-      </p:sp>
-      <p:sp>
-        <p:nvSpPr>
-          <p:cNvPr id="4" name="object 4"/>
+          <a:bodyPr bIns="0" lIns="0" rIns="0" rtlCol="0" tIns="0" wrap="square"/>
+          <a:p/>
+        </p:txBody>
+      </p:sp>
+      <p:sp>
+        <p:nvSpPr>
+          <p:cNvPr id="1048655" name="object 4"/>
           <p:cNvSpPr/>
           <p:nvPr/>
         </p:nvSpPr>
@@ -6718,9 +7110,7 @@
           </a:xfrm>
           <a:custGeom>
             <a:avLst/>
-            <a:gdLst/>
             <a:ahLst/>
-            <a:cxnLst/>
             <a:rect l="l" t="t" r="r" b="b"/>
             <a:pathLst>
               <a:path w="180975" h="180975">
@@ -6748,16 +7138,13 @@
           </a:solidFill>
         </p:spPr>
         <p:txBody>
-          <a:bodyPr wrap="square" lIns="0" tIns="0" rIns="0" bIns="0" rtlCol="0"/>
-          <a:lstStyle/>
-          <a:p>
-            <a:endParaRPr/>
-          </a:p>
-        </p:txBody>
-      </p:sp>
-      <p:sp>
-        <p:nvSpPr>
-          <p:cNvPr id="5" name="object 5"/>
+          <a:bodyPr bIns="0" lIns="0" rIns="0" rtlCol="0" tIns="0" wrap="square"/>
+          <a:p/>
+        </p:txBody>
+      </p:sp>
+      <p:sp>
+        <p:nvSpPr>
+          <p:cNvPr id="1048656" name="object 5"/>
           <p:cNvSpPr txBox="1">
             <a:spLocks noGrp="1"/>
           </p:cNvSpPr>
@@ -6770,15 +7157,12 @@
             <a:off x="699452" y="891793"/>
             <a:ext cx="5014595" cy="518159"/>
           </a:xfrm>
-          <a:prstGeom prst="rect">
-            <a:avLst/>
-          </a:prstGeom>
-        </p:spPr>
-        <p:txBody>
-          <a:bodyPr vert="horz" wrap="square" lIns="0" tIns="16510" rIns="0" bIns="0" rtlCol="0">
+          <a:prstGeom prst="rect"/>
+        </p:spPr>
+        <p:txBody>
+          <a:bodyPr bIns="0" lIns="0" rIns="0" rtlCol="0" tIns="16510" vert="horz" wrap="square">
             <a:spAutoFit/>
           </a:bodyPr>
-          <a:lstStyle/>
           <a:p>
             <a:pPr marL="12700">
               <a:lnSpc>
@@ -6789,83 +7173,83 @@
               </a:spcBef>
             </a:pPr>
             <a:r>
-              <a:rPr sz="3200" spc="25" dirty="0"/>
+              <a:rPr dirty="0" sz="3200" spc="25"/>
               <a:t>W</a:t>
             </a:r>
             <a:r>
-              <a:rPr sz="3200" spc="-20" dirty="0"/>
+              <a:rPr dirty="0" sz="3200" spc="-20"/>
               <a:t>H</a:t>
             </a:r>
             <a:r>
-              <a:rPr sz="3200" spc="20" dirty="0"/>
+              <a:rPr dirty="0" sz="3200" spc="20"/>
               <a:t>O</a:t>
             </a:r>
             <a:r>
-              <a:rPr sz="3200" spc="-235" dirty="0"/>
+              <a:rPr dirty="0" sz="3200" spc="-235"/>
               <a:t> </a:t>
             </a:r>
             <a:r>
-              <a:rPr sz="3200" spc="-10" dirty="0"/>
+              <a:rPr dirty="0" sz="3200" spc="-10"/>
               <a:t>AR</a:t>
             </a:r>
             <a:r>
-              <a:rPr sz="3200" spc="15" dirty="0"/>
+              <a:rPr dirty="0" sz="3200" spc="15"/>
               <a:t>E</a:t>
             </a:r>
             <a:r>
-              <a:rPr sz="3200" spc="-35" dirty="0"/>
+              <a:rPr dirty="0" sz="3200" spc="-35"/>
               <a:t> </a:t>
             </a:r>
             <a:r>
-              <a:rPr sz="3200" spc="-10" dirty="0"/>
+              <a:rPr dirty="0" sz="3200" spc="-10"/>
               <a:t>T</a:t>
             </a:r>
             <a:r>
-              <a:rPr sz="3200" spc="-15" dirty="0"/>
+              <a:rPr dirty="0" sz="3200" spc="-15"/>
               <a:t>H</a:t>
             </a:r>
             <a:r>
-              <a:rPr sz="3200" spc="15" dirty="0"/>
+              <a:rPr dirty="0" sz="3200" spc="15"/>
               <a:t>E</a:t>
             </a:r>
             <a:r>
-              <a:rPr sz="3200" spc="-35" dirty="0"/>
+              <a:rPr dirty="0" sz="3200" spc="-35"/>
               <a:t> </a:t>
             </a:r>
             <a:r>
-              <a:rPr sz="3200" spc="-20" dirty="0"/>
+              <a:rPr dirty="0" sz="3200" spc="-20"/>
               <a:t>E</a:t>
             </a:r>
             <a:r>
-              <a:rPr sz="3200" spc="30" dirty="0"/>
+              <a:rPr dirty="0" sz="3200" spc="30"/>
               <a:t>N</a:t>
             </a:r>
             <a:r>
-              <a:rPr sz="3200" spc="15" dirty="0"/>
+              <a:rPr dirty="0" sz="3200" spc="15"/>
               <a:t>D</a:t>
             </a:r>
             <a:r>
-              <a:rPr sz="3200" spc="-45" dirty="0"/>
+              <a:rPr dirty="0" sz="3200" spc="-45"/>
               <a:t> </a:t>
             </a:r>
             <a:r>
-              <a:rPr sz="3200" dirty="0"/>
+              <a:rPr dirty="0" sz="3200"/>
               <a:t>U</a:t>
             </a:r>
             <a:r>
-              <a:rPr sz="3200" spc="10" dirty="0"/>
+              <a:rPr dirty="0" sz="3200" spc="10"/>
               <a:t>S</a:t>
             </a:r>
             <a:r>
-              <a:rPr sz="3200" spc="-25" dirty="0"/>
+              <a:rPr dirty="0" sz="3200" spc="-25"/>
               <a:t>E</a:t>
             </a:r>
             <a:r>
-              <a:rPr sz="3200" spc="-10" dirty="0"/>
+              <a:rPr dirty="0" sz="3200" spc="-10"/>
               <a:t>R</a:t>
             </a:r>
             <a:r>
-              <a:rPr sz="3200" spc="5" dirty="0"/>
+              <a:rPr dirty="0" sz="3200" spc="5"/>
               <a:t>S?</a:t>
             </a:r>
             <a:endParaRPr sz="3200"/>
@@ -6874,12 +7258,14 @@
       </p:sp>
       <p:pic>
         <p:nvPicPr>
-          <p:cNvPr id="6" name="object 6"/>
-          <p:cNvPicPr/>
+          <p:cNvPr id="2097162" name="object 6"/>
+          <p:cNvPicPr>
+            <a:picLocks/>
+          </p:cNvPicPr>
           <p:nvPr/>
         </p:nvPicPr>
         <p:blipFill>
-          <a:blip r:embed="rId2" cstate="print"/>
+          <a:blip xmlns:r="http://schemas.openxmlformats.org/officeDocument/2006/relationships" r:embed="rId1" cstate="print"/>
           <a:stretch>
             <a:fillRect/>
           </a:stretch>
@@ -6889,14 +7275,12 @@
             <a:off x="723900" y="6172200"/>
             <a:ext cx="2181225" cy="485775"/>
           </a:xfrm>
-          <a:prstGeom prst="rect">
-            <a:avLst/>
-          </a:prstGeom>
+          <a:prstGeom prst="rect"/>
         </p:spPr>
       </p:pic>
       <p:sp>
         <p:nvSpPr>
-          <p:cNvPr id="8" name="object 8"/>
+          <p:cNvPr id="1048657" name="object 8"/>
           <p:cNvSpPr txBox="1">
             <a:spLocks noGrp="1"/>
           </p:cNvSpPr>
@@ -6905,15 +7289,12 @@
           </p:nvPr>
         </p:nvSpPr>
         <p:spPr>
-          <a:prstGeom prst="rect">
-            <a:avLst/>
-          </a:prstGeom>
-        </p:spPr>
-        <p:txBody>
-          <a:bodyPr vert="horz" wrap="square" lIns="0" tIns="6985" rIns="0" bIns="0" rtlCol="0">
+          <a:prstGeom prst="rect"/>
+        </p:spPr>
+        <p:txBody>
+          <a:bodyPr bIns="0" lIns="0" rIns="0" rtlCol="0" tIns="6985" vert="horz" wrap="square">
             <a:spAutoFit/>
           </a:bodyPr>
-          <a:lstStyle/>
           <a:p>
             <a:pPr marL="38100">
               <a:lnSpc>
@@ -6924,10 +7305,98 @@
               </a:spcBef>
             </a:pPr>
             <a:fld id="{81D60167-4931-47E6-BA6A-407CBD079E47}" type="slidenum">
-              <a:rPr spc="10" dirty="0"/>
+              <a:rPr dirty="0" spc="10"/>
               <a:t>6</a:t>
             </a:fld>
-            <a:endParaRPr spc="10" dirty="0"/>
+            <a:endParaRPr dirty="0" spc="10"/>
+          </a:p>
+        </p:txBody>
+      </p:sp>
+      <p:sp>
+        <p:nvSpPr>
+          <p:cNvPr id="1048705" name=""/>
+          <p:cNvSpPr txBox="1"/>
+          <p:nvPr/>
+        </p:nvSpPr>
+        <p:spPr>
+          <a:xfrm>
+            <a:off x="2123176" y="2019299"/>
+            <a:ext cx="6548847" cy="2186941"/>
+          </a:xfrm>
+          <a:prstGeom prst="rect"/>
+        </p:spPr>
+        <p:txBody>
+          <a:bodyPr rtlCol="0" wrap="square">
+            <a:spAutoFit/>
+          </a:bodyPr>
+          <a:p>
+            <a:r>
+              <a:rPr altLang="en-GB" sz="2800" lang="en-US">
+                <a:solidFill>
+                  <a:srgbClr val="000000"/>
+                </a:solidFill>
+              </a:rPr>
+              <a:t>1</a:t>
+            </a:r>
+            <a:r>
+              <a:rPr altLang="en-GB" sz="2800" lang="en-US">
+                <a:solidFill>
+                  <a:srgbClr val="000000"/>
+                </a:solidFill>
+              </a:rPr>
+              <a:t>.</a:t>
+            </a:r>
+            <a:r>
+              <a:rPr sz="2800" lang="en-GB">
+                <a:solidFill>
+                  <a:srgbClr val="000000"/>
+                </a:solidFill>
+              </a:rPr>
+              <a:t>A clear reflection of my work and creativity.</a:t>
+            </a:r>
+            <a:endParaRPr sz="2800" lang="en-GB">
+              <a:solidFill>
+                <a:srgbClr val="000000"/>
+              </a:solidFill>
+            </a:endParaRPr>
+          </a:p>
+          <a:p>
+            <a:r>
+              <a:rPr altLang="en-GB" sz="2800" lang="en-US">
+                <a:solidFill>
+                  <a:srgbClr val="000000"/>
+                </a:solidFill>
+              </a:rPr>
+              <a:t>2</a:t>
+            </a:r>
+            <a:r>
+              <a:rPr altLang="en-GB" sz="2800" lang="en-US">
+                <a:solidFill>
+                  <a:srgbClr val="000000"/>
+                </a:solidFill>
+              </a:rPr>
+              <a:t>.</a:t>
+            </a:r>
+            <a:r>
+              <a:rPr sz="2800" lang="en-GB">
+                <a:solidFill>
+                  <a:srgbClr val="000000"/>
+                </a:solidFill>
+              </a:rPr>
+              <a:t>Looking forward to your feedback and opportunities!</a:t>
+            </a:r>
+            <a:endParaRPr sz="2800" lang="en-GB">
+              <a:solidFill>
+                <a:srgbClr val="000000"/>
+              </a:solidFill>
+            </a:endParaRPr>
+          </a:p>
+          <a:p>
+            <a:endParaRPr sz="2800" lang="en-GB">
+              <a:solidFill>
+                <a:srgbClr val="000000"/>
+              </a:solidFill>
+            </a:endParaRPr>
           </a:p>
         </p:txBody>
       </p:sp>
@@ -6944,7 +7413,7 @@
   <p:cSld>
     <p:spTree>
       <p:nvGrpSpPr>
-        <p:cNvPr id="1" name=""/>
+        <p:cNvPr id="36" name=""/>
         <p:cNvGrpSpPr/>
         <p:nvPr/>
       </p:nvGrpSpPr>
@@ -6958,12 +7427,14 @@
       </p:grpSpPr>
       <p:pic>
         <p:nvPicPr>
-          <p:cNvPr id="2" name="object 2"/>
-          <p:cNvPicPr/>
+          <p:cNvPr id="2097163" name="object 2"/>
+          <p:cNvPicPr>
+            <a:picLocks/>
+          </p:cNvPicPr>
           <p:nvPr/>
         </p:nvPicPr>
         <p:blipFill>
-          <a:blip r:embed="rId2" cstate="print"/>
+          <a:blip xmlns:r="http://schemas.openxmlformats.org/officeDocument/2006/relationships" r:embed="rId1" cstate="print"/>
           <a:stretch>
             <a:fillRect/>
           </a:stretch>
@@ -6973,14 +7444,12 @@
             <a:off x="0" y="1476375"/>
             <a:ext cx="2695574" cy="3248025"/>
           </a:xfrm>
-          <a:prstGeom prst="rect">
-            <a:avLst/>
-          </a:prstGeom>
+          <a:prstGeom prst="rect"/>
         </p:spPr>
       </p:pic>
       <p:sp>
         <p:nvSpPr>
-          <p:cNvPr id="3" name="object 3"/>
+          <p:cNvPr id="1048658" name="object 3"/>
           <p:cNvSpPr/>
           <p:nvPr/>
         </p:nvSpPr>
@@ -6991,9 +7460,7 @@
           </a:xfrm>
           <a:custGeom>
             <a:avLst/>
-            <a:gdLst/>
             <a:ahLst/>
-            <a:cxnLst/>
             <a:rect l="l" t="t" r="r" b="b"/>
             <a:pathLst>
               <a:path w="457200" h="457200">
@@ -7021,16 +7488,13 @@
           </a:solidFill>
         </p:spPr>
         <p:txBody>
-          <a:bodyPr wrap="square" lIns="0" tIns="0" rIns="0" bIns="0" rtlCol="0"/>
-          <a:lstStyle/>
-          <a:p>
-            <a:endParaRPr/>
-          </a:p>
-        </p:txBody>
-      </p:sp>
-      <p:sp>
-        <p:nvSpPr>
-          <p:cNvPr id="4" name="object 4"/>
+          <a:bodyPr bIns="0" lIns="0" rIns="0" rtlCol="0" tIns="0" wrap="square"/>
+          <a:p/>
+        </p:txBody>
+      </p:sp>
+      <p:sp>
+        <p:nvSpPr>
+          <p:cNvPr id="1048659" name="object 4"/>
           <p:cNvSpPr/>
           <p:nvPr/>
         </p:nvSpPr>
@@ -7041,9 +7505,7 @@
           </a:xfrm>
           <a:custGeom>
             <a:avLst/>
-            <a:gdLst/>
             <a:ahLst/>
-            <a:cxnLst/>
             <a:rect l="l" t="t" r="r" b="b"/>
             <a:pathLst>
               <a:path w="314325" h="323850">
@@ -7071,16 +7533,13 @@
           </a:solidFill>
         </p:spPr>
         <p:txBody>
-          <a:bodyPr wrap="square" lIns="0" tIns="0" rIns="0" bIns="0" rtlCol="0"/>
-          <a:lstStyle/>
-          <a:p>
-            <a:endParaRPr/>
-          </a:p>
-        </p:txBody>
-      </p:sp>
-      <p:sp>
-        <p:nvSpPr>
-          <p:cNvPr id="5" name="object 5"/>
+          <a:bodyPr bIns="0" lIns="0" rIns="0" rtlCol="0" tIns="0" wrap="square"/>
+          <a:p/>
+        </p:txBody>
+      </p:sp>
+      <p:sp>
+        <p:nvSpPr>
+          <p:cNvPr id="1048660" name="object 5"/>
           <p:cNvSpPr/>
           <p:nvPr/>
         </p:nvSpPr>
@@ -7091,9 +7550,7 @@
           </a:xfrm>
           <a:custGeom>
             <a:avLst/>
-            <a:gdLst/>
             <a:ahLst/>
-            <a:cxnLst/>
             <a:rect l="l" t="t" r="r" b="b"/>
             <a:pathLst>
               <a:path w="180975" h="180975">
@@ -7121,16 +7578,13 @@
           </a:solidFill>
         </p:spPr>
         <p:txBody>
-          <a:bodyPr wrap="square" lIns="0" tIns="0" rIns="0" bIns="0" rtlCol="0"/>
-          <a:lstStyle/>
-          <a:p>
-            <a:endParaRPr/>
-          </a:p>
-        </p:txBody>
-      </p:sp>
-      <p:sp>
-        <p:nvSpPr>
-          <p:cNvPr id="6" name="object 6"/>
+          <a:bodyPr bIns="0" lIns="0" rIns="0" rtlCol="0" tIns="0" wrap="square"/>
+          <a:p/>
+        </p:txBody>
+      </p:sp>
+      <p:sp>
+        <p:nvSpPr>
+          <p:cNvPr id="1048661" name="object 6"/>
           <p:cNvSpPr txBox="1">
             <a:spLocks noGrp="1"/>
           </p:cNvSpPr>
@@ -7141,17 +7595,14 @@
         <p:spPr>
           <a:xfrm>
             <a:off x="558165" y="857885"/>
-            <a:ext cx="9763125" cy="575310"/>
-          </a:xfrm>
-          <a:prstGeom prst="rect">
-            <a:avLst/>
-          </a:prstGeom>
-        </p:spPr>
-        <p:txBody>
-          <a:bodyPr vert="horz" wrap="square" lIns="0" tIns="13335" rIns="0" bIns="0" rtlCol="0">
+            <a:ext cx="9763125" cy="546736"/>
+          </a:xfrm>
+          <a:prstGeom prst="rect"/>
+        </p:spPr>
+        <p:txBody>
+          <a:bodyPr bIns="0" lIns="0" rIns="0" rtlCol="0" tIns="13335" vert="horz" wrap="square">
             <a:spAutoFit/>
           </a:bodyPr>
-          <a:lstStyle/>
           <a:p>
             <a:pPr marL="12700">
               <a:lnSpc>
@@ -7162,21 +7613,23 @@
               </a:spcBef>
             </a:pPr>
             <a:r>
-              <a:rPr lang="en-IN" sz="3600" spc="10" dirty="0"/>
+              <a:rPr dirty="0" sz="3600" lang="en-IN" spc="10"/>
               <a:t>TOOLS AND TECHNIQUES</a:t>
             </a:r>
-            <a:endParaRPr sz="3600" dirty="0"/>
+            <a:endParaRPr dirty="0" sz="3600"/>
           </a:p>
         </p:txBody>
       </p:sp>
       <p:pic>
         <p:nvPicPr>
-          <p:cNvPr id="7" name="object 7"/>
-          <p:cNvPicPr/>
+          <p:cNvPr id="2097164" name="object 7"/>
+          <p:cNvPicPr>
+            <a:picLocks/>
+          </p:cNvPicPr>
           <p:nvPr/>
         </p:nvPicPr>
         <p:blipFill>
-          <a:blip r:embed="rId3" cstate="print"/>
+          <a:blip xmlns:r="http://schemas.openxmlformats.org/officeDocument/2006/relationships" r:embed="rId2" cstate="print"/>
           <a:stretch>
             <a:fillRect/>
           </a:stretch>
@@ -7186,14 +7639,12 @@
             <a:off x="676275" y="6467475"/>
             <a:ext cx="2143125" cy="200025"/>
           </a:xfrm>
-          <a:prstGeom prst="rect">
-            <a:avLst/>
-          </a:prstGeom>
+          <a:prstGeom prst="rect"/>
         </p:spPr>
       </p:pic>
       <p:sp>
         <p:nvSpPr>
-          <p:cNvPr id="9" name="object 9"/>
+          <p:cNvPr id="1048662" name="object 9"/>
           <p:cNvSpPr txBox="1">
             <a:spLocks noGrp="1"/>
           </p:cNvSpPr>
@@ -7202,15 +7653,12 @@
           </p:nvPr>
         </p:nvSpPr>
         <p:spPr>
-          <a:prstGeom prst="rect">
-            <a:avLst/>
-          </a:prstGeom>
-        </p:spPr>
-        <p:txBody>
-          <a:bodyPr vert="horz" wrap="square" lIns="0" tIns="6985" rIns="0" bIns="0" rtlCol="0">
+          <a:prstGeom prst="rect"/>
+        </p:spPr>
+        <p:txBody>
+          <a:bodyPr bIns="0" lIns="0" rIns="0" rtlCol="0" tIns="6985" vert="horz" wrap="square">
             <a:spAutoFit/>
           </a:bodyPr>
-          <a:lstStyle/>
           <a:p>
             <a:pPr marL="38100">
               <a:lnSpc>
@@ -7221,10 +7669,208 @@
               </a:spcBef>
             </a:pPr>
             <a:fld id="{81D60167-4931-47E6-BA6A-407CBD079E47}" type="slidenum">
-              <a:rPr spc="10" dirty="0"/>
+              <a:rPr dirty="0" spc="10"/>
               <a:t>7</a:t>
             </a:fld>
-            <a:endParaRPr spc="10" dirty="0"/>
+            <a:endParaRPr dirty="0" spc="10"/>
+          </a:p>
+        </p:txBody>
+      </p:sp>
+      <p:sp>
+        <p:nvSpPr>
+          <p:cNvPr id="1048706" name=""/>
+          <p:cNvSpPr txBox="1"/>
+          <p:nvPr/>
+        </p:nvSpPr>
+        <p:spPr>
+          <a:xfrm>
+            <a:off x="2905375" y="1476374"/>
+            <a:ext cx="8026327" cy="4282440"/>
+          </a:xfrm>
+          <a:prstGeom prst="rect"/>
+        </p:spPr>
+        <p:txBody>
+          <a:bodyPr rtlCol="0" wrap="square">
+            <a:spAutoFit/>
+          </a:bodyPr>
+          <a:p>
+            <a:pPr indent="-457200" marL="457200">
+              <a:buFont typeface="Wingdings" charset="2"/>
+              <a:buChar char="ü"/>
+            </a:pPr>
+            <a:r>
+              <a:rPr sz="2800" lang="en-GB">
+                <a:solidFill>
+                  <a:srgbClr val="000000"/>
+                </a:solidFill>
+              </a:rPr>
+              <a:t>HTML5 – For structuring the web pages</a:t>
+            </a:r>
+            <a:endParaRPr sz="2800" lang="en-GB">
+              <a:solidFill>
+                <a:srgbClr val="000000"/>
+              </a:solidFill>
+            </a:endParaRPr>
+          </a:p>
+          <a:p>
+            <a:pPr indent="-457200" marL="457200">
+              <a:buFont typeface="Wingdings" charset="2"/>
+              <a:buChar char="ü"/>
+            </a:pPr>
+            <a:endParaRPr sz="2800" lang="en-GB">
+              <a:solidFill>
+                <a:srgbClr val="000000"/>
+              </a:solidFill>
+            </a:endParaRPr>
+          </a:p>
+          <a:p>
+            <a:pPr indent="-457200" marL="457200">
+              <a:buFont typeface="Wingdings" charset="2"/>
+              <a:buChar char="ü"/>
+            </a:pPr>
+            <a:r>
+              <a:rPr sz="2800" lang="en-GB">
+                <a:solidFill>
+                  <a:srgbClr val="000000"/>
+                </a:solidFill>
+              </a:rPr>
+              <a:t>CSS3 – For styling and responsive design</a:t>
+            </a:r>
+            <a:endParaRPr sz="2800" lang="en-GB">
+              <a:solidFill>
+                <a:srgbClr val="000000"/>
+              </a:solidFill>
+            </a:endParaRPr>
+          </a:p>
+          <a:p>
+            <a:pPr indent="-457200" marL="457200">
+              <a:buFont typeface="Wingdings" charset="2"/>
+              <a:buChar char="ü"/>
+            </a:pPr>
+            <a:endParaRPr sz="2800" lang="en-GB">
+              <a:solidFill>
+                <a:srgbClr val="000000"/>
+              </a:solidFill>
+            </a:endParaRPr>
+          </a:p>
+          <a:p>
+            <a:pPr indent="-457200" marL="457200">
+              <a:buFont typeface="Wingdings" charset="2"/>
+              <a:buChar char="ü"/>
+            </a:pPr>
+            <a:r>
+              <a:rPr sz="2800" lang="en-GB">
+                <a:solidFill>
+                  <a:srgbClr val="000000"/>
+                </a:solidFill>
+              </a:rPr>
+              <a:t>JavaScript (ES6+) – For interactivity and dynamic features</a:t>
+            </a:r>
+            <a:endParaRPr sz="2800" lang="en-GB">
+              <a:solidFill>
+                <a:srgbClr val="000000"/>
+              </a:solidFill>
+            </a:endParaRPr>
+          </a:p>
+          <a:p>
+            <a:pPr indent="-457200" marL="457200">
+              <a:buFont typeface="Wingdings" charset="2"/>
+              <a:buChar char="ü"/>
+            </a:pPr>
+            <a:r>
+              <a:rPr altLang="en-GB" sz="2800" lang="en-US">
+                <a:solidFill>
+                  <a:srgbClr val="000000"/>
+                </a:solidFill>
+              </a:rPr>
+              <a:t>C</a:t>
+            </a:r>
+            <a:r>
+              <a:rPr altLang="en-GB" sz="2800" lang="en-US">
+                <a:solidFill>
+                  <a:srgbClr val="000000"/>
+                </a:solidFill>
+              </a:rPr>
+              <a:t>o</a:t>
+            </a:r>
+            <a:r>
+              <a:rPr altLang="en-GB" sz="2800" lang="en-US">
+                <a:solidFill>
+                  <a:srgbClr val="000000"/>
+                </a:solidFill>
+              </a:rPr>
+              <a:t>d</a:t>
+            </a:r>
+            <a:r>
+              <a:rPr altLang="en-GB" sz="2800" lang="en-US">
+                <a:solidFill>
+                  <a:srgbClr val="000000"/>
+                </a:solidFill>
+              </a:rPr>
+              <a:t>e</a:t>
+            </a:r>
+            <a:r>
+              <a:rPr altLang="en-GB" sz="2800" lang="en-US">
+                <a:solidFill>
+                  <a:srgbClr val="000000"/>
+                </a:solidFill>
+              </a:rPr>
+              <a:t>pen </a:t>
+            </a:r>
+            <a:r>
+              <a:rPr sz="2800" lang="en-GB">
+                <a:solidFill>
+                  <a:srgbClr val="000000"/>
+                </a:solidFill>
+              </a:rPr>
+              <a:t>– As the code editor</a:t>
+            </a:r>
+            <a:endParaRPr sz="2800" lang="en-GB">
+              <a:solidFill>
+                <a:srgbClr val="000000"/>
+              </a:solidFill>
+            </a:endParaRPr>
+          </a:p>
+          <a:p>
+            <a:pPr indent="-457200" marL="457200">
+              <a:buFont typeface="Wingdings" charset="2"/>
+              <a:buChar char="ü"/>
+            </a:pPr>
+            <a:endParaRPr sz="2800" lang="en-GB">
+              <a:solidFill>
+                <a:srgbClr val="000000"/>
+              </a:solidFill>
+            </a:endParaRPr>
+          </a:p>
+          <a:p>
+            <a:pPr indent="-457200" marL="457200">
+              <a:buFont typeface="Wingdings" charset="2"/>
+              <a:buChar char="ü"/>
+            </a:pPr>
+            <a:r>
+              <a:rPr sz="2800" lang="en-GB">
+                <a:solidFill>
+                  <a:srgbClr val="000000"/>
+                </a:solidFill>
+              </a:rPr>
+              <a:t>Git &amp; GitHub – For version control and hosting</a:t>
+            </a:r>
+            <a:endParaRPr sz="2800" lang="en-GB">
+              <a:solidFill>
+                <a:srgbClr val="000000"/>
+              </a:solidFill>
+            </a:endParaRPr>
+          </a:p>
+          <a:p>
+            <a:pPr indent="-457200" marL="457200">
+              <a:buFont typeface="Wingdings" charset="2"/>
+              <a:buChar char="ü"/>
+            </a:pPr>
+            <a:endParaRPr sz="2800" lang="en-GB">
+              <a:solidFill>
+                <a:srgbClr val="000000"/>
+              </a:solidFill>
+            </a:endParaRPr>
           </a:p>
         </p:txBody>
       </p:sp>
@@ -7241,7 +7887,7 @@
   <p:cSld>
     <p:spTree>
       <p:nvGrpSpPr>
-        <p:cNvPr id="1" name=""/>
+        <p:cNvPr id="37" name=""/>
         <p:cNvGrpSpPr/>
         <p:nvPr/>
       </p:nvGrpSpPr>
@@ -7255,7 +7901,7 @@
       </p:grpSpPr>
       <p:sp>
         <p:nvSpPr>
-          <p:cNvPr id="5" name="object 5"/>
+          <p:cNvPr id="1048663" name="object 5"/>
           <p:cNvSpPr/>
           <p:nvPr/>
         </p:nvSpPr>
@@ -7266,9 +7912,7 @@
           </a:xfrm>
           <a:custGeom>
             <a:avLst/>
-            <a:gdLst/>
             <a:ahLst/>
-            <a:cxnLst/>
             <a:rect l="l" t="t" r="r" b="b"/>
             <a:pathLst>
               <a:path w="180975" h="180975">
@@ -7296,21 +7940,20 @@
           </a:solidFill>
         </p:spPr>
         <p:txBody>
-          <a:bodyPr wrap="square" lIns="0" tIns="0" rIns="0" bIns="0" rtlCol="0"/>
-          <a:lstStyle/>
-          <a:p>
-            <a:endParaRPr/>
-          </a:p>
+          <a:bodyPr bIns="0" lIns="0" rIns="0" rtlCol="0" tIns="0" wrap="square"/>
+          <a:p/>
         </p:txBody>
       </p:sp>
       <p:pic>
         <p:nvPicPr>
-          <p:cNvPr id="6" name="object 6"/>
-          <p:cNvPicPr/>
+          <p:cNvPr id="2097165" name="object 6"/>
+          <p:cNvPicPr>
+            <a:picLocks/>
+          </p:cNvPicPr>
           <p:nvPr/>
         </p:nvPicPr>
         <p:blipFill>
-          <a:blip r:embed="rId2" cstate="print"/>
+          <a:blip xmlns:r="http://schemas.openxmlformats.org/officeDocument/2006/relationships" r:embed="rId1" cstate="print"/>
           <a:stretch>
             <a:fillRect/>
           </a:stretch>
@@ -7320,14 +7963,12 @@
             <a:off x="1666875" y="6467475"/>
             <a:ext cx="76200" cy="177800"/>
           </a:xfrm>
-          <a:prstGeom prst="rect">
-            <a:avLst/>
-          </a:prstGeom>
+          <a:prstGeom prst="rect"/>
         </p:spPr>
       </p:pic>
       <p:sp>
         <p:nvSpPr>
-          <p:cNvPr id="9" name="object 9"/>
+          <p:cNvPr id="1048664" name="object 9"/>
           <p:cNvSpPr txBox="1"/>
           <p:nvPr/>
         </p:nvSpPr>
@@ -7336,15 +7977,12 @@
             <a:off x="11277218" y="6473337"/>
             <a:ext cx="228600" cy="191770"/>
           </a:xfrm>
-          <a:prstGeom prst="rect">
-            <a:avLst/>
-          </a:prstGeom>
-        </p:spPr>
-        <p:txBody>
-          <a:bodyPr vert="horz" wrap="square" lIns="0" tIns="6985" rIns="0" bIns="0" rtlCol="0">
+          <a:prstGeom prst="rect"/>
+        </p:spPr>
+        <p:txBody>
+          <a:bodyPr bIns="0" lIns="0" rIns="0" rtlCol="0" tIns="6985" vert="horz" wrap="square">
             <a:spAutoFit/>
           </a:bodyPr>
-          <a:lstStyle/>
           <a:p>
             <a:pPr marL="38100">
               <a:lnSpc>
@@ -7355,7 +7993,7 @@
               </a:spcBef>
             </a:pPr>
             <a:fld id="{81D60167-4931-47E6-BA6A-407CBD079E47}" type="slidenum">
-              <a:rPr sz="1100" spc="10" dirty="0">
+              <a:rPr dirty="0" sz="1100" spc="10">
                 <a:solidFill>
                   <a:srgbClr val="2D936B"/>
                 </a:solidFill>
@@ -7373,7 +8011,7 @@
       </p:sp>
       <p:sp>
         <p:nvSpPr>
-          <p:cNvPr id="8" name="object 8"/>
+          <p:cNvPr id="1048665" name="object 8"/>
           <p:cNvSpPr txBox="1"/>
           <p:nvPr/>
         </p:nvSpPr>
@@ -7382,15 +8020,12 @@
             <a:off x="739775" y="291147"/>
             <a:ext cx="8794750" cy="629018"/>
           </a:xfrm>
-          <a:prstGeom prst="rect">
-            <a:avLst/>
-          </a:prstGeom>
-        </p:spPr>
-        <p:txBody>
-          <a:bodyPr vert="horz" wrap="square" lIns="0" tIns="13335" rIns="0" bIns="0" rtlCol="0">
+          <a:prstGeom prst="rect"/>
+        </p:spPr>
+        <p:txBody>
+          <a:bodyPr bIns="0" lIns="0" rIns="0" rtlCol="0" tIns="13335" vert="horz" wrap="square">
             <a:spAutoFit/>
           </a:bodyPr>
-          <a:lstStyle/>
           <a:p>
             <a:pPr marL="12700">
               <a:lnSpc>
@@ -7401,13 +8036,13 @@
               </a:spcBef>
             </a:pPr>
             <a:r>
-              <a:rPr lang="en-IN" sz="4000" b="1" spc="15" dirty="0">
+              <a:rPr b="1" dirty="0" sz="4000" lang="en-IN" spc="15">
                 <a:latin typeface="Trebuchet MS"/>
                 <a:cs typeface="Trebuchet MS"/>
               </a:rPr>
               <a:t>POTFOLIO DESIGN AND LAYOUT</a:t>
             </a:r>
-            <a:endParaRPr sz="4000" dirty="0">
+            <a:endParaRPr dirty="0" sz="4000">
               <a:latin typeface="Trebuchet MS"/>
               <a:cs typeface="Trebuchet MS"/>
             </a:endParaRPr>
@@ -7416,7 +8051,7 @@
       </p:sp>
       <p:sp>
         <p:nvSpPr>
-          <p:cNvPr id="14" name="object 3"/>
+          <p:cNvPr id="1048666" name="object 3"/>
           <p:cNvSpPr/>
           <p:nvPr/>
         </p:nvSpPr>
@@ -7427,9 +8062,7 @@
           </a:xfrm>
           <a:custGeom>
             <a:avLst/>
-            <a:gdLst/>
             <a:ahLst/>
-            <a:cxnLst/>
             <a:rect l="l" t="t" r="r" b="b"/>
             <a:pathLst>
               <a:path w="457200" h="457200">
@@ -7457,10 +8090,173 @@
           </a:solidFill>
         </p:spPr>
         <p:txBody>
-          <a:bodyPr wrap="square" lIns="0" tIns="0" rIns="0" bIns="0" rtlCol="0"/>
-          <a:lstStyle/>
-          <a:p>
-            <a:endParaRPr/>
+          <a:bodyPr bIns="0" lIns="0" rIns="0" rtlCol="0" tIns="0" wrap="square"/>
+          <a:p/>
+        </p:txBody>
+      </p:sp>
+      <p:sp>
+        <p:nvSpPr>
+          <p:cNvPr id="1048707" name=""/>
+          <p:cNvSpPr txBox="1"/>
+          <p:nvPr/>
+        </p:nvSpPr>
+        <p:spPr>
+          <a:xfrm>
+            <a:off x="1248518" y="1476400"/>
+            <a:ext cx="9694962" cy="3863340"/>
+          </a:xfrm>
+          <a:prstGeom prst="rect"/>
+        </p:spPr>
+        <p:txBody>
+          <a:bodyPr rtlCol="0" wrap="square">
+            <a:spAutoFit/>
+          </a:bodyPr>
+          <a:p>
+            <a:pPr indent="-457200" marL="457200">
+              <a:buFont typeface="Wingdings" charset="2"/>
+              <a:buChar char="ü"/>
+            </a:pPr>
+            <a:r>
+              <a:rPr altLang="en-GB" sz="2800" lang="en-US">
+                <a:solidFill>
+                  <a:srgbClr val="000000"/>
+                </a:solidFill>
+              </a:rPr>
+              <a:t>Proper visual hierarchy with headings and subheadings</a:t>
+            </a:r>
+            <a:endParaRPr sz="2800" lang="en-GB">
+              <a:solidFill>
+                <a:srgbClr val="000000"/>
+              </a:solidFill>
+            </a:endParaRPr>
+          </a:p>
+          <a:p>
+            <a:pPr indent="-457200" marL="457200">
+              <a:buFont typeface="Wingdings" charset="2"/>
+              <a:buChar char="ü"/>
+            </a:pPr>
+            <a:endParaRPr sz="2800" lang="en-GB">
+              <a:solidFill>
+                <a:srgbClr val="000000"/>
+              </a:solidFill>
+            </a:endParaRPr>
+          </a:p>
+          <a:p>
+            <a:pPr indent="-457200" marL="457200">
+              <a:buFont typeface="Wingdings" charset="2"/>
+              <a:buChar char="ü"/>
+            </a:pPr>
+            <a:r>
+              <a:rPr altLang="en-GB" sz="2800" lang="en-US">
+                <a:solidFill>
+                  <a:srgbClr val="000000"/>
+                </a:solidFill>
+              </a:rPr>
+              <a:t>Responsive layout for all devices (desktop, tablet, mobile</a:t>
+            </a:r>
+            <a:r>
+              <a:rPr altLang="en-GB" sz="2800" lang="en-US">
+                <a:solidFill>
+                  <a:srgbClr val="000000"/>
+                </a:solidFill>
+              </a:rPr>
+              <a:t>)</a:t>
+            </a:r>
+            <a:endParaRPr sz="2800" lang="en-GB">
+              <a:solidFill>
+                <a:srgbClr val="000000"/>
+              </a:solidFill>
+            </a:endParaRPr>
+          </a:p>
+          <a:p>
+            <a:pPr indent="-457200" marL="457200">
+              <a:buFont typeface="Wingdings" charset="2"/>
+              <a:buChar char="ü"/>
+            </a:pPr>
+            <a:endParaRPr sz="2800" lang="en-GB">
+              <a:solidFill>
+                <a:srgbClr val="000000"/>
+              </a:solidFill>
+            </a:endParaRPr>
+          </a:p>
+          <a:p>
+            <a:pPr indent="-457200" marL="457200">
+              <a:buFont typeface="Wingdings" charset="2"/>
+              <a:buChar char="ü"/>
+            </a:pPr>
+            <a:r>
+              <a:rPr altLang="en-GB" sz="2800" lang="en-US">
+                <a:solidFill>
+                  <a:srgbClr val="000000"/>
+                </a:solidFill>
+              </a:rPr>
+              <a:t>Consistent color scheme throughout the portfolio</a:t>
+            </a:r>
+            <a:endParaRPr sz="2800" lang="en-GB">
+              <a:solidFill>
+                <a:srgbClr val="000000"/>
+              </a:solidFill>
+            </a:endParaRPr>
+          </a:p>
+          <a:p>
+            <a:pPr indent="-457200" marL="457200">
+              <a:buFont typeface="Wingdings" charset="2"/>
+              <a:buChar char="ü"/>
+            </a:pPr>
+            <a:endParaRPr sz="2800" lang="en-GB">
+              <a:solidFill>
+                <a:srgbClr val="000000"/>
+              </a:solidFill>
+            </a:endParaRPr>
+          </a:p>
+          <a:p>
+            <a:pPr indent="-457200" marL="457200">
+              <a:buFont typeface="Wingdings" charset="2"/>
+              <a:buChar char="ü"/>
+            </a:pPr>
+            <a:r>
+              <a:rPr altLang="en-GB" sz="2800" lang="en-US">
+                <a:solidFill>
+                  <a:srgbClr val="000000"/>
+                </a:solidFill>
+              </a:rPr>
+              <a:t>Use of high-quality images and project previews</a:t>
+            </a:r>
+            <a:endParaRPr sz="2800" lang="en-GB">
+              <a:solidFill>
+                <a:srgbClr val="000000"/>
+              </a:solidFill>
+            </a:endParaRPr>
+          </a:p>
+          <a:p>
+            <a:pPr indent="-457200" marL="457200">
+              <a:buFont typeface="Wingdings" charset="2"/>
+              <a:buChar char="ü"/>
+            </a:pPr>
+            <a:endParaRPr sz="2800" lang="en-GB">
+              <a:solidFill>
+                <a:srgbClr val="000000"/>
+              </a:solidFill>
+            </a:endParaRPr>
+          </a:p>
+          <a:p>
+            <a:pPr indent="-457200" marL="457200">
+              <a:buFont typeface="Wingdings" charset="2"/>
+              <a:buChar char="ü"/>
+            </a:pPr>
+            <a:r>
+              <a:rPr altLang="en-GB" sz="2800" lang="en-US">
+                <a:solidFill>
+                  <a:srgbClr val="000000"/>
+                </a:solidFill>
+              </a:rPr>
+              <a:t>Well-organized sections (About, Skills, Projects, Conta</a:t>
+            </a:r>
+            <a:endParaRPr sz="2800" lang="en-GB">
+              <a:solidFill>
+                <a:srgbClr val="000000"/>
+              </a:solidFill>
+            </a:endParaRPr>
           </a:p>
         </p:txBody>
       </p:sp>
@@ -7477,7 +8273,7 @@
   <p:cSld>
     <p:spTree>
       <p:nvGrpSpPr>
-        <p:cNvPr id="1" name=""/>
+        <p:cNvPr id="38" name=""/>
         <p:cNvGrpSpPr/>
         <p:nvPr/>
       </p:nvGrpSpPr>
@@ -7491,13 +8287,7 @@
       </p:grpSpPr>
       <p:sp>
         <p:nvSpPr>
-          <p:cNvPr id="2" name="Title 1">
-            <a:extLst>
-              <a:ext uri="{FF2B5EF4-FFF2-40B4-BE49-F238E27FC236}">
-                <a16:creationId xmlns:a16="http://schemas.microsoft.com/office/drawing/2014/main" id="{6E06195E-16D6-79D8-7A9F-F8EB1FE9E212}"/>
-              </a:ext>
-            </a:extLst>
-          </p:cNvPr>
+          <p:cNvPr id="1048667" name="Title 1"/>
           <p:cNvSpPr>
             <a:spLocks noGrp="1"/>
           </p:cNvSpPr>
@@ -7505,24 +8295,137 @@
             <p:ph type="title"/>
           </p:nvPr>
         </p:nvSpPr>
-        <p:spPr/>
+        <p:spPr>
+          <a:xfrm>
+            <a:off x="755332" y="385444"/>
+            <a:ext cx="10681335" cy="723901"/>
+          </a:xfrm>
+        </p:spPr>
         <p:txBody>
           <a:bodyPr/>
-          <a:lstStyle/>
-          <a:p>
-            <a:r>
-              <a:rPr lang="en-IN" dirty="0"/>
+          <a:p>
+            <a:r>
+              <a:rPr dirty="0" lang="en-IN"/>
               <a:t>FEATURES AND FUNCTIONALITY</a:t>
             </a:r>
           </a:p>
         </p:txBody>
       </p:sp>
+      <p:sp>
+        <p:nvSpPr>
+          <p:cNvPr id="1048708" name=""/>
+          <p:cNvSpPr txBox="1"/>
+          <p:nvPr/>
+        </p:nvSpPr>
+        <p:spPr>
+          <a:xfrm>
+            <a:off x="1151369" y="1497810"/>
+            <a:ext cx="10206731" cy="4282440"/>
+          </a:xfrm>
+          <a:prstGeom prst="rect"/>
+        </p:spPr>
+        <p:txBody>
+          <a:bodyPr rtlCol="0" wrap="square">
+            <a:spAutoFit/>
+          </a:bodyPr>
+          <a:p>
+            <a:pPr indent="-457200" marL="457200">
+              <a:buFont typeface="Wingdings" charset="2"/>
+              <a:buChar char="ü"/>
+            </a:pPr>
+            <a:r>
+              <a:rPr altLang="en-GB" sz="2800" lang="en-US">
+                <a:solidFill>
+                  <a:srgbClr val="000000"/>
+                </a:solidFill>
+              </a:rPr>
+              <a:t>Typing Animation – Hero section la text auto type aagum (Web Developer | Designer | Coder etc.).</a:t>
+            </a:r>
+            <a:endParaRPr sz="2800" lang="en-GB">
+              <a:solidFill>
+                <a:srgbClr val="000000"/>
+              </a:solidFill>
+            </a:endParaRPr>
+          </a:p>
+          <a:p>
+            <a:pPr indent="-457200" marL="457200">
+              <a:buFont typeface="Wingdings" charset="2"/>
+              <a:buChar char="ü"/>
+            </a:pPr>
+            <a:r>
+              <a:rPr altLang="en-GB" sz="2800" lang="en-US">
+                <a:solidFill>
+                  <a:srgbClr val="000000"/>
+                </a:solidFill>
+              </a:rPr>
+              <a:t>Glassmorphism UI – Projects &amp; skills cards semi-transparent glass effect + hover glow.</a:t>
+            </a:r>
+            <a:endParaRPr sz="2800" lang="en-GB">
+              <a:solidFill>
+                <a:srgbClr val="000000"/>
+              </a:solidFill>
+            </a:endParaRPr>
+          </a:p>
+          <a:p>
+            <a:pPr indent="-457200" marL="457200">
+              <a:buFont typeface="Wingdings" charset="2"/>
+              <a:buChar char="ü"/>
+            </a:pPr>
+            <a:r>
+              <a:rPr altLang="en-GB" sz="2800" lang="en-US">
+                <a:solidFill>
+                  <a:srgbClr val="000000"/>
+                </a:solidFill>
+              </a:rPr>
+              <a:t>Scroll Reveal – Sections scroll panna fade-in animation varum.</a:t>
+            </a:r>
+            <a:endParaRPr sz="2800" lang="en-GB">
+              <a:solidFill>
+                <a:srgbClr val="000000"/>
+              </a:solidFill>
+            </a:endParaRPr>
+          </a:p>
+          <a:p>
+            <a:pPr indent="-457200" marL="457200">
+              <a:buFont typeface="Wingdings" charset="2"/>
+              <a:buChar char="ü"/>
+            </a:pPr>
+            <a:r>
+              <a:rPr altLang="en-GB" sz="2800" lang="en-US">
+                <a:solidFill>
+                  <a:srgbClr val="000000"/>
+                </a:solidFill>
+              </a:rPr>
+              <a:t>Smooth Scrolling – Navbar links click panna smooth scroll effect.</a:t>
+            </a:r>
+            <a:endParaRPr sz="2800" lang="en-GB">
+              <a:solidFill>
+                <a:srgbClr val="000000"/>
+              </a:solidFill>
+            </a:endParaRPr>
+          </a:p>
+          <a:p>
+            <a:pPr indent="-457200" marL="457200">
+              <a:buFont typeface="Wingdings" charset="2"/>
+              <a:buChar char="ü"/>
+            </a:pPr>
+            <a:r>
+              <a:rPr altLang="en-GB" sz="2800" lang="en-US">
+                <a:solidFill>
+                  <a:srgbClr val="000000"/>
+                </a:solidFill>
+              </a:rPr>
+              <a:t>Responsive Design – Mobile, tablet, desktop ellam ku adapt aagum</a:t>
+            </a:r>
+            <a:endParaRPr sz="2800" lang="en-GB">
+              <a:solidFill>
+                <a:srgbClr val="000000"/>
+              </a:solidFill>
+            </a:endParaRPr>
+          </a:p>
+        </p:txBody>
+      </p:sp>
     </p:spTree>
-    <p:extLst>
-      <p:ext uri="{BB962C8B-B14F-4D97-AF65-F5344CB8AC3E}">
-        <p14:creationId xmlns:p14="http://schemas.microsoft.com/office/powerpoint/2010/main" val="2720660618"/>
-      </p:ext>
-    </p:extLst>
   </p:cSld>
   <p:clrMapOvr>
     <a:masterClrMapping/>
@@ -7535,10 +8438,10 @@
   <a:themeElements>
     <a:clrScheme name="Office">
       <a:dk1>
-        <a:sysClr val="windowText" lastClr="000000"/>
+        <a:sysClr lastClr="000000" val="windowText"/>
       </a:dk1>
       <a:lt1>
-        <a:sysClr val="window" lastClr="FFFFFF"/>
+        <a:sysClr lastClr="FFFFFF" val="window"/>
       </a:lt1>
       <a:dk2>
         <a:srgbClr val="1F497D"/>
@@ -7719,7 +8622,7 @@
       <a:effectStyleLst>
         <a:effectStyle>
           <a:effectLst>
-            <a:outerShdw blurRad="40000" dist="20000" dir="5400000" rotWithShape="0">
+            <a:outerShdw blurRad="40000" dir="5400000" dist="20000" rotWithShape="0">
               <a:srgbClr val="000000">
                 <a:alpha val="38000"/>
               </a:srgbClr>
@@ -7728,7 +8631,7 @@
         </a:effectStyle>
         <a:effectStyle>
           <a:effectLst>
-            <a:outerShdw blurRad="40000" dist="23000" dir="5400000" rotWithShape="0">
+            <a:outerShdw blurRad="40000" dir="5400000" dist="23000" rotWithShape="0">
               <a:srgbClr val="000000">
                 <a:alpha val="35000"/>
               </a:srgbClr>
@@ -7737,7 +8640,7 @@
         </a:effectStyle>
         <a:effectStyle>
           <a:effectLst>
-            <a:outerShdw blurRad="40000" dist="23000" dir="5400000" rotWithShape="0">
+            <a:outerShdw blurRad="40000" dir="5400000" dist="23000" rotWithShape="0">
               <a:srgbClr val="000000">
                 <a:alpha val="35000"/>
               </a:srgbClr>
@@ -7747,7 +8650,7 @@
             <a:camera prst="orthographicFront">
               <a:rot lat="0" lon="0" rev="0"/>
             </a:camera>
-            <a:lightRig rig="threePt" dir="t">
+            <a:lightRig dir="t" rig="threePt">
               <a:rot lat="0" lon="0" rev="1200000"/>
             </a:lightRig>
           </a:scene3d>
@@ -7808,8 +8711,6 @@
       </a:bgFillStyleLst>
     </a:fmtScheme>
   </a:themeElements>
-  <a:objectDefaults/>
-  <a:extraClrSchemeLst/>
 </a:theme>
 </file>
 
@@ -7818,10 +8719,10 @@
   <a:themeElements>
     <a:clrScheme name="Office">
       <a:dk1>
-        <a:sysClr val="windowText" lastClr="000000"/>
+        <a:sysClr lastClr="000000" val="windowText"/>
       </a:dk1>
       <a:lt1>
-        <a:sysClr val="window" lastClr="FFFFFF"/>
+        <a:sysClr lastClr="FFFFFF" val="window"/>
       </a:lt1>
       <a:dk2>
         <a:srgbClr val="44546A"/>
@@ -8050,7 +8951,7 @@
         </a:effectStyle>
         <a:effectStyle>
           <a:effectLst>
-            <a:outerShdw blurRad="57150" dist="19050" dir="5400000" algn="ctr" rotWithShape="0">
+            <a:outerShdw algn="ctr" blurRad="57150" dir="5400000" dist="19050" rotWithShape="0">
               <a:srgbClr val="000000">
                 <a:alpha val="63000"/>
               </a:srgbClr>
@@ -8098,12 +8999,5 @@
       </a:bgFillStyleLst>
     </a:fmtScheme>
   </a:themeElements>
-  <a:objectDefaults/>
-  <a:extraClrSchemeLst/>
-  <a:extLst>
-    <a:ext uri="{05A4C25C-085E-4340-85A3-A5531E510DB2}">
-      <thm15:themeFamily xmlns:thm15="http://schemas.microsoft.com/office/thememl/2012/main" name="Office Theme" id="{62F939B6-93AF-4DB8-9C6B-D6C7DFDC589F}" vid="{4A3C46E8-61CC-4603-A589-7422A47A8E4A}"/>
-    </a:ext>
-  </a:extLst>
 </a:theme>
 </file>